--- a/resources/LangDev 2024 Talk-jos.pptx
+++ b/resources/LangDev 2024 Talk-jos.pptx
@@ -5,7 +5,7 @@
     <p:sldMasterId id="2147483648" r:id="rId1"/>
   </p:sldMasterIdLst>
   <p:notesMasterIdLst>
-    <p:notesMasterId r:id="rId35"/>
+    <p:notesMasterId r:id="rId34"/>
   </p:notesMasterIdLst>
   <p:sldIdLst>
     <p:sldId id="266" r:id="rId2"/>
@@ -21,26 +21,25 @@
     <p:sldId id="304" r:id="rId12"/>
     <p:sldId id="305" r:id="rId13"/>
     <p:sldId id="326" r:id="rId14"/>
-    <p:sldId id="327" r:id="rId15"/>
-    <p:sldId id="328" r:id="rId16"/>
-    <p:sldId id="306" r:id="rId17"/>
-    <p:sldId id="307" r:id="rId18"/>
-    <p:sldId id="308" r:id="rId19"/>
-    <p:sldId id="309" r:id="rId20"/>
-    <p:sldId id="310" r:id="rId21"/>
-    <p:sldId id="311" r:id="rId22"/>
-    <p:sldId id="329" r:id="rId23"/>
-    <p:sldId id="314" r:id="rId24"/>
-    <p:sldId id="317" r:id="rId25"/>
-    <p:sldId id="315" r:id="rId26"/>
-    <p:sldId id="316" r:id="rId27"/>
-    <p:sldId id="318" r:id="rId28"/>
-    <p:sldId id="322" r:id="rId29"/>
-    <p:sldId id="323" r:id="rId30"/>
-    <p:sldId id="324" r:id="rId31"/>
-    <p:sldId id="319" r:id="rId32"/>
-    <p:sldId id="320" r:id="rId33"/>
-    <p:sldId id="321" r:id="rId34"/>
+    <p:sldId id="306" r:id="rId15"/>
+    <p:sldId id="307" r:id="rId16"/>
+    <p:sldId id="308" r:id="rId17"/>
+    <p:sldId id="309" r:id="rId18"/>
+    <p:sldId id="310" r:id="rId19"/>
+    <p:sldId id="311" r:id="rId20"/>
+    <p:sldId id="329" r:id="rId21"/>
+    <p:sldId id="314" r:id="rId22"/>
+    <p:sldId id="317" r:id="rId23"/>
+    <p:sldId id="315" r:id="rId24"/>
+    <p:sldId id="316" r:id="rId25"/>
+    <p:sldId id="318" r:id="rId26"/>
+    <p:sldId id="322" r:id="rId27"/>
+    <p:sldId id="328" r:id="rId28"/>
+    <p:sldId id="324" r:id="rId29"/>
+    <p:sldId id="319" r:id="rId30"/>
+    <p:sldId id="320" r:id="rId31"/>
+    <p:sldId id="321" r:id="rId32"/>
+    <p:sldId id="327" r:id="rId33"/>
   </p:sldIdLst>
   <p:sldSz cx="12192000" cy="6858000"/>
   <p:notesSz cx="6858000" cy="9144000"/>
@@ -12236,8 +12235,8 @@
         </p:blipFill>
         <p:spPr>
           <a:xfrm>
-            <a:off x="1440872" y="5518148"/>
-            <a:ext cx="9143999" cy="838202"/>
+            <a:off x="1440872" y="5395716"/>
+            <a:ext cx="9143999" cy="960634"/>
           </a:xfrm>
           <a:prstGeom prst="rect">
             <a:avLst/>
@@ -15474,9 +15473,10 @@
           <a:lstStyle/>
           <a:p>
             <a:r>
-              <a:rPr lang="en-US" dirty="0"/>
+              <a:rPr lang="en-US"/>
               <a:t>LionWeb: Status Update</a:t>
             </a:r>
+            <a:endParaRPr lang="en-US" dirty="0"/>
           </a:p>
         </p:txBody>
       </p:sp>
@@ -15498,27 +15498,19 @@
         </p:nvSpPr>
         <p:spPr>
           <a:xfrm>
-            <a:off x="1441450" y="5518150"/>
-            <a:ext cx="9144000" cy="636283"/>
+            <a:off x="1440873" y="5518149"/>
+            <a:ext cx="9144000" cy="670675"/>
           </a:xfrm>
         </p:spPr>
         <p:txBody>
           <a:bodyPr>
-            <a:normAutofit fontScale="70000" lnSpcReduction="20000"/>
+            <a:normAutofit fontScale="77500" lnSpcReduction="20000"/>
           </a:bodyPr>
           <a:lstStyle/>
           <a:p>
             <a:r>
               <a:rPr lang="en-US" dirty="0"/>
-              <a:t>at </a:t>
-            </a:r>
-            <a:r>
-              <a:rPr lang="en-US" dirty="0" err="1"/>
-              <a:t>LangDev</a:t>
-            </a:r>
-            <a:r>
-              <a:rPr lang="en-US" dirty="0"/>
-              <a:t> 2024</a:t>
+              <a:t>LangDev 2024</a:t>
             </a:r>
           </a:p>
           <a:p>
@@ -19521,12 +19513,7 @@
             <p:ph type="title"/>
           </p:nvPr>
         </p:nvSpPr>
-        <p:spPr>
-          <a:xfrm>
-            <a:off x="0" y="0"/>
-            <a:ext cx="12192000" cy="1264249"/>
-          </a:xfrm>
-        </p:spPr>
+        <p:spPr/>
         <p:txBody>
           <a:bodyPr>
             <a:normAutofit/>
@@ -19549,246 +19536,457 @@
           </a:p>
         </p:txBody>
       </p:sp>
-      <p:sp>
-        <p:nvSpPr>
-          <p:cNvPr id="3" name="Text Placeholder 2">
+      <p:graphicFrame>
+        <p:nvGraphicFramePr>
+          <p:cNvPr id="14" name="Table 13">
             <a:extLst>
               <a:ext uri="{FF2B5EF4-FFF2-40B4-BE49-F238E27FC236}">
-                <a16:creationId xmlns:a16="http://schemas.microsoft.com/office/drawing/2014/main" id="{0B2576C0-8061-7279-3FDD-4A8CF8B8CD8D}"/>
+                <a16:creationId xmlns:a16="http://schemas.microsoft.com/office/drawing/2014/main" id="{ED9AE68A-A86D-B03C-ED46-4EA21F42EE33}"/>
               </a:ext>
             </a:extLst>
           </p:cNvPr>
-          <p:cNvSpPr>
-            <a:spLocks noGrp="1"/>
-          </p:cNvSpPr>
+          <p:cNvGraphicFramePr>
+            <a:graphicFrameLocks noGrp="1"/>
+          </p:cNvGraphicFramePr>
           <p:nvPr>
-            <p:ph idx="1"/>
+            <p:extLst>
+              <p:ext uri="{D42A27DB-BD31-4B8C-83A1-F6EECF244321}">
+                <p14:modId xmlns:p14="http://schemas.microsoft.com/office/powerpoint/2010/main" val="839354219"/>
+              </p:ext>
+            </p:extLst>
           </p:nvPr>
-        </p:nvSpPr>
-        <p:spPr>
-          <a:xfrm>
-            <a:off x="838200" y="1483360"/>
-            <a:ext cx="10515600" cy="4867744"/>
-          </a:xfrm>
-        </p:spPr>
-        <p:txBody>
-          <a:bodyPr/>
-          <a:lstStyle/>
-          <a:p>
-            <a:r>
-              <a:rPr lang="nl-NL" dirty="0" err="1"/>
-              <a:t>Rascal</a:t>
-            </a:r>
-            <a:r>
-              <a:rPr lang="nl-NL" dirty="0"/>
-              <a:t> </a:t>
-            </a:r>
-            <a:r>
-              <a:rPr lang="nl-NL" dirty="0" err="1"/>
-              <a:t>by</a:t>
-            </a:r>
-            <a:r>
-              <a:rPr lang="nl-NL" dirty="0"/>
-              <a:t> Ulyana</a:t>
-            </a:r>
-          </a:p>
-          <a:p>
-            <a:r>
-              <a:rPr lang="nl-NL" dirty="0" err="1"/>
-              <a:t>Truffle</a:t>
-            </a:r>
-            <a:r>
-              <a:rPr lang="nl-NL" dirty="0"/>
-              <a:t> </a:t>
-            </a:r>
-            <a:r>
-              <a:rPr lang="nl-NL" dirty="0" err="1"/>
-              <a:t>by</a:t>
-            </a:r>
-            <a:r>
-              <a:rPr lang="nl-NL" dirty="0"/>
-              <a:t> </a:t>
-            </a:r>
-            <a:r>
-              <a:rPr lang="nl-NL" dirty="0" err="1"/>
-              <a:t>Erkan</a:t>
-            </a:r>
-            <a:endParaRPr lang="nl-NL" dirty="0"/>
-          </a:p>
-          <a:p>
-            <a:r>
-              <a:rPr lang="nl-NL" dirty="0" err="1"/>
-              <a:t>Federico</a:t>
-            </a:r>
-            <a:r>
-              <a:rPr lang="nl-NL" dirty="0"/>
-              <a:t> </a:t>
-            </a:r>
-            <a:r>
-              <a:rPr lang="nl-NL" dirty="0" err="1"/>
-              <a:t>will</a:t>
-            </a:r>
-            <a:r>
-              <a:rPr lang="nl-NL" dirty="0"/>
-              <a:t> </a:t>
-            </a:r>
-            <a:r>
-              <a:rPr lang="nl-NL" dirty="0" err="1"/>
-              <a:t>propose</a:t>
-            </a:r>
-            <a:r>
-              <a:rPr lang="nl-NL" dirty="0"/>
-              <a:t> </a:t>
-            </a:r>
-            <a:r>
-              <a:rPr lang="nl-NL" dirty="0" err="1"/>
-              <a:t>legacy</a:t>
-            </a:r>
-            <a:r>
-              <a:rPr lang="nl-NL" dirty="0"/>
-              <a:t> </a:t>
-            </a:r>
-            <a:r>
-              <a:rPr lang="nl-NL" dirty="0" err="1"/>
-              <a:t>modernization</a:t>
-            </a:r>
-            <a:r>
-              <a:rPr lang="nl-NL" dirty="0"/>
-              <a:t> talk </a:t>
-            </a:r>
-            <a:r>
-              <a:rPr lang="nl-NL" dirty="0" err="1"/>
-              <a:t>that</a:t>
-            </a:r>
-            <a:r>
-              <a:rPr lang="nl-NL" dirty="0"/>
-              <a:t> </a:t>
-            </a:r>
-            <a:r>
-              <a:rPr lang="nl-NL" dirty="0" err="1"/>
-              <a:t>mentions</a:t>
-            </a:r>
-            <a:r>
-              <a:rPr lang="nl-NL" dirty="0"/>
-              <a:t> LW </a:t>
-            </a:r>
-            <a:r>
-              <a:rPr lang="nl-NL" dirty="0" err="1"/>
-              <a:t>and</a:t>
-            </a:r>
-            <a:r>
-              <a:rPr lang="nl-NL" dirty="0"/>
-              <a:t> </a:t>
-            </a:r>
-            <a:r>
-              <a:rPr lang="nl-NL" dirty="0" err="1"/>
-              <a:t>dealing</a:t>
-            </a:r>
-            <a:r>
-              <a:rPr lang="nl-NL" dirty="0"/>
-              <a:t> </a:t>
-            </a:r>
-            <a:r>
-              <a:rPr lang="nl-NL" dirty="0" err="1"/>
-              <a:t>with</a:t>
-            </a:r>
-            <a:r>
-              <a:rPr lang="nl-NL" dirty="0"/>
-              <a:t> large code bases</a:t>
-            </a:r>
-          </a:p>
-          <a:p>
-            <a:r>
-              <a:rPr lang="nl-NL" dirty="0"/>
-              <a:t>Access </a:t>
-            </a:r>
-            <a:r>
-              <a:rPr lang="nl-NL" dirty="0" err="1"/>
-              <a:t>from</a:t>
-            </a:r>
-            <a:r>
-              <a:rPr lang="nl-NL" dirty="0"/>
-              <a:t> different </a:t>
-            </a:r>
-            <a:r>
-              <a:rPr lang="nl-NL" dirty="0" err="1"/>
-              <a:t>technologies</a:t>
-            </a:r>
-            <a:r>
-              <a:rPr lang="nl-NL" dirty="0"/>
-              <a:t>, web</a:t>
-            </a:r>
-          </a:p>
-          <a:p>
-            <a:r>
-              <a:rPr lang="nl-NL" dirty="0" err="1"/>
-              <a:t>Meinte</a:t>
-            </a:r>
-            <a:r>
-              <a:rPr lang="nl-NL" dirty="0"/>
-              <a:t> </a:t>
-            </a:r>
-            <a:r>
-              <a:rPr lang="nl-NL" dirty="0" err="1"/>
-              <a:t>might</a:t>
-            </a:r>
-            <a:r>
-              <a:rPr lang="nl-NL" dirty="0"/>
-              <a:t> talk </a:t>
-            </a:r>
-            <a:r>
-              <a:rPr lang="nl-NL" dirty="0" err="1"/>
-              <a:t>about</a:t>
-            </a:r>
-            <a:r>
-              <a:rPr lang="nl-NL" dirty="0"/>
-              <a:t> </a:t>
-            </a:r>
-            <a:r>
-              <a:rPr lang="nl-NL" dirty="0" err="1"/>
-              <a:t>minimal</a:t>
-            </a:r>
-            <a:r>
-              <a:rPr lang="nl-NL" dirty="0"/>
-              <a:t> </a:t>
-            </a:r>
-            <a:r>
-              <a:rPr lang="nl-NL" dirty="0" err="1"/>
-              <a:t>functional</a:t>
-            </a:r>
-            <a:r>
-              <a:rPr lang="nl-NL" dirty="0"/>
-              <a:t> </a:t>
-            </a:r>
-            <a:r>
-              <a:rPr lang="nl-NL" dirty="0" err="1"/>
-              <a:t>language</a:t>
-            </a:r>
-            <a:r>
-              <a:rPr lang="nl-NL" dirty="0"/>
-              <a:t> </a:t>
-            </a:r>
-            <a:r>
-              <a:rPr lang="nl-NL" dirty="0" err="1"/>
-              <a:t>implement</a:t>
-            </a:r>
-            <a:r>
-              <a:rPr lang="nl-NL" dirty="0"/>
-              <a:t> </a:t>
-            </a:r>
-            <a:r>
-              <a:rPr lang="nl-NL"/>
-              <a:t>in LW</a:t>
-            </a:r>
-          </a:p>
-          <a:p>
-            <a:endParaRPr lang="nl-NL" dirty="0"/>
-          </a:p>
-          <a:p>
-            <a:endParaRPr lang="en-NL" dirty="0"/>
-          </a:p>
-        </p:txBody>
-      </p:sp>
+        </p:nvGraphicFramePr>
+        <p:xfrm>
+          <a:off x="1013480" y="1911927"/>
+          <a:ext cx="10165039" cy="4199994"/>
+        </p:xfrm>
+        <a:graphic>
+          <a:graphicData uri="http://schemas.openxmlformats.org/drawingml/2006/table">
+            <a:tbl>
+              <a:tblPr firstRow="1" bandRow="1">
+                <a:tableStyleId>{21E4AEA4-8DFA-4A89-87EB-49C32662AFE0}</a:tableStyleId>
+              </a:tblPr>
+              <a:tblGrid>
+                <a:gridCol w="5908755">
+                  <a:extLst>
+                    <a:ext uri="{9D8B030D-6E8A-4147-A177-3AD203B41FA5}">
+                      <a16:colId xmlns:a16="http://schemas.microsoft.com/office/drawing/2014/main" val="1182643446"/>
+                    </a:ext>
+                  </a:extLst>
+                </a:gridCol>
+                <a:gridCol w="2244436">
+                  <a:extLst>
+                    <a:ext uri="{9D8B030D-6E8A-4147-A177-3AD203B41FA5}">
+                      <a16:colId xmlns:a16="http://schemas.microsoft.com/office/drawing/2014/main" val="713698797"/>
+                    </a:ext>
+                  </a:extLst>
+                </a:gridCol>
+                <a:gridCol w="2011848">
+                  <a:extLst>
+                    <a:ext uri="{9D8B030D-6E8A-4147-A177-3AD203B41FA5}">
+                      <a16:colId xmlns:a16="http://schemas.microsoft.com/office/drawing/2014/main" val="587666847"/>
+                    </a:ext>
+                  </a:extLst>
+                </a:gridCol>
+              </a:tblGrid>
+              <a:tr h="684249">
+                <a:tc>
+                  <a:txBody>
+                    <a:bodyPr/>
+                    <a:lstStyle/>
+                    <a:p>
+                      <a:r>
+                        <a:rPr lang="en-NL" dirty="0"/>
+                        <a:t>Title</a:t>
+                      </a:r>
+                    </a:p>
+                  </a:txBody>
+                  <a:tcPr/>
+                </a:tc>
+                <a:tc>
+                  <a:txBody>
+                    <a:bodyPr/>
+                    <a:lstStyle/>
+                    <a:p>
+                      <a:r>
+                        <a:rPr lang="en-NL" dirty="0"/>
+                        <a:t>Speaker</a:t>
+                      </a:r>
+                    </a:p>
+                  </a:txBody>
+                  <a:tcPr/>
+                </a:tc>
+                <a:tc>
+                  <a:txBody>
+                    <a:bodyPr/>
+                    <a:lstStyle/>
+                    <a:p>
+                      <a:r>
+                        <a:rPr lang="en-NL" dirty="0"/>
+                        <a:t>Affiliation</a:t>
+                      </a:r>
+                    </a:p>
+                  </a:txBody>
+                  <a:tcPr/>
+                </a:tc>
+                <a:extLst>
+                  <a:ext uri="{0D108BD9-81ED-4DB2-BD59-A6C34878D82A}">
+                    <a16:rowId xmlns:a16="http://schemas.microsoft.com/office/drawing/2014/main" val="1805505721"/>
+                  </a:ext>
+                </a:extLst>
+              </a:tr>
+              <a:tr h="785835">
+                <a:tc>
+                  <a:txBody>
+                    <a:bodyPr/>
+                    <a:lstStyle/>
+                    <a:p>
+                      <a:r>
+                        <a:rPr lang="en-GB" sz="1600" b="1" i="0" dirty="0">
+                          <a:latin typeface="Gilmer Medium" pitchFamily="2" charset="77"/>
+                        </a:rPr>
+                        <a:t>Language Engineering for Language Migrations</a:t>
+                      </a:r>
+                      <a:endParaRPr lang="en-NL" sz="1600" b="1" i="0" dirty="0">
+                        <a:latin typeface="Gilmer Medium" pitchFamily="2" charset="77"/>
+                      </a:endParaRPr>
+                    </a:p>
+                  </a:txBody>
+                  <a:tcPr/>
+                </a:tc>
+                <a:tc>
+                  <a:txBody>
+                    <a:bodyPr/>
+                    <a:lstStyle/>
+                    <a:p>
+                      <a:r>
+                        <a:rPr lang="en-GB" sz="1600" b="0" i="0" dirty="0">
+                          <a:latin typeface="Gilmer" pitchFamily="2" charset="77"/>
+                        </a:rPr>
+                        <a:t>Federico </a:t>
+                      </a:r>
+                      <a:r>
+                        <a:rPr lang="en-GB" sz="1600" b="0" i="0" dirty="0" err="1">
+                          <a:latin typeface="Gilmer" pitchFamily="2" charset="77"/>
+                        </a:rPr>
+                        <a:t>Tomassetti</a:t>
+                      </a:r>
+                      <a:endParaRPr lang="en-NL" sz="1600" b="0" i="0" dirty="0">
+                        <a:latin typeface="Gilmer" pitchFamily="2" charset="77"/>
+                      </a:endParaRPr>
+                    </a:p>
+                  </a:txBody>
+                  <a:tcPr/>
+                </a:tc>
+                <a:tc>
+                  <a:txBody>
+                    <a:bodyPr/>
+                    <a:lstStyle/>
+                    <a:p>
+                      <a:r>
+                        <a:rPr lang="en-GB" sz="1600" b="0" i="0" dirty="0" err="1">
+                          <a:latin typeface="Gilmer" pitchFamily="2" charset="77"/>
+                        </a:rPr>
+                        <a:t>Strumenta</a:t>
+                      </a:r>
+                      <a:endParaRPr lang="en-NL" sz="1600" b="0" i="0" dirty="0">
+                        <a:latin typeface="Gilmer" pitchFamily="2" charset="77"/>
+                      </a:endParaRPr>
+                    </a:p>
+                  </a:txBody>
+                  <a:tcPr/>
+                </a:tc>
+                <a:extLst>
+                  <a:ext uri="{0D108BD9-81ED-4DB2-BD59-A6C34878D82A}">
+                    <a16:rowId xmlns:a16="http://schemas.microsoft.com/office/drawing/2014/main" val="4095484945"/>
+                  </a:ext>
+                </a:extLst>
+              </a:tr>
+              <a:tr h="785835">
+                <a:tc>
+                  <a:txBody>
+                    <a:bodyPr/>
+                    <a:lstStyle/>
+                    <a:p>
+                      <a:r>
+                        <a:rPr lang="en-GB" sz="1600" b="1" i="0" dirty="0" err="1">
+                          <a:latin typeface="Gilmer Medium" pitchFamily="2" charset="77"/>
+                        </a:rPr>
+                        <a:t>GenFPL</a:t>
+                      </a:r>
+                      <a:r>
+                        <a:rPr lang="en-GB" sz="1600" b="1" i="0" dirty="0">
+                          <a:latin typeface="Gilmer Medium" pitchFamily="2" charset="77"/>
+                        </a:rPr>
+                        <a:t>: DSL-embeddable functional programming languages</a:t>
+                      </a:r>
+                      <a:endParaRPr lang="en-NL" sz="1600" b="1" i="0" dirty="0">
+                        <a:latin typeface="Gilmer Medium" pitchFamily="2" charset="77"/>
+                      </a:endParaRPr>
+                    </a:p>
+                  </a:txBody>
+                  <a:tcPr/>
+                </a:tc>
+                <a:tc>
+                  <a:txBody>
+                    <a:bodyPr/>
+                    <a:lstStyle/>
+                    <a:p>
+                      <a:r>
+                        <a:rPr lang="en-GB" sz="1600" b="0" i="0" dirty="0" err="1">
+                          <a:latin typeface="Gilmer" pitchFamily="2" charset="77"/>
+                        </a:rPr>
+                        <a:t>Meinte</a:t>
+                      </a:r>
+                      <a:r>
+                        <a:rPr lang="en-GB" sz="1600" b="0" i="0" dirty="0">
+                          <a:latin typeface="Gilmer" pitchFamily="2" charset="77"/>
+                        </a:rPr>
+                        <a:t> Boersma</a:t>
+                      </a:r>
+                      <a:endParaRPr lang="en-NL" sz="1600" b="0" i="0" dirty="0">
+                        <a:latin typeface="Gilmer" pitchFamily="2" charset="77"/>
+                      </a:endParaRPr>
+                    </a:p>
+                  </a:txBody>
+                  <a:tcPr/>
+                </a:tc>
+                <a:tc>
+                  <a:txBody>
+                    <a:bodyPr/>
+                    <a:lstStyle/>
+                    <a:p>
+                      <a:r>
+                        <a:rPr lang="en-GB" sz="1600" b="0" i="0" dirty="0">
+                          <a:latin typeface="Gilmer" pitchFamily="2" charset="77"/>
+                        </a:rPr>
+                        <a:t>DSL Consulting</a:t>
+                      </a:r>
+                      <a:endParaRPr lang="en-NL" sz="1600" b="0" i="0" dirty="0">
+                        <a:latin typeface="Gilmer" pitchFamily="2" charset="77"/>
+                      </a:endParaRPr>
+                    </a:p>
+                  </a:txBody>
+                  <a:tcPr/>
+                </a:tc>
+                <a:extLst>
+                  <a:ext uri="{0D108BD9-81ED-4DB2-BD59-A6C34878D82A}">
+                    <a16:rowId xmlns:a16="http://schemas.microsoft.com/office/drawing/2014/main" val="3345740246"/>
+                  </a:ext>
+                </a:extLst>
+              </a:tr>
+              <a:tr h="455285">
+                <a:tc>
+                  <a:txBody>
+                    <a:bodyPr/>
+                    <a:lstStyle/>
+                    <a:p>
+                      <a:r>
+                        <a:rPr lang="en-GB" sz="1600" b="1" i="0" dirty="0">
+                          <a:latin typeface="Gilmer Medium" pitchFamily="2" charset="77"/>
+                        </a:rPr>
+                        <a:t>LionWeb and </a:t>
+                      </a:r>
+                      <a:r>
+                        <a:rPr lang="en-GB" sz="1600" b="1" i="0" dirty="0" err="1">
+                          <a:latin typeface="Gilmer Medium" pitchFamily="2" charset="77"/>
+                        </a:rPr>
+                        <a:t>Kolasu</a:t>
+                      </a:r>
+                      <a:r>
+                        <a:rPr lang="en-GB" sz="1600" b="1" i="0" dirty="0">
+                          <a:latin typeface="Gilmer Medium" pitchFamily="2" charset="77"/>
+                        </a:rPr>
+                        <a:t>: an integration story</a:t>
+                      </a:r>
+                    </a:p>
+                    <a:p>
+                      <a:endParaRPr lang="en-NL" sz="1600" b="1" i="0" dirty="0">
+                        <a:latin typeface="Gilmer Medium" pitchFamily="2" charset="77"/>
+                      </a:endParaRPr>
+                    </a:p>
+                  </a:txBody>
+                  <a:tcPr/>
+                </a:tc>
+                <a:tc>
+                  <a:txBody>
+                    <a:bodyPr/>
+                    <a:lstStyle/>
+                    <a:p>
+                      <a:r>
+                        <a:rPr lang="en-GB" sz="1600" b="0" i="0" dirty="0">
+                          <a:latin typeface="Gilmer" pitchFamily="2" charset="77"/>
+                        </a:rPr>
+                        <a:t>Alessio </a:t>
+                      </a:r>
+                      <a:r>
+                        <a:rPr lang="en-GB" sz="1600" b="0" i="0" dirty="0" err="1">
+                          <a:latin typeface="Gilmer" pitchFamily="2" charset="77"/>
+                        </a:rPr>
+                        <a:t>Stalla</a:t>
+                      </a:r>
+                      <a:r>
+                        <a:rPr lang="en-GB" sz="1600" b="0" i="0" dirty="0">
+                          <a:latin typeface="Gilmer" pitchFamily="2" charset="77"/>
+                        </a:rPr>
+                        <a:t> </a:t>
+                      </a:r>
+                      <a:endParaRPr lang="en-NL" sz="1600" b="0" i="0" dirty="0">
+                        <a:latin typeface="Gilmer" pitchFamily="2" charset="77"/>
+                      </a:endParaRPr>
+                    </a:p>
+                  </a:txBody>
+                  <a:tcPr/>
+                </a:tc>
+                <a:tc>
+                  <a:txBody>
+                    <a:bodyPr/>
+                    <a:lstStyle/>
+                    <a:p>
+                      <a:r>
+                        <a:rPr lang="en-GB" sz="1600" b="0" i="0" dirty="0" err="1">
+                          <a:latin typeface="Gilmer" pitchFamily="2" charset="77"/>
+                        </a:rPr>
+                        <a:t>Strumenta</a:t>
+                      </a:r>
+                      <a:endParaRPr lang="en-NL" sz="1600" b="0" i="0" dirty="0">
+                        <a:latin typeface="Gilmer" pitchFamily="2" charset="77"/>
+                      </a:endParaRPr>
+                    </a:p>
+                  </a:txBody>
+                  <a:tcPr/>
+                </a:tc>
+                <a:extLst>
+                  <a:ext uri="{0D108BD9-81ED-4DB2-BD59-A6C34878D82A}">
+                    <a16:rowId xmlns:a16="http://schemas.microsoft.com/office/drawing/2014/main" val="3061986501"/>
+                  </a:ext>
+                </a:extLst>
+              </a:tr>
+              <a:tr h="455285">
+                <a:tc>
+                  <a:txBody>
+                    <a:bodyPr/>
+                    <a:lstStyle/>
+                    <a:p>
+                      <a:r>
+                        <a:rPr lang="en-GB" sz="1600" b="1" i="0" dirty="0">
+                          <a:latin typeface="Gilmer Medium" pitchFamily="2" charset="77"/>
+                        </a:rPr>
+                        <a:t>Implementing LionWeb in Rascal</a:t>
+                      </a:r>
+                    </a:p>
+                    <a:p>
+                      <a:endParaRPr lang="en-GB" sz="1600" b="1" i="0" dirty="0">
+                        <a:latin typeface="Gilmer Medium" pitchFamily="2" charset="77"/>
+                      </a:endParaRPr>
+                    </a:p>
+                  </a:txBody>
+                  <a:tcPr/>
+                </a:tc>
+                <a:tc>
+                  <a:txBody>
+                    <a:bodyPr/>
+                    <a:lstStyle/>
+                    <a:p>
+                      <a:r>
+                        <a:rPr lang="en-GB" sz="1600" b="0" i="0" dirty="0" err="1">
+                          <a:latin typeface="Gilmer" pitchFamily="2" charset="77"/>
+                        </a:rPr>
+                        <a:t>Ulyana</a:t>
+                      </a:r>
+                      <a:r>
+                        <a:rPr lang="en-GB" sz="1600" b="0" i="0" dirty="0">
+                          <a:latin typeface="Gilmer" pitchFamily="2" charset="77"/>
+                        </a:rPr>
+                        <a:t> Tikhonova</a:t>
+                      </a:r>
+                      <a:endParaRPr lang="en-NL" sz="1600" b="0" i="0" dirty="0">
+                        <a:latin typeface="Gilmer" pitchFamily="2" charset="77"/>
+                      </a:endParaRPr>
+                    </a:p>
+                  </a:txBody>
+                  <a:tcPr/>
+                </a:tc>
+                <a:tc>
+                  <a:txBody>
+                    <a:bodyPr/>
+                    <a:lstStyle/>
+                    <a:p>
+                      <a:r>
+                        <a:rPr lang="en-GB" sz="1600" b="0" i="0" dirty="0">
+                          <a:latin typeface="Gilmer" pitchFamily="2" charset="77"/>
+                        </a:rPr>
+                        <a:t>F1RE</a:t>
+                      </a:r>
+                    </a:p>
+                  </a:txBody>
+                  <a:tcPr/>
+                </a:tc>
+                <a:extLst>
+                  <a:ext uri="{0D108BD9-81ED-4DB2-BD59-A6C34878D82A}">
+                    <a16:rowId xmlns:a16="http://schemas.microsoft.com/office/drawing/2014/main" val="247147539"/>
+                  </a:ext>
+                </a:extLst>
+              </a:tr>
+              <a:tr h="785835">
+                <a:tc>
+                  <a:txBody>
+                    <a:bodyPr/>
+                    <a:lstStyle/>
+                    <a:p>
+                      <a:r>
+                        <a:rPr lang="en-GB" sz="1600" b="1" i="0" dirty="0">
+                          <a:latin typeface="Gilmer Medium" pitchFamily="2" charset="77"/>
+                        </a:rPr>
+                        <a:t>A Case Study: Execution of LionWeb nodes in Truffle Language Framework</a:t>
+                      </a:r>
+                    </a:p>
+                  </a:txBody>
+                  <a:tcPr/>
+                </a:tc>
+                <a:tc>
+                  <a:txBody>
+                    <a:bodyPr/>
+                    <a:lstStyle/>
+                    <a:p>
+                      <a:r>
+                        <a:rPr lang="en-GB" sz="1600" b="0" i="0" dirty="0">
+                          <a:latin typeface="Gilmer" pitchFamily="2" charset="77"/>
+                        </a:rPr>
+                        <a:t>Erkan Diken</a:t>
+                      </a:r>
+                      <a:endParaRPr lang="en-NL" sz="1600" b="0" i="0" dirty="0">
+                        <a:latin typeface="Gilmer" pitchFamily="2" charset="77"/>
+                      </a:endParaRPr>
+                    </a:p>
+                  </a:txBody>
+                  <a:tcPr/>
+                </a:tc>
+                <a:tc>
+                  <a:txBody>
+                    <a:bodyPr/>
+                    <a:lstStyle/>
+                    <a:p>
+                      <a:r>
+                        <a:rPr lang="en-GB" sz="1600" b="0" i="0" dirty="0">
+                          <a:latin typeface="Gilmer" pitchFamily="2" charset="77"/>
+                        </a:rPr>
+                        <a:t>F1RE</a:t>
+                      </a:r>
+                    </a:p>
+                  </a:txBody>
+                  <a:tcPr/>
+                </a:tc>
+                <a:extLst>
+                  <a:ext uri="{0D108BD9-81ED-4DB2-BD59-A6C34878D82A}">
+                    <a16:rowId xmlns:a16="http://schemas.microsoft.com/office/drawing/2014/main" val="3587127448"/>
+                  </a:ext>
+                </a:extLst>
+              </a:tr>
+            </a:tbl>
+          </a:graphicData>
+        </a:graphic>
+      </p:graphicFrame>
     </p:spTree>
     <p:extLst>
       <p:ext uri="{BB962C8B-B14F-4D97-AF65-F5344CB8AC3E}">
@@ -19835,7 +20033,12 @@
             <p:ph type="title"/>
           </p:nvPr>
         </p:nvSpPr>
-        <p:spPr/>
+        <p:spPr>
+          <a:xfrm>
+            <a:off x="0" y="1709738"/>
+            <a:ext cx="12192000" cy="3185396"/>
+          </a:xfrm>
+        </p:spPr>
         <p:txBody>
           <a:bodyPr/>
           <a:lstStyle/>
@@ -19850,10 +20053,10 @@
       </p:sp>
       <p:sp>
         <p:nvSpPr>
-          <p:cNvPr id="3" name="Text Placeholder 2">
+          <p:cNvPr id="5" name="Text Placeholder 4">
             <a:extLst>
               <a:ext uri="{FF2B5EF4-FFF2-40B4-BE49-F238E27FC236}">
-                <a16:creationId xmlns:a16="http://schemas.microsoft.com/office/drawing/2014/main" id="{18BF411F-3A3D-8CC4-B819-19FA4A6F2E7F}"/>
+                <a16:creationId xmlns:a16="http://schemas.microsoft.com/office/drawing/2014/main" id="{0CE0322D-1DDA-C281-4F8C-770C7E96AACF}"/>
               </a:ext>
             </a:extLst>
           </p:cNvPr>
@@ -19873,6 +20076,42 @@
           </a:p>
         </p:txBody>
       </p:sp>
+      <p:pic>
+        <p:nvPicPr>
+          <p:cNvPr id="6" name="Graphic 5">
+            <a:extLst>
+              <a:ext uri="{FF2B5EF4-FFF2-40B4-BE49-F238E27FC236}">
+                <a16:creationId xmlns:a16="http://schemas.microsoft.com/office/drawing/2014/main" id="{E933AA78-3280-73A8-F4C8-940248D056A7}"/>
+              </a:ext>
+            </a:extLst>
+          </p:cNvPr>
+          <p:cNvPicPr>
+            <a:picLocks noChangeAspect="1"/>
+          </p:cNvPicPr>
+          <p:nvPr/>
+        </p:nvPicPr>
+        <p:blipFill>
+          <a:blip r:embed="rId2">
+            <a:extLst>
+              <a:ext uri="{96DAC541-7B7A-43D3-8B79-37D633B846F1}">
+                <asvg:svgBlip xmlns:asvg="http://schemas.microsoft.com/office/drawing/2016/SVG/main" r:embed="rId3"/>
+              </a:ext>
+            </a:extLst>
+          </a:blip>
+          <a:stretch>
+            <a:fillRect/>
+          </a:stretch>
+        </p:blipFill>
+        <p:spPr>
+          <a:xfrm>
+            <a:off x="5535121" y="3394947"/>
+            <a:ext cx="1121757" cy="1127724"/>
+          </a:xfrm>
+          <a:prstGeom prst="rect">
+            <a:avLst/>
+          </a:prstGeom>
+        </p:spPr>
+      </p:pic>
     </p:spTree>
     <p:extLst>
       <p:ext uri="{BB962C8B-B14F-4D97-AF65-F5344CB8AC3E}">
@@ -20025,6 +20264,25 @@
             </a:r>
           </a:p>
           <a:p>
+            <a:r>
+              <a:rPr lang="en-US" dirty="0"/>
+              <a:t>URL</a:t>
+            </a:r>
+          </a:p>
+          <a:p>
+            <a:pPr lvl="1"/>
+            <a:r>
+              <a:rPr lang="en-US" dirty="0">
+                <a:hlinkClick r:id="rId2"/>
+              </a:rPr>
+              <a:t>https://github.com/LionWeb-io/lionweb-repository</a:t>
+            </a:r>
+            <a:r>
+              <a:rPr lang="en-US" dirty="0"/>
+              <a:t> </a:t>
+            </a:r>
+          </a:p>
+          <a:p>
             <a:endParaRPr lang="en-NL" dirty="0"/>
           </a:p>
         </p:txBody>
@@ -20044,10 +20302,10 @@
           <p:nvPr/>
         </p:nvPicPr>
         <p:blipFill>
-          <a:blip r:embed="rId2">
+          <a:blip r:embed="rId3">
             <a:extLst>
               <a:ext uri="{96DAC541-7B7A-43D3-8B79-37D633B846F1}">
-                <asvg:svgBlip xmlns:asvg="http://schemas.microsoft.com/office/drawing/2016/SVG/main" r:embed="rId3"/>
+                <asvg:svgBlip xmlns:asvg="http://schemas.microsoft.com/office/drawing/2016/SVG/main" r:embed="rId4"/>
               </a:ext>
             </a:extLst>
           </a:blip>
@@ -20302,13 +20560,7 @@
   <p:cSld>
     <p:spTree>
       <p:nvGrpSpPr>
-        <p:cNvPr id="1" name="">
-          <a:extLst>
-            <a:ext uri="{FF2B5EF4-FFF2-40B4-BE49-F238E27FC236}">
-              <a16:creationId xmlns:a16="http://schemas.microsoft.com/office/drawing/2014/main" id="{11C3A8AC-B01A-B748-177E-FFBBC46E83EC}"/>
-            </a:ext>
-          </a:extLst>
-        </p:cNvPr>
+        <p:cNvPr id="1" name=""/>
         <p:cNvGrpSpPr/>
         <p:nvPr/>
       </p:nvGrpSpPr>
@@ -20325,7 +20577,331 @@
           <p:cNvPr id="2" name="Title 1">
             <a:extLst>
               <a:ext uri="{FF2B5EF4-FFF2-40B4-BE49-F238E27FC236}">
-                <a16:creationId xmlns:a16="http://schemas.microsoft.com/office/drawing/2014/main" id="{38534D5A-2EE7-81BC-FC7D-249FD2A8A17F}"/>
+                <a16:creationId xmlns:a16="http://schemas.microsoft.com/office/drawing/2014/main" id="{F62FFC7C-5F30-6874-E215-FCCC9AC4CEDF}"/>
+              </a:ext>
+            </a:extLst>
+          </p:cNvPr>
+          <p:cNvSpPr>
+            <a:spLocks noGrp="1"/>
+          </p:cNvSpPr>
+          <p:nvPr>
+            <p:ph type="title"/>
+          </p:nvPr>
+        </p:nvSpPr>
+        <p:spPr/>
+        <p:txBody>
+          <a:bodyPr>
+            <a:normAutofit/>
+          </a:bodyPr>
+          <a:lstStyle/>
+          <a:p>
+            <a:r>
+              <a:rPr lang="nl-NL" dirty="0"/>
+              <a:t>C#</a:t>
+            </a:r>
+            <a:endParaRPr lang="en-NL" dirty="0"/>
+          </a:p>
+        </p:txBody>
+      </p:sp>
+      <p:sp>
+        <p:nvSpPr>
+          <p:cNvPr id="3" name="Text Placeholder 2">
+            <a:extLst>
+              <a:ext uri="{FF2B5EF4-FFF2-40B4-BE49-F238E27FC236}">
+                <a16:creationId xmlns:a16="http://schemas.microsoft.com/office/drawing/2014/main" id="{963F5A6A-280D-446C-AD61-E5BB8272D117}"/>
+              </a:ext>
+            </a:extLst>
+          </p:cNvPr>
+          <p:cNvSpPr>
+            <a:spLocks noGrp="1"/>
+          </p:cNvSpPr>
+          <p:nvPr>
+            <p:ph type="body" idx="1"/>
+          </p:nvPr>
+        </p:nvSpPr>
+        <p:spPr/>
+        <p:txBody>
+          <a:bodyPr/>
+          <a:lstStyle/>
+          <a:p>
+            <a:r>
+              <a:rPr lang="en-NL" dirty="0"/>
+              <a:t>TODO</a:t>
+            </a:r>
+          </a:p>
+          <a:p>
+            <a:r>
+              <a:rPr lang="en-NL" dirty="0"/>
+              <a:t>URL</a:t>
+            </a:r>
+          </a:p>
+          <a:p>
+            <a:pPr lvl="1"/>
+            <a:r>
+              <a:rPr lang="en-GB" dirty="0">
+                <a:hlinkClick r:id="rId2"/>
+              </a:rPr>
+              <a:t>https://github.com/LionWeb-io/lionweb-csharp</a:t>
+            </a:r>
+            <a:r>
+              <a:rPr lang="en-NL" dirty="0"/>
+              <a:t> </a:t>
+            </a:r>
+          </a:p>
+        </p:txBody>
+      </p:sp>
+    </p:spTree>
+    <p:extLst>
+      <p:ext uri="{BB962C8B-B14F-4D97-AF65-F5344CB8AC3E}">
+        <p14:creationId xmlns:p14="http://schemas.microsoft.com/office/powerpoint/2010/main" val="1421518243"/>
+      </p:ext>
+    </p:extLst>
+  </p:cSld>
+  <p:clrMapOvr>
+    <a:masterClrMapping/>
+  </p:clrMapOvr>
+</p:sld>
+</file>
+
+<file path=ppt/slides/slide15.xml><?xml version="1.0" encoding="utf-8"?>
+<p:sld xmlns:a="http://schemas.openxmlformats.org/drawingml/2006/main" xmlns:r="http://schemas.openxmlformats.org/officeDocument/2006/relationships" xmlns:p="http://schemas.openxmlformats.org/presentationml/2006/main">
+  <p:cSld>
+    <p:spTree>
+      <p:nvGrpSpPr>
+        <p:cNvPr id="1" name=""/>
+        <p:cNvGrpSpPr/>
+        <p:nvPr/>
+      </p:nvGrpSpPr>
+      <p:grpSpPr>
+        <a:xfrm>
+          <a:off x="0" y="0"/>
+          <a:ext cx="0" cy="0"/>
+          <a:chOff x="0" y="0"/>
+          <a:chExt cx="0" cy="0"/>
+        </a:xfrm>
+      </p:grpSpPr>
+      <p:sp>
+        <p:nvSpPr>
+          <p:cNvPr id="2" name="Title 1">
+            <a:extLst>
+              <a:ext uri="{FF2B5EF4-FFF2-40B4-BE49-F238E27FC236}">
+                <a16:creationId xmlns:a16="http://schemas.microsoft.com/office/drawing/2014/main" id="{2EDFD09D-D4D1-3C1B-1727-0BDF29A9A775}"/>
+              </a:ext>
+            </a:extLst>
+          </p:cNvPr>
+          <p:cNvSpPr>
+            <a:spLocks noGrp="1"/>
+          </p:cNvSpPr>
+          <p:nvPr>
+            <p:ph type="title"/>
+          </p:nvPr>
+        </p:nvSpPr>
+        <p:spPr/>
+        <p:txBody>
+          <a:bodyPr>
+            <a:normAutofit/>
+          </a:bodyPr>
+          <a:lstStyle/>
+          <a:p>
+            <a:r>
+              <a:rPr lang="en-US" dirty="0"/>
+              <a:t>Java</a:t>
+            </a:r>
+            <a:endParaRPr lang="en-NL" dirty="0"/>
+          </a:p>
+        </p:txBody>
+      </p:sp>
+      <p:sp>
+        <p:nvSpPr>
+          <p:cNvPr id="3" name="Text Placeholder 2">
+            <a:extLst>
+              <a:ext uri="{FF2B5EF4-FFF2-40B4-BE49-F238E27FC236}">
+                <a16:creationId xmlns:a16="http://schemas.microsoft.com/office/drawing/2014/main" id="{8E068098-B59A-79C5-4B09-ECCB581CB829}"/>
+              </a:ext>
+            </a:extLst>
+          </p:cNvPr>
+          <p:cNvSpPr>
+            <a:spLocks noGrp="1"/>
+          </p:cNvSpPr>
+          <p:nvPr>
+            <p:ph type="body" idx="1"/>
+          </p:nvPr>
+        </p:nvSpPr>
+        <p:spPr/>
+        <p:txBody>
+          <a:bodyPr/>
+          <a:lstStyle/>
+          <a:p>
+            <a:r>
+              <a:rPr lang="en-NL" dirty="0"/>
+              <a:t>TODO</a:t>
+            </a:r>
+          </a:p>
+          <a:p>
+            <a:r>
+              <a:rPr lang="en-NL" dirty="0"/>
+              <a:t>URL</a:t>
+            </a:r>
+          </a:p>
+          <a:p>
+            <a:pPr lvl="1"/>
+            <a:r>
+              <a:rPr lang="en-GB" dirty="0">
+                <a:hlinkClick r:id="rId2"/>
+              </a:rPr>
+              <a:t>https://github.com/LionWeb-io/lionweb-java</a:t>
+            </a:r>
+            <a:r>
+              <a:rPr lang="en-NL" dirty="0"/>
+              <a:t> </a:t>
+            </a:r>
+          </a:p>
+        </p:txBody>
+      </p:sp>
+    </p:spTree>
+    <p:extLst>
+      <p:ext uri="{BB962C8B-B14F-4D97-AF65-F5344CB8AC3E}">
+        <p14:creationId xmlns:p14="http://schemas.microsoft.com/office/powerpoint/2010/main" val="3114492708"/>
+      </p:ext>
+    </p:extLst>
+  </p:cSld>
+  <p:clrMapOvr>
+    <a:masterClrMapping/>
+  </p:clrMapOvr>
+</p:sld>
+</file>
+
+<file path=ppt/slides/slide16.xml><?xml version="1.0" encoding="utf-8"?>
+<p:sld xmlns:a="http://schemas.openxmlformats.org/drawingml/2006/main" xmlns:r="http://schemas.openxmlformats.org/officeDocument/2006/relationships" xmlns:p="http://schemas.openxmlformats.org/presentationml/2006/main">
+  <p:cSld>
+    <p:spTree>
+      <p:nvGrpSpPr>
+        <p:cNvPr id="1" name=""/>
+        <p:cNvGrpSpPr/>
+        <p:nvPr/>
+      </p:nvGrpSpPr>
+      <p:grpSpPr>
+        <a:xfrm>
+          <a:off x="0" y="0"/>
+          <a:ext cx="0" cy="0"/>
+          <a:chOff x="0" y="0"/>
+          <a:chExt cx="0" cy="0"/>
+        </a:xfrm>
+      </p:grpSpPr>
+      <p:sp>
+        <p:nvSpPr>
+          <p:cNvPr id="2" name="Title 1">
+            <a:extLst>
+              <a:ext uri="{FF2B5EF4-FFF2-40B4-BE49-F238E27FC236}">
+                <a16:creationId xmlns:a16="http://schemas.microsoft.com/office/drawing/2014/main" id="{BC904CF2-4B57-F15B-5E0C-0F3339528015}"/>
+              </a:ext>
+            </a:extLst>
+          </p:cNvPr>
+          <p:cNvSpPr>
+            <a:spLocks noGrp="1"/>
+          </p:cNvSpPr>
+          <p:nvPr>
+            <p:ph type="title"/>
+          </p:nvPr>
+        </p:nvSpPr>
+        <p:spPr/>
+        <p:txBody>
+          <a:bodyPr>
+            <a:normAutofit/>
+          </a:bodyPr>
+          <a:lstStyle/>
+          <a:p>
+            <a:r>
+              <a:rPr lang="en-US" dirty="0"/>
+              <a:t>Kotlin</a:t>
+            </a:r>
+            <a:endParaRPr lang="en-NL" dirty="0"/>
+          </a:p>
+        </p:txBody>
+      </p:sp>
+      <p:sp>
+        <p:nvSpPr>
+          <p:cNvPr id="3" name="Text Placeholder 2">
+            <a:extLst>
+              <a:ext uri="{FF2B5EF4-FFF2-40B4-BE49-F238E27FC236}">
+                <a16:creationId xmlns:a16="http://schemas.microsoft.com/office/drawing/2014/main" id="{26519A21-EE47-20DE-61DB-3BAE92067C4C}"/>
+              </a:ext>
+            </a:extLst>
+          </p:cNvPr>
+          <p:cNvSpPr>
+            <a:spLocks noGrp="1"/>
+          </p:cNvSpPr>
+          <p:nvPr>
+            <p:ph type="body" idx="1"/>
+          </p:nvPr>
+        </p:nvSpPr>
+        <p:spPr/>
+        <p:txBody>
+          <a:bodyPr/>
+          <a:lstStyle/>
+          <a:p>
+            <a:r>
+              <a:rPr lang="en-NL" dirty="0"/>
+              <a:t>TODO</a:t>
+            </a:r>
+          </a:p>
+          <a:p>
+            <a:r>
+              <a:rPr lang="en-NL" dirty="0"/>
+              <a:t>URL</a:t>
+            </a:r>
+          </a:p>
+          <a:p>
+            <a:pPr lvl="1"/>
+            <a:r>
+              <a:rPr lang="en-GB" dirty="0">
+                <a:hlinkClick r:id="rId2"/>
+              </a:rPr>
+              <a:t>https://github.com/LionWeb-io/lionweb-kotlin</a:t>
+            </a:r>
+            <a:r>
+              <a:rPr lang="en-NL" dirty="0"/>
+              <a:t> </a:t>
+            </a:r>
+          </a:p>
+        </p:txBody>
+      </p:sp>
+    </p:spTree>
+    <p:extLst>
+      <p:ext uri="{BB962C8B-B14F-4D97-AF65-F5344CB8AC3E}">
+        <p14:creationId xmlns:p14="http://schemas.microsoft.com/office/powerpoint/2010/main" val="1867354372"/>
+      </p:ext>
+    </p:extLst>
+  </p:cSld>
+  <p:clrMapOvr>
+    <a:masterClrMapping/>
+  </p:clrMapOvr>
+</p:sld>
+</file>
+
+<file path=ppt/slides/slide17.xml><?xml version="1.0" encoding="utf-8"?>
+<p:sld xmlns:a="http://schemas.openxmlformats.org/drawingml/2006/main" xmlns:r="http://schemas.openxmlformats.org/officeDocument/2006/relationships" xmlns:p="http://schemas.openxmlformats.org/presentationml/2006/main">
+  <p:cSld>
+    <p:spTree>
+      <p:nvGrpSpPr>
+        <p:cNvPr id="1" name=""/>
+        <p:cNvGrpSpPr/>
+        <p:nvPr/>
+      </p:nvGrpSpPr>
+      <p:grpSpPr>
+        <a:xfrm>
+          <a:off x="0" y="0"/>
+          <a:ext cx="0" cy="0"/>
+          <a:chOff x="0" y="0"/>
+          <a:chExt cx="0" cy="0"/>
+        </a:xfrm>
+      </p:grpSpPr>
+      <p:sp>
+        <p:nvSpPr>
+          <p:cNvPr id="2" name="Title 1">
+            <a:extLst>
+              <a:ext uri="{FF2B5EF4-FFF2-40B4-BE49-F238E27FC236}">
+                <a16:creationId xmlns:a16="http://schemas.microsoft.com/office/drawing/2014/main" id="{A13EE4E0-01C4-20F6-F9FE-65F6718EF55A}"/>
               </a:ext>
             </a:extLst>
           </p:cNvPr>
@@ -20350,7 +20926,7 @@
           <a:p>
             <a:r>
               <a:rPr lang="en-US" dirty="0"/>
-              <a:t>Repository  “Store”</a:t>
+              <a:t>Typescript</a:t>
             </a:r>
             <a:endParaRPr lang="en-NL" dirty="0"/>
           </a:p>
@@ -20361,7 +20937,7 @@
           <p:cNvPr id="3" name="Text Placeholder 2">
             <a:extLst>
               <a:ext uri="{FF2B5EF4-FFF2-40B4-BE49-F238E27FC236}">
-                <a16:creationId xmlns:a16="http://schemas.microsoft.com/office/drawing/2014/main" id="{3C9E9ABA-A5DF-2A05-0AB9-B975B1A373D1}"/>
+                <a16:creationId xmlns:a16="http://schemas.microsoft.com/office/drawing/2014/main" id="{626AB4E2-D164-5EFD-B5DC-4E08BF38375D}"/>
               </a:ext>
             </a:extLst>
           </p:cNvPr>
@@ -20382,74 +20958,428 @@
           <a:bodyPr/>
           <a:lstStyle/>
           <a:p>
-            <a:pPr marL="457200" indent="-457200">
-              <a:buFont typeface="+mj-lt"/>
-              <a:buAutoNum type="arabicPeriod"/>
-            </a:pPr>
             <a:r>
-              <a:rPr lang="en-US" dirty="0"/>
-              <a:t>Validate that incoming JSON is correct LionWeb</a:t>
+              <a:rPr lang="en-GB" sz="2000" dirty="0"/>
+              <a:t>Command line utilities</a:t>
             </a:r>
           </a:p>
           <a:p>
-            <a:pPr marL="457200" indent="-457200">
-              <a:buFont typeface="+mj-lt"/>
-              <a:buAutoNum type="arabicPeriod"/>
-            </a:pPr>
+            <a:pPr lvl="1"/>
             <a:r>
-              <a:rPr lang="en-US" dirty="0"/>
-              <a:t>Compare incoming tree with the tree in the database</a:t>
+              <a:rPr lang="en-GB" sz="1800" dirty="0"/>
+              <a:t>Validator</a:t>
             </a:r>
           </a:p>
           <a:p>
-            <a:pPr marL="1143000" lvl="1" indent="-457200"/>
+            <a:pPr lvl="1"/>
             <a:r>
-              <a:rPr lang="en-US" dirty="0"/>
-              <a:t>Changes directly from the incoming JSON</a:t>
+              <a:rPr lang="en-GB" sz="1800" dirty="0"/>
+              <a:t>Differ</a:t>
             </a:r>
           </a:p>
           <a:p>
-            <a:pPr marL="1143000" lvl="1" indent="-457200"/>
+            <a:pPr lvl="1"/>
             <a:r>
-              <a:rPr lang="en-US" dirty="0"/>
-              <a:t>Implicit changes as a result of the incoming JSON to make it a correct tree</a:t>
+              <a:rPr lang="en-GB" sz="1800" dirty="0" err="1"/>
+              <a:t>Textualizer</a:t>
+            </a:r>
+            <a:endParaRPr lang="en-GB" sz="1800" dirty="0"/>
+          </a:p>
+          <a:p>
+            <a:pPr lvl="1"/>
+            <a:r>
+              <a:rPr lang="en-GB" sz="1800" dirty="0"/>
+              <a:t>Diagram generator for languages (</a:t>
+            </a:r>
+            <a:r>
+              <a:rPr lang="en-GB" sz="1800" dirty="0" err="1"/>
+              <a:t>PlantUML</a:t>
+            </a:r>
+            <a:r>
+              <a:rPr lang="en-GB" sz="1800" dirty="0"/>
+              <a:t>/mermaid)</a:t>
             </a:r>
           </a:p>
           <a:p>
-            <a:pPr marL="457200" indent="-457200">
-              <a:buFont typeface="+mj-lt"/>
-              <a:buAutoNum type="arabicPeriod"/>
-            </a:pPr>
+            <a:pPr lvl="1"/>
             <a:r>
-              <a:rPr lang="en-US" dirty="0"/>
-              <a:t>Create SQL query to make those changes in the database</a:t>
+              <a:rPr lang="en-GB" sz="1800" dirty="0"/>
+              <a:t>Measure</a:t>
             </a:r>
           </a:p>
           <a:p>
-            <a:pPr marL="457200" indent="-457200">
-              <a:buFont typeface="+mj-lt"/>
-              <a:buAutoNum type="arabicPeriod"/>
-            </a:pPr>
+            <a:pPr lvl="1"/>
             <a:r>
-              <a:rPr lang="en-US" dirty="0"/>
-              <a:t>Return success or failure</a:t>
+              <a:rPr lang="en-GB" sz="1800" dirty="0"/>
+              <a:t>Repair</a:t>
             </a:r>
           </a:p>
           <a:p>
-            <a:pPr marL="1143000" lvl="1" indent="-457200">
-              <a:buFont typeface="+mj-lt"/>
-              <a:buAutoNum type="arabicPeriod"/>
-            </a:pPr>
-            <a:endParaRPr lang="en-US" dirty="0"/>
+            <a:pPr lvl="1"/>
+            <a:r>
+              <a:rPr lang="en-GB" sz="1800" dirty="0"/>
+              <a:t>Sort</a:t>
+            </a:r>
+          </a:p>
+          <a:p>
+            <a:pPr lvl="1"/>
+            <a:r>
+              <a:rPr lang="en-GB" sz="1800" dirty="0"/>
+              <a:t>Infer language from JSON instance</a:t>
+            </a:r>
+          </a:p>
+          <a:p>
+            <a:r>
+              <a:rPr lang="en-GB" sz="2000" dirty="0"/>
+              <a:t>Generator</a:t>
+            </a:r>
+          </a:p>
+          <a:p>
+            <a:pPr lvl="1"/>
+            <a:r>
+              <a:rPr lang="en-NL" sz="1800" dirty="0"/>
+              <a:t>Generate TypeScript classes/interfaces for languages/metamodels</a:t>
+            </a:r>
+          </a:p>
+          <a:p>
+            <a:pPr lvl="1"/>
+            <a:r>
+              <a:rPr lang="en-NL" sz="1800" dirty="0"/>
+              <a:t>Optionally reactive using mobx</a:t>
+            </a:r>
+          </a:p>
+          <a:p>
+            <a:r>
+              <a:rPr lang="en-NL" sz="2000" dirty="0"/>
+              <a:t>URL</a:t>
+            </a:r>
+          </a:p>
+          <a:p>
+            <a:pPr lvl="1"/>
+            <a:r>
+              <a:rPr lang="en-GB" sz="1600" dirty="0">
+                <a:hlinkClick r:id="rId2"/>
+              </a:rPr>
+              <a:t>https://github.com/LionWeb-io/lionweb-typescript</a:t>
+            </a:r>
+            <a:r>
+              <a:rPr lang="en-NL" sz="1600" dirty="0"/>
+              <a:t> </a:t>
+            </a:r>
+          </a:p>
+        </p:txBody>
+      </p:sp>
+    </p:spTree>
+    <p:extLst>
+      <p:ext uri="{BB962C8B-B14F-4D97-AF65-F5344CB8AC3E}">
+        <p14:creationId xmlns:p14="http://schemas.microsoft.com/office/powerpoint/2010/main" val="1512667040"/>
+      </p:ext>
+    </p:extLst>
+  </p:cSld>
+  <p:clrMapOvr>
+    <a:masterClrMapping/>
+  </p:clrMapOvr>
+</p:sld>
+</file>
+
+<file path=ppt/slides/slide18.xml><?xml version="1.0" encoding="utf-8"?>
+<p:sld xmlns:a="http://schemas.openxmlformats.org/drawingml/2006/main" xmlns:r="http://schemas.openxmlformats.org/officeDocument/2006/relationships" xmlns:p="http://schemas.openxmlformats.org/presentationml/2006/main">
+  <p:cSld>
+    <p:spTree>
+      <p:nvGrpSpPr>
+        <p:cNvPr id="1" name=""/>
+        <p:cNvGrpSpPr/>
+        <p:nvPr/>
+      </p:nvGrpSpPr>
+      <p:grpSpPr>
+        <a:xfrm>
+          <a:off x="0" y="0"/>
+          <a:ext cx="0" cy="0"/>
+          <a:chOff x="0" y="0"/>
+          <a:chExt cx="0" cy="0"/>
+        </a:xfrm>
+      </p:grpSpPr>
+      <p:sp>
+        <p:nvSpPr>
+          <p:cNvPr id="2" name="Title 1">
+            <a:extLst>
+              <a:ext uri="{FF2B5EF4-FFF2-40B4-BE49-F238E27FC236}">
+                <a16:creationId xmlns:a16="http://schemas.microsoft.com/office/drawing/2014/main" id="{69F4DEC5-1B66-AA95-962F-6C0814E50C4A}"/>
+              </a:ext>
+            </a:extLst>
+          </p:cNvPr>
+          <p:cNvSpPr>
+            <a:spLocks noGrp="1"/>
+          </p:cNvSpPr>
+          <p:nvPr>
+            <p:ph type="title"/>
+          </p:nvPr>
+        </p:nvSpPr>
+        <p:spPr/>
+        <p:txBody>
+          <a:bodyPr>
+            <a:normAutofit/>
+          </a:bodyPr>
+          <a:lstStyle/>
+          <a:p>
+            <a:r>
+              <a:rPr lang="en-US" dirty="0"/>
+              <a:t>MPS</a:t>
+            </a:r>
+            <a:endParaRPr lang="en-NL" dirty="0"/>
+          </a:p>
+        </p:txBody>
+      </p:sp>
+      <p:sp>
+        <p:nvSpPr>
+          <p:cNvPr id="3" name="Text Placeholder 2">
+            <a:extLst>
+              <a:ext uri="{FF2B5EF4-FFF2-40B4-BE49-F238E27FC236}">
+                <a16:creationId xmlns:a16="http://schemas.microsoft.com/office/drawing/2014/main" id="{A584CD9C-435C-BD00-2568-A1546EA2E274}"/>
+              </a:ext>
+            </a:extLst>
+          </p:cNvPr>
+          <p:cNvSpPr>
+            <a:spLocks noGrp="1"/>
+          </p:cNvSpPr>
+          <p:nvPr>
+            <p:ph type="body" idx="1"/>
+          </p:nvPr>
+        </p:nvSpPr>
+        <p:spPr/>
+        <p:txBody>
+          <a:bodyPr/>
+          <a:lstStyle/>
+          <a:p>
+            <a:r>
+              <a:rPr lang="en-NL" dirty="0"/>
+              <a:t>TODO</a:t>
+            </a:r>
+          </a:p>
+          <a:p>
+            <a:r>
+              <a:rPr lang="en-NL" dirty="0"/>
+              <a:t>URL</a:t>
+            </a:r>
+          </a:p>
+          <a:p>
+            <a:pPr lvl="1"/>
+            <a:r>
+              <a:rPr lang="en-GB" dirty="0">
+                <a:hlinkClick r:id="rId2"/>
+              </a:rPr>
+              <a:t>https://github.com/LionWeb-io/lionweb-mps</a:t>
+            </a:r>
+            <a:r>
+              <a:rPr lang="en-GB" dirty="0"/>
+              <a:t> </a:t>
+            </a:r>
+            <a:endParaRPr lang="en-NL" dirty="0"/>
+          </a:p>
+        </p:txBody>
+      </p:sp>
+    </p:spTree>
+    <p:extLst>
+      <p:ext uri="{BB962C8B-B14F-4D97-AF65-F5344CB8AC3E}">
+        <p14:creationId xmlns:p14="http://schemas.microsoft.com/office/powerpoint/2010/main" val="3230583152"/>
+      </p:ext>
+    </p:extLst>
+  </p:cSld>
+  <p:clrMapOvr>
+    <a:masterClrMapping/>
+  </p:clrMapOvr>
+</p:sld>
+</file>
+
+<file path=ppt/slides/slide19.xml><?xml version="1.0" encoding="utf-8"?>
+<p:sld xmlns:a="http://schemas.openxmlformats.org/drawingml/2006/main" xmlns:r="http://schemas.openxmlformats.org/officeDocument/2006/relationships" xmlns:p="http://schemas.openxmlformats.org/presentationml/2006/main">
+  <p:cSld>
+    <p:spTree>
+      <p:nvGrpSpPr>
+        <p:cNvPr id="1" name=""/>
+        <p:cNvGrpSpPr/>
+        <p:nvPr/>
+      </p:nvGrpSpPr>
+      <p:grpSpPr>
+        <a:xfrm>
+          <a:off x="0" y="0"/>
+          <a:ext cx="0" cy="0"/>
+          <a:chOff x="0" y="0"/>
+          <a:chExt cx="0" cy="0"/>
+        </a:xfrm>
+      </p:grpSpPr>
+      <p:sp>
+        <p:nvSpPr>
+          <p:cNvPr id="2" name="Title 1">
+            <a:extLst>
+              <a:ext uri="{FF2B5EF4-FFF2-40B4-BE49-F238E27FC236}">
+                <a16:creationId xmlns:a16="http://schemas.microsoft.com/office/drawing/2014/main" id="{68FF4A01-F217-54BB-6572-32FFAB036A3C}"/>
+              </a:ext>
+            </a:extLst>
+          </p:cNvPr>
+          <p:cNvSpPr>
+            <a:spLocks noGrp="1"/>
+          </p:cNvSpPr>
+          <p:nvPr>
+            <p:ph type="title"/>
+          </p:nvPr>
+        </p:nvSpPr>
+        <p:spPr/>
+        <p:txBody>
+          <a:bodyPr>
+            <a:normAutofit/>
+          </a:bodyPr>
+          <a:lstStyle/>
+          <a:p>
+            <a:r>
+              <a:rPr lang="en-US" dirty="0" err="1"/>
+              <a:t>Modelix</a:t>
+            </a:r>
+            <a:endParaRPr lang="en-NL" dirty="0"/>
+          </a:p>
+        </p:txBody>
+      </p:sp>
+      <p:sp>
+        <p:nvSpPr>
+          <p:cNvPr id="3" name="Text Placeholder 2">
+            <a:extLst>
+              <a:ext uri="{FF2B5EF4-FFF2-40B4-BE49-F238E27FC236}">
+                <a16:creationId xmlns:a16="http://schemas.microsoft.com/office/drawing/2014/main" id="{F56650CF-7D69-2D41-5077-A484CEEF3557}"/>
+              </a:ext>
+            </a:extLst>
+          </p:cNvPr>
+          <p:cNvSpPr>
+            <a:spLocks noGrp="1"/>
+          </p:cNvSpPr>
+          <p:nvPr>
+            <p:ph type="body" idx="1"/>
+          </p:nvPr>
+        </p:nvSpPr>
+        <p:spPr/>
+        <p:txBody>
+          <a:bodyPr/>
+          <a:lstStyle/>
+          <a:p>
+            <a:r>
+              <a:rPr lang="en-NL" dirty="0"/>
+              <a:t>Work in Progress</a:t>
+            </a:r>
+          </a:p>
+          <a:p>
+            <a:r>
+              <a:rPr lang="en-NL" dirty="0"/>
+              <a:t>URL</a:t>
+            </a:r>
+          </a:p>
+          <a:p>
+            <a:pPr lvl="1"/>
+            <a:r>
+              <a:rPr lang="en-GB" dirty="0">
+                <a:hlinkClick r:id="rId2"/>
+              </a:rPr>
+              <a:t>https://github.com/LionWeb-io/lionweb-modelix-adapter</a:t>
+            </a:r>
+            <a:r>
+              <a:rPr lang="en-NL" dirty="0"/>
+              <a:t> </a:t>
+            </a:r>
+          </a:p>
+        </p:txBody>
+      </p:sp>
+    </p:spTree>
+    <p:extLst>
+      <p:ext uri="{BB962C8B-B14F-4D97-AF65-F5344CB8AC3E}">
+        <p14:creationId xmlns:p14="http://schemas.microsoft.com/office/powerpoint/2010/main" val="1055125893"/>
+      </p:ext>
+    </p:extLst>
+  </p:cSld>
+  <p:clrMapOvr>
+    <a:masterClrMapping/>
+  </p:clrMapOvr>
+</p:sld>
+</file>
+
+<file path=ppt/slides/slide2.xml><?xml version="1.0" encoding="utf-8"?>
+<p:sld xmlns:a="http://schemas.openxmlformats.org/drawingml/2006/main" xmlns:r="http://schemas.openxmlformats.org/officeDocument/2006/relationships" xmlns:p="http://schemas.openxmlformats.org/presentationml/2006/main">
+  <p:cSld>
+    <p:spTree>
+      <p:nvGrpSpPr>
+        <p:cNvPr id="1" name=""/>
+        <p:cNvGrpSpPr/>
+        <p:nvPr/>
+      </p:nvGrpSpPr>
+      <p:grpSpPr>
+        <a:xfrm>
+          <a:off x="0" y="0"/>
+          <a:ext cx="0" cy="0"/>
+          <a:chOff x="0" y="0"/>
+          <a:chExt cx="0" cy="0"/>
+        </a:xfrm>
+      </p:grpSpPr>
+      <p:sp>
+        <p:nvSpPr>
+          <p:cNvPr id="3" name="Title 2">
+            <a:extLst>
+              <a:ext uri="{FF2B5EF4-FFF2-40B4-BE49-F238E27FC236}">
+                <a16:creationId xmlns:a16="http://schemas.microsoft.com/office/drawing/2014/main" id="{ED1CB88A-BB8F-4F89-3FF6-B591EA38D3F6}"/>
+              </a:ext>
+            </a:extLst>
+          </p:cNvPr>
+          <p:cNvSpPr>
+            <a:spLocks noGrp="1"/>
+          </p:cNvSpPr>
+          <p:nvPr>
+            <p:ph type="title"/>
+          </p:nvPr>
+        </p:nvSpPr>
+        <p:spPr>
+          <a:xfrm>
+            <a:off x="0" y="1709738"/>
+            <a:ext cx="12192000" cy="3185396"/>
+          </a:xfrm>
+        </p:spPr>
+        <p:txBody>
+          <a:bodyPr/>
+          <a:lstStyle/>
+          <a:p>
+            <a:r>
+              <a:rPr lang="en-US" dirty="0"/>
+              <a:t>Overview Recap</a:t>
+            </a:r>
+          </a:p>
+        </p:txBody>
+      </p:sp>
+      <p:sp>
+        <p:nvSpPr>
+          <p:cNvPr id="5" name="Text Placeholder 4">
+            <a:extLst>
+              <a:ext uri="{FF2B5EF4-FFF2-40B4-BE49-F238E27FC236}">
+                <a16:creationId xmlns:a16="http://schemas.microsoft.com/office/drawing/2014/main" id="{3D467915-194E-C218-5031-60E97161BB68}"/>
+              </a:ext>
+            </a:extLst>
+          </p:cNvPr>
+          <p:cNvSpPr>
+            <a:spLocks noGrp="1"/>
+          </p:cNvSpPr>
+          <p:nvPr>
+            <p:ph type="body" idx="1"/>
+          </p:nvPr>
+        </p:nvSpPr>
+        <p:spPr/>
+        <p:txBody>
+          <a:bodyPr/>
+          <a:lstStyle/>
+          <a:p>
+            <a:endParaRPr lang="en-NL"/>
           </a:p>
         </p:txBody>
       </p:sp>
       <p:pic>
         <p:nvPicPr>
-          <p:cNvPr id="4" name="Graphic 3">
+          <p:cNvPr id="6" name="Graphic 5">
             <a:extLst>
               <a:ext uri="{FF2B5EF4-FFF2-40B4-BE49-F238E27FC236}">
-                <a16:creationId xmlns:a16="http://schemas.microsoft.com/office/drawing/2014/main" id="{8C2B1A58-9A29-416A-4EDB-BBC18B752B87}"/>
+                <a16:creationId xmlns:a16="http://schemas.microsoft.com/office/drawing/2014/main" id="{2E3AABB9-F328-B179-BE9E-599236FFCB3E}"/>
               </a:ext>
             </a:extLst>
           </p:cNvPr>
@@ -20472,7 +21402,7 @@
         </p:blipFill>
         <p:spPr>
           <a:xfrm>
-            <a:off x="10931467" y="68262"/>
+            <a:off x="5535121" y="3394947"/>
             <a:ext cx="1121757" cy="1127724"/>
           </a:xfrm>
           <a:prstGeom prst="rect">
@@ -20483,7 +21413,7 @@
     </p:spTree>
     <p:extLst>
       <p:ext uri="{BB962C8B-B14F-4D97-AF65-F5344CB8AC3E}">
-        <p14:creationId xmlns:p14="http://schemas.microsoft.com/office/powerpoint/2010/main" val="3599274823"/>
+        <p14:creationId xmlns:p14="http://schemas.microsoft.com/office/powerpoint/2010/main" val="3239961873"/>
       </p:ext>
     </p:extLst>
   </p:cSld>
@@ -20493,7 +21423,1044 @@
 </p:sld>
 </file>
 
-<file path=ppt/slides/slide15.xml><?xml version="1.0" encoding="utf-8"?>
+<file path=ppt/slides/slide20.xml><?xml version="1.0" encoding="utf-8"?>
+<p:sld xmlns:a="http://schemas.openxmlformats.org/drawingml/2006/main" xmlns:r="http://schemas.openxmlformats.org/officeDocument/2006/relationships" xmlns:p="http://schemas.openxmlformats.org/presentationml/2006/main">
+  <p:cSld>
+    <p:spTree>
+      <p:nvGrpSpPr>
+        <p:cNvPr id="1" name=""/>
+        <p:cNvGrpSpPr/>
+        <p:nvPr/>
+      </p:nvGrpSpPr>
+      <p:grpSpPr>
+        <a:xfrm>
+          <a:off x="0" y="0"/>
+          <a:ext cx="0" cy="0"/>
+          <a:chOff x="0" y="0"/>
+          <a:chExt cx="0" cy="0"/>
+        </a:xfrm>
+      </p:grpSpPr>
+      <p:sp>
+        <p:nvSpPr>
+          <p:cNvPr id="2" name="Title 1">
+            <a:extLst>
+              <a:ext uri="{FF2B5EF4-FFF2-40B4-BE49-F238E27FC236}">
+                <a16:creationId xmlns:a16="http://schemas.microsoft.com/office/drawing/2014/main" id="{56B2C5B2-0F4E-067C-3BA0-79EAE2D3C6EE}"/>
+              </a:ext>
+            </a:extLst>
+          </p:cNvPr>
+          <p:cNvSpPr>
+            <a:spLocks noGrp="1"/>
+          </p:cNvSpPr>
+          <p:nvPr>
+            <p:ph type="title"/>
+          </p:nvPr>
+        </p:nvSpPr>
+        <p:spPr/>
+        <p:txBody>
+          <a:bodyPr/>
+          <a:lstStyle/>
+          <a:p>
+            <a:r>
+              <a:rPr lang="en-NL" dirty="0"/>
+              <a:t>Freon LionWeb Core Editor</a:t>
+            </a:r>
+          </a:p>
+        </p:txBody>
+      </p:sp>
+      <p:sp>
+        <p:nvSpPr>
+          <p:cNvPr id="3" name="Content Placeholder 2">
+            <a:extLst>
+              <a:ext uri="{FF2B5EF4-FFF2-40B4-BE49-F238E27FC236}">
+                <a16:creationId xmlns:a16="http://schemas.microsoft.com/office/drawing/2014/main" id="{736E935C-61B6-6278-61D8-487C703C4431}"/>
+              </a:ext>
+            </a:extLst>
+          </p:cNvPr>
+          <p:cNvSpPr>
+            <a:spLocks noGrp="1"/>
+          </p:cNvSpPr>
+          <p:nvPr>
+            <p:ph idx="1"/>
+          </p:nvPr>
+        </p:nvSpPr>
+        <p:spPr/>
+        <p:txBody>
+          <a:bodyPr/>
+          <a:lstStyle/>
+          <a:p>
+            <a:r>
+              <a:rPr lang="en-NL" dirty="0"/>
+              <a:t>Freon LionWeb Core Editor</a:t>
+            </a:r>
+            <a:endParaRPr lang="en-GB" b="0" i="0" dirty="0">
+              <a:solidFill>
+                <a:srgbClr val="1F2328"/>
+              </a:solidFill>
+              <a:effectLst/>
+              <a:latin typeface="-apple-system"/>
+            </a:endParaRPr>
+          </a:p>
+          <a:p>
+            <a:pPr lvl="1"/>
+            <a:r>
+              <a:rPr lang="en-GB" b="0" i="0" dirty="0">
+                <a:solidFill>
+                  <a:srgbClr val="1F2328"/>
+                </a:solidFill>
+                <a:effectLst/>
+                <a:latin typeface="-apple-system"/>
+              </a:rPr>
+              <a:t>The LionWeb M3 language in Freon format.</a:t>
+            </a:r>
+          </a:p>
+          <a:p>
+            <a:pPr lvl="1"/>
+            <a:r>
+              <a:rPr lang="en-GB" dirty="0">
+                <a:solidFill>
+                  <a:srgbClr val="1F2328"/>
+                </a:solidFill>
+                <a:latin typeface="-apple-system"/>
+              </a:rPr>
+              <a:t>A LionWeb M2 Web </a:t>
+            </a:r>
+            <a:r>
+              <a:rPr lang="en-GB" b="0" i="0" dirty="0">
+                <a:solidFill>
+                  <a:srgbClr val="1F2328"/>
+                </a:solidFill>
+                <a:effectLst/>
+                <a:latin typeface="-apple-system"/>
+              </a:rPr>
+              <a:t>editor to edit LionWeb language definitions.</a:t>
+            </a:r>
+          </a:p>
+          <a:p>
+            <a:pPr lvl="1"/>
+            <a:r>
+              <a:rPr lang="en-GB" b="0" i="0" dirty="0">
+                <a:solidFill>
+                  <a:srgbClr val="1F2328"/>
+                </a:solidFill>
+                <a:effectLst/>
+                <a:latin typeface="-apple-system"/>
+              </a:rPr>
+              <a:t>The editor stores the language as JSON using the LionWeb serialization format, therefore other LionWeb enabled tools can use the language definition.</a:t>
+            </a:r>
+          </a:p>
+          <a:p>
+            <a:endParaRPr lang="en-NL" dirty="0"/>
+          </a:p>
+          <a:p>
+            <a:r>
+              <a:rPr lang="en-NL" dirty="0"/>
+              <a:t>URL</a:t>
+            </a:r>
+          </a:p>
+          <a:p>
+            <a:pPr lvl="1"/>
+            <a:r>
+              <a:rPr lang="en-GB" dirty="0">
+                <a:hlinkClick r:id="rId2"/>
+              </a:rPr>
+              <a:t>https://github.com/LionWeb-io/lionweb-freon-m3</a:t>
+            </a:r>
+            <a:r>
+              <a:rPr lang="en-GB" dirty="0"/>
+              <a:t> </a:t>
+            </a:r>
+            <a:endParaRPr lang="en-NL" dirty="0"/>
+          </a:p>
+        </p:txBody>
+      </p:sp>
+    </p:spTree>
+    <p:extLst>
+      <p:ext uri="{BB962C8B-B14F-4D97-AF65-F5344CB8AC3E}">
+        <p14:creationId xmlns:p14="http://schemas.microsoft.com/office/powerpoint/2010/main" val="1100818944"/>
+      </p:ext>
+    </p:extLst>
+  </p:cSld>
+  <p:clrMapOvr>
+    <a:masterClrMapping/>
+  </p:clrMapOvr>
+</p:sld>
+</file>
+
+<file path=ppt/slides/slide21.xml><?xml version="1.0" encoding="utf-8"?>
+<p:sld xmlns:a="http://schemas.openxmlformats.org/drawingml/2006/main" xmlns:r="http://schemas.openxmlformats.org/officeDocument/2006/relationships" xmlns:p="http://schemas.openxmlformats.org/presentationml/2006/main">
+  <p:cSld>
+    <p:spTree>
+      <p:nvGrpSpPr>
+        <p:cNvPr id="1" name=""/>
+        <p:cNvGrpSpPr/>
+        <p:nvPr/>
+      </p:nvGrpSpPr>
+      <p:grpSpPr>
+        <a:xfrm>
+          <a:off x="0" y="0"/>
+          <a:ext cx="0" cy="0"/>
+          <a:chOff x="0" y="0"/>
+          <a:chExt cx="0" cy="0"/>
+        </a:xfrm>
+      </p:grpSpPr>
+      <p:sp>
+        <p:nvSpPr>
+          <p:cNvPr id="2" name="Title 1">
+            <a:extLst>
+              <a:ext uri="{FF2B5EF4-FFF2-40B4-BE49-F238E27FC236}">
+                <a16:creationId xmlns:a16="http://schemas.microsoft.com/office/drawing/2014/main" id="{61306F8F-CE05-1A36-DCC5-02E5EF843A6C}"/>
+              </a:ext>
+            </a:extLst>
+          </p:cNvPr>
+          <p:cNvSpPr>
+            <a:spLocks noGrp="1"/>
+          </p:cNvSpPr>
+          <p:nvPr>
+            <p:ph type="title"/>
+          </p:nvPr>
+        </p:nvSpPr>
+        <p:spPr>
+          <a:xfrm>
+            <a:off x="0" y="1709738"/>
+            <a:ext cx="12192000" cy="3185396"/>
+          </a:xfrm>
+        </p:spPr>
+        <p:txBody>
+          <a:bodyPr/>
+          <a:lstStyle/>
+          <a:p>
+            <a:r>
+              <a:rPr lang="en-US" dirty="0"/>
+              <a:t>Spec Work</a:t>
+            </a:r>
+            <a:endParaRPr lang="en-NL" dirty="0"/>
+          </a:p>
+        </p:txBody>
+      </p:sp>
+      <p:sp>
+        <p:nvSpPr>
+          <p:cNvPr id="5" name="Text Placeholder 4">
+            <a:extLst>
+              <a:ext uri="{FF2B5EF4-FFF2-40B4-BE49-F238E27FC236}">
+                <a16:creationId xmlns:a16="http://schemas.microsoft.com/office/drawing/2014/main" id="{CF02B17B-5324-BAC2-BED5-97A2197D9292}"/>
+              </a:ext>
+            </a:extLst>
+          </p:cNvPr>
+          <p:cNvSpPr>
+            <a:spLocks noGrp="1"/>
+          </p:cNvSpPr>
+          <p:nvPr>
+            <p:ph type="body" idx="1"/>
+          </p:nvPr>
+        </p:nvSpPr>
+        <p:spPr/>
+        <p:txBody>
+          <a:bodyPr/>
+          <a:lstStyle/>
+          <a:p>
+            <a:endParaRPr lang="en-NL"/>
+          </a:p>
+        </p:txBody>
+      </p:sp>
+      <p:pic>
+        <p:nvPicPr>
+          <p:cNvPr id="6" name="Graphic 5">
+            <a:extLst>
+              <a:ext uri="{FF2B5EF4-FFF2-40B4-BE49-F238E27FC236}">
+                <a16:creationId xmlns:a16="http://schemas.microsoft.com/office/drawing/2014/main" id="{2BBEDA40-80BD-42F9-F81D-86B9F2F1295D}"/>
+              </a:ext>
+            </a:extLst>
+          </p:cNvPr>
+          <p:cNvPicPr>
+            <a:picLocks noChangeAspect="1"/>
+          </p:cNvPicPr>
+          <p:nvPr/>
+        </p:nvPicPr>
+        <p:blipFill>
+          <a:blip r:embed="rId2">
+            <a:extLst>
+              <a:ext uri="{96DAC541-7B7A-43D3-8B79-37D633B846F1}">
+                <asvg:svgBlip xmlns:asvg="http://schemas.microsoft.com/office/drawing/2016/SVG/main" r:embed="rId3"/>
+              </a:ext>
+            </a:extLst>
+          </a:blip>
+          <a:stretch>
+            <a:fillRect/>
+          </a:stretch>
+        </p:blipFill>
+        <p:spPr>
+          <a:xfrm>
+            <a:off x="5535121" y="3394947"/>
+            <a:ext cx="1121757" cy="1127724"/>
+          </a:xfrm>
+          <a:prstGeom prst="rect">
+            <a:avLst/>
+          </a:prstGeom>
+        </p:spPr>
+      </p:pic>
+    </p:spTree>
+    <p:extLst>
+      <p:ext uri="{BB962C8B-B14F-4D97-AF65-F5344CB8AC3E}">
+        <p14:creationId xmlns:p14="http://schemas.microsoft.com/office/powerpoint/2010/main" val="2019416096"/>
+      </p:ext>
+    </p:extLst>
+  </p:cSld>
+  <p:clrMapOvr>
+    <a:masterClrMapping/>
+  </p:clrMapOvr>
+</p:sld>
+</file>
+
+<file path=ppt/slides/slide22.xml><?xml version="1.0" encoding="utf-8"?>
+<p:sld xmlns:a="http://schemas.openxmlformats.org/drawingml/2006/main" xmlns:r="http://schemas.openxmlformats.org/officeDocument/2006/relationships" xmlns:p="http://schemas.openxmlformats.org/presentationml/2006/main">
+  <p:cSld>
+    <p:spTree>
+      <p:nvGrpSpPr>
+        <p:cNvPr id="1" name=""/>
+        <p:cNvGrpSpPr/>
+        <p:nvPr/>
+      </p:nvGrpSpPr>
+      <p:grpSpPr>
+        <a:xfrm>
+          <a:off x="0" y="0"/>
+          <a:ext cx="0" cy="0"/>
+          <a:chOff x="0" y="0"/>
+          <a:chExt cx="0" cy="0"/>
+        </a:xfrm>
+      </p:grpSpPr>
+      <p:sp>
+        <p:nvSpPr>
+          <p:cNvPr id="3" name="Title 2">
+            <a:extLst>
+              <a:ext uri="{FF2B5EF4-FFF2-40B4-BE49-F238E27FC236}">
+                <a16:creationId xmlns:a16="http://schemas.microsoft.com/office/drawing/2014/main" id="{EAB82B9D-0519-EFFC-4855-C9B0735E8F89}"/>
+              </a:ext>
+            </a:extLst>
+          </p:cNvPr>
+          <p:cNvSpPr>
+            <a:spLocks noGrp="1"/>
+          </p:cNvSpPr>
+          <p:nvPr>
+            <p:ph type="title"/>
+          </p:nvPr>
+        </p:nvSpPr>
+        <p:spPr>
+          <a:xfrm>
+            <a:off x="0" y="0"/>
+            <a:ext cx="12192000" cy="1264249"/>
+          </a:xfrm>
+        </p:spPr>
+        <p:txBody>
+          <a:bodyPr>
+            <a:normAutofit/>
+          </a:bodyPr>
+          <a:lstStyle/>
+          <a:p>
+            <a:r>
+              <a:rPr lang="en-US" dirty="0"/>
+              <a:t>How We Work</a:t>
+            </a:r>
+            <a:endParaRPr lang="en-NL" dirty="0"/>
+          </a:p>
+        </p:txBody>
+      </p:sp>
+      <p:sp>
+        <p:nvSpPr>
+          <p:cNvPr id="4" name="Text Placeholder 3">
+            <a:extLst>
+              <a:ext uri="{FF2B5EF4-FFF2-40B4-BE49-F238E27FC236}">
+                <a16:creationId xmlns:a16="http://schemas.microsoft.com/office/drawing/2014/main" id="{88DA9816-180D-0584-E106-A8B8B2F1120F}"/>
+              </a:ext>
+            </a:extLst>
+          </p:cNvPr>
+          <p:cNvSpPr>
+            <a:spLocks noGrp="1"/>
+          </p:cNvSpPr>
+          <p:nvPr>
+            <p:ph idx="1"/>
+          </p:nvPr>
+        </p:nvSpPr>
+        <p:spPr>
+          <a:xfrm>
+            <a:off x="838200" y="1483360"/>
+            <a:ext cx="10515600" cy="4867744"/>
+          </a:xfrm>
+        </p:spPr>
+        <p:txBody>
+          <a:bodyPr/>
+          <a:lstStyle/>
+          <a:p>
+            <a:r>
+              <a:rPr lang="nl-NL" dirty="0" err="1"/>
+              <a:t>Weekly</a:t>
+            </a:r>
+            <a:r>
+              <a:rPr lang="nl-NL" dirty="0"/>
+              <a:t> </a:t>
+            </a:r>
+            <a:r>
+              <a:rPr lang="nl-NL" dirty="0" err="1"/>
+              <a:t>core</a:t>
+            </a:r>
+            <a:r>
+              <a:rPr lang="nl-NL" dirty="0"/>
+              <a:t> team meetings</a:t>
+            </a:r>
+          </a:p>
+          <a:p>
+            <a:pPr lvl="1"/>
+            <a:r>
+              <a:rPr lang="nl-NL" dirty="0" err="1"/>
+              <a:t>Discuss</a:t>
+            </a:r>
+            <a:r>
+              <a:rPr lang="nl-NL" dirty="0"/>
+              <a:t> </a:t>
+            </a:r>
+            <a:r>
+              <a:rPr lang="nl-NL" dirty="0" err="1"/>
+              <a:t>and</a:t>
+            </a:r>
+            <a:r>
+              <a:rPr lang="nl-NL" dirty="0"/>
+              <a:t> get </a:t>
+            </a:r>
+            <a:r>
+              <a:rPr lang="nl-NL" dirty="0" err="1"/>
+              <a:t>rough</a:t>
+            </a:r>
+            <a:r>
+              <a:rPr lang="nl-NL" dirty="0"/>
+              <a:t> consensus</a:t>
+            </a:r>
+          </a:p>
+          <a:p>
+            <a:pPr lvl="1"/>
+            <a:r>
+              <a:rPr lang="nl-NL" dirty="0" err="1"/>
+              <a:t>Build</a:t>
+            </a:r>
+            <a:r>
+              <a:rPr lang="nl-NL" dirty="0"/>
+              <a:t> running code</a:t>
+            </a:r>
+          </a:p>
+          <a:p>
+            <a:r>
+              <a:rPr lang="en-US" dirty="0"/>
+              <a:t>Implementation mostly by team members</a:t>
+            </a:r>
+          </a:p>
+          <a:p>
+            <a:pPr lvl="1"/>
+            <a:r>
+              <a:rPr lang="en-US" dirty="0"/>
+              <a:t>Partially in paid projects</a:t>
+            </a:r>
+          </a:p>
+          <a:p>
+            <a:pPr lvl="1"/>
+            <a:r>
+              <a:rPr lang="en-US" dirty="0"/>
+              <a:t>Guided by real-world needs</a:t>
+            </a:r>
+            <a:endParaRPr lang="en-NL" dirty="0"/>
+          </a:p>
+        </p:txBody>
+      </p:sp>
+    </p:spTree>
+    <p:extLst>
+      <p:ext uri="{BB962C8B-B14F-4D97-AF65-F5344CB8AC3E}">
+        <p14:creationId xmlns:p14="http://schemas.microsoft.com/office/powerpoint/2010/main" val="253579671"/>
+      </p:ext>
+    </p:extLst>
+  </p:cSld>
+  <p:clrMapOvr>
+    <a:masterClrMapping/>
+  </p:clrMapOvr>
+</p:sld>
+</file>
+
+<file path=ppt/slides/slide23.xml><?xml version="1.0" encoding="utf-8"?>
+<p:sld xmlns:a="http://schemas.openxmlformats.org/drawingml/2006/main" xmlns:r="http://schemas.openxmlformats.org/officeDocument/2006/relationships" xmlns:p="http://schemas.openxmlformats.org/presentationml/2006/main">
+  <p:cSld>
+    <p:spTree>
+      <p:nvGrpSpPr>
+        <p:cNvPr id="1" name=""/>
+        <p:cNvGrpSpPr/>
+        <p:nvPr/>
+      </p:nvGrpSpPr>
+      <p:grpSpPr>
+        <a:xfrm>
+          <a:off x="0" y="0"/>
+          <a:ext cx="0" cy="0"/>
+          <a:chOff x="0" y="0"/>
+          <a:chExt cx="0" cy="0"/>
+        </a:xfrm>
+      </p:grpSpPr>
+      <p:sp>
+        <p:nvSpPr>
+          <p:cNvPr id="2" name="Title 1">
+            <a:extLst>
+              <a:ext uri="{FF2B5EF4-FFF2-40B4-BE49-F238E27FC236}">
+                <a16:creationId xmlns:a16="http://schemas.microsoft.com/office/drawing/2014/main" id="{185F24F6-CA3C-B574-B79F-2DCD413B266B}"/>
+              </a:ext>
+            </a:extLst>
+          </p:cNvPr>
+          <p:cNvSpPr>
+            <a:spLocks noGrp="1"/>
+          </p:cNvSpPr>
+          <p:nvPr>
+            <p:ph type="title"/>
+          </p:nvPr>
+        </p:nvSpPr>
+        <p:spPr>
+          <a:xfrm>
+            <a:off x="0" y="0"/>
+            <a:ext cx="12192000" cy="1264249"/>
+          </a:xfrm>
+        </p:spPr>
+        <p:txBody>
+          <a:bodyPr>
+            <a:normAutofit/>
+          </a:bodyPr>
+          <a:lstStyle/>
+          <a:p>
+            <a:r>
+              <a:rPr lang="en-US" dirty="0"/>
+              <a:t>Finished</a:t>
+            </a:r>
+            <a:endParaRPr lang="en-NL" dirty="0"/>
+          </a:p>
+        </p:txBody>
+      </p:sp>
+      <p:sp>
+        <p:nvSpPr>
+          <p:cNvPr id="3" name="Text Placeholder 2">
+            <a:extLst>
+              <a:ext uri="{FF2B5EF4-FFF2-40B4-BE49-F238E27FC236}">
+                <a16:creationId xmlns:a16="http://schemas.microsoft.com/office/drawing/2014/main" id="{D85AAEC9-08C9-D65B-AD30-4FC999B907AC}"/>
+              </a:ext>
+            </a:extLst>
+          </p:cNvPr>
+          <p:cNvSpPr>
+            <a:spLocks noGrp="1"/>
+          </p:cNvSpPr>
+          <p:nvPr>
+            <p:ph idx="1"/>
+          </p:nvPr>
+        </p:nvSpPr>
+        <p:spPr>
+          <a:xfrm>
+            <a:off x="838200" y="1483360"/>
+            <a:ext cx="10515600" cy="4867744"/>
+          </a:xfrm>
+        </p:spPr>
+        <p:txBody>
+          <a:bodyPr/>
+          <a:lstStyle/>
+          <a:p>
+            <a:r>
+              <a:rPr lang="en-US" dirty="0"/>
+              <a:t>Released as LionWeb 2023.1</a:t>
+            </a:r>
+          </a:p>
+          <a:p>
+            <a:pPr lvl="1"/>
+            <a:r>
+              <a:rPr lang="en-US" dirty="0"/>
+              <a:t>JSON Serialization Format</a:t>
+            </a:r>
+          </a:p>
+          <a:p>
+            <a:pPr lvl="1"/>
+            <a:r>
+              <a:rPr lang="en-US" dirty="0"/>
+              <a:t>Meta-Metamodel (M3)</a:t>
+            </a:r>
+          </a:p>
+          <a:p>
+            <a:endParaRPr lang="en-US" dirty="0"/>
+          </a:p>
+          <a:p>
+            <a:r>
+              <a:rPr lang="en-US" dirty="0"/>
+              <a:t>Scheduled for LionWeb 2024.1</a:t>
+            </a:r>
+          </a:p>
+          <a:p>
+            <a:pPr lvl="1"/>
+            <a:r>
+              <a:rPr lang="en-US" dirty="0"/>
+              <a:t>Bulk Protocol</a:t>
+            </a:r>
+          </a:p>
+          <a:p>
+            <a:pPr lvl="1"/>
+            <a:r>
+              <a:rPr lang="en-US" dirty="0"/>
+              <a:t>Added </a:t>
+            </a:r>
+            <a:r>
+              <a:rPr lang="en-US" dirty="0" err="1"/>
+              <a:t>StructuredDataType</a:t>
+            </a:r>
+            <a:endParaRPr lang="en-US" dirty="0"/>
+          </a:p>
+          <a:p>
+            <a:pPr lvl="1"/>
+            <a:r>
+              <a:rPr lang="en-US" dirty="0"/>
+              <a:t>Removed JSON </a:t>
+            </a:r>
+            <a:r>
+              <a:rPr lang="en-US" dirty="0" err="1"/>
+              <a:t>PrimitiveType</a:t>
+            </a:r>
+            <a:endParaRPr lang="en-US" dirty="0"/>
+          </a:p>
+          <a:p>
+            <a:pPr lvl="1"/>
+            <a:r>
+              <a:rPr lang="nl-NL" dirty="0" err="1"/>
+              <a:t>Several</a:t>
+            </a:r>
+            <a:r>
+              <a:rPr lang="nl-NL" dirty="0"/>
+              <a:t> test suites</a:t>
+            </a:r>
+          </a:p>
+          <a:p>
+            <a:endParaRPr lang="en-US" dirty="0"/>
+          </a:p>
+          <a:p>
+            <a:endParaRPr lang="en-NL" dirty="0"/>
+          </a:p>
+        </p:txBody>
+      </p:sp>
+    </p:spTree>
+    <p:extLst>
+      <p:ext uri="{BB962C8B-B14F-4D97-AF65-F5344CB8AC3E}">
+        <p14:creationId xmlns:p14="http://schemas.microsoft.com/office/powerpoint/2010/main" val="4243622184"/>
+      </p:ext>
+    </p:extLst>
+  </p:cSld>
+  <p:clrMapOvr>
+    <a:masterClrMapping/>
+  </p:clrMapOvr>
+</p:sld>
+</file>
+
+<file path=ppt/slides/slide24.xml><?xml version="1.0" encoding="utf-8"?>
+<p:sld xmlns:a="http://schemas.openxmlformats.org/drawingml/2006/main" xmlns:r="http://schemas.openxmlformats.org/officeDocument/2006/relationships" xmlns:p="http://schemas.openxmlformats.org/presentationml/2006/main">
+  <p:cSld>
+    <p:spTree>
+      <p:nvGrpSpPr>
+        <p:cNvPr id="1" name=""/>
+        <p:cNvGrpSpPr/>
+        <p:nvPr/>
+      </p:nvGrpSpPr>
+      <p:grpSpPr>
+        <a:xfrm>
+          <a:off x="0" y="0"/>
+          <a:ext cx="0" cy="0"/>
+          <a:chOff x="0" y="0"/>
+          <a:chExt cx="0" cy="0"/>
+        </a:xfrm>
+      </p:grpSpPr>
+      <p:sp>
+        <p:nvSpPr>
+          <p:cNvPr id="2" name="Title 1">
+            <a:extLst>
+              <a:ext uri="{FF2B5EF4-FFF2-40B4-BE49-F238E27FC236}">
+                <a16:creationId xmlns:a16="http://schemas.microsoft.com/office/drawing/2014/main" id="{D8413B1A-DB76-CBF9-486D-67C3D30EA4C3}"/>
+              </a:ext>
+            </a:extLst>
+          </p:cNvPr>
+          <p:cNvSpPr>
+            <a:spLocks noGrp="1"/>
+          </p:cNvSpPr>
+          <p:nvPr>
+            <p:ph type="title"/>
+          </p:nvPr>
+        </p:nvSpPr>
+        <p:spPr>
+          <a:xfrm>
+            <a:off x="0" y="0"/>
+            <a:ext cx="12192000" cy="1264249"/>
+          </a:xfrm>
+        </p:spPr>
+        <p:txBody>
+          <a:bodyPr>
+            <a:normAutofit/>
+          </a:bodyPr>
+          <a:lstStyle/>
+          <a:p>
+            <a:r>
+              <a:rPr lang="en-US" dirty="0"/>
+              <a:t>In Progress</a:t>
+            </a:r>
+            <a:endParaRPr lang="en-NL" dirty="0"/>
+          </a:p>
+        </p:txBody>
+      </p:sp>
+      <p:sp>
+        <p:nvSpPr>
+          <p:cNvPr id="3" name="Text Placeholder 2">
+            <a:extLst>
+              <a:ext uri="{FF2B5EF4-FFF2-40B4-BE49-F238E27FC236}">
+                <a16:creationId xmlns:a16="http://schemas.microsoft.com/office/drawing/2014/main" id="{E0B0CC5E-6207-1014-5017-8E0D717EF750}"/>
+              </a:ext>
+            </a:extLst>
+          </p:cNvPr>
+          <p:cNvSpPr>
+            <a:spLocks noGrp="1"/>
+          </p:cNvSpPr>
+          <p:nvPr>
+            <p:ph idx="1"/>
+          </p:nvPr>
+        </p:nvSpPr>
+        <p:spPr>
+          <a:xfrm>
+            <a:off x="838200" y="1483360"/>
+            <a:ext cx="10515600" cy="4867744"/>
+          </a:xfrm>
+        </p:spPr>
+        <p:txBody>
+          <a:bodyPr/>
+          <a:lstStyle/>
+          <a:p>
+            <a:r>
+              <a:rPr lang="en-US" dirty="0"/>
+              <a:t>Working Draft</a:t>
+            </a:r>
+          </a:p>
+          <a:p>
+            <a:pPr lvl="1"/>
+            <a:r>
+              <a:rPr lang="en-US" dirty="0"/>
+              <a:t>Delta Protocol</a:t>
+            </a:r>
+          </a:p>
+          <a:p>
+            <a:pPr lvl="1"/>
+            <a:r>
+              <a:rPr lang="en-US" dirty="0"/>
+              <a:t>Formalizing model correctness incl. Language</a:t>
+            </a:r>
+          </a:p>
+          <a:p>
+            <a:r>
+              <a:rPr lang="en-US" dirty="0"/>
+              <a:t>Under Discussion</a:t>
+            </a:r>
+          </a:p>
+          <a:p>
+            <a:pPr lvl="1"/>
+            <a:r>
+              <a:rPr lang="en-US" dirty="0"/>
+              <a:t>Derived models</a:t>
+            </a:r>
+          </a:p>
+          <a:p>
+            <a:endParaRPr lang="en-US" dirty="0"/>
+          </a:p>
+          <a:p>
+            <a:endParaRPr lang="en-NL" dirty="0"/>
+          </a:p>
+        </p:txBody>
+      </p:sp>
+    </p:spTree>
+    <p:extLst>
+      <p:ext uri="{BB962C8B-B14F-4D97-AF65-F5344CB8AC3E}">
+        <p14:creationId xmlns:p14="http://schemas.microsoft.com/office/powerpoint/2010/main" val="127909410"/>
+      </p:ext>
+    </p:extLst>
+  </p:cSld>
+  <p:clrMapOvr>
+    <a:masterClrMapping/>
+  </p:clrMapOvr>
+</p:sld>
+</file>
+
+<file path=ppt/slides/slide25.xml><?xml version="1.0" encoding="utf-8"?>
+<p:sld xmlns:a="http://schemas.openxmlformats.org/drawingml/2006/main" xmlns:r="http://schemas.openxmlformats.org/officeDocument/2006/relationships" xmlns:p="http://schemas.openxmlformats.org/presentationml/2006/main">
+  <p:cSld>
+    <p:spTree>
+      <p:nvGrpSpPr>
+        <p:cNvPr id="1" name=""/>
+        <p:cNvGrpSpPr/>
+        <p:nvPr/>
+      </p:nvGrpSpPr>
+      <p:grpSpPr>
+        <a:xfrm>
+          <a:off x="0" y="0"/>
+          <a:ext cx="0" cy="0"/>
+          <a:chOff x="0" y="0"/>
+          <a:chExt cx="0" cy="0"/>
+        </a:xfrm>
+      </p:grpSpPr>
+      <p:sp>
+        <p:nvSpPr>
+          <p:cNvPr id="2" name="Title 1">
+            <a:extLst>
+              <a:ext uri="{FF2B5EF4-FFF2-40B4-BE49-F238E27FC236}">
+                <a16:creationId xmlns:a16="http://schemas.microsoft.com/office/drawing/2014/main" id="{30AE6CA9-E1D7-10D6-987A-A048EE08EA20}"/>
+              </a:ext>
+            </a:extLst>
+          </p:cNvPr>
+          <p:cNvSpPr>
+            <a:spLocks noGrp="1"/>
+          </p:cNvSpPr>
+          <p:nvPr>
+            <p:ph type="title"/>
+          </p:nvPr>
+        </p:nvSpPr>
+        <p:spPr>
+          <a:xfrm>
+            <a:off x="0" y="1709738"/>
+            <a:ext cx="12192000" cy="3185396"/>
+          </a:xfrm>
+        </p:spPr>
+        <p:txBody>
+          <a:bodyPr/>
+          <a:lstStyle/>
+          <a:p>
+            <a:r>
+              <a:rPr lang="en-US" dirty="0"/>
+              <a:t>Bulk API Semantics</a:t>
+            </a:r>
+            <a:endParaRPr lang="en-NL" dirty="0"/>
+          </a:p>
+        </p:txBody>
+      </p:sp>
+      <p:sp>
+        <p:nvSpPr>
+          <p:cNvPr id="5" name="Text Placeholder 4">
+            <a:extLst>
+              <a:ext uri="{FF2B5EF4-FFF2-40B4-BE49-F238E27FC236}">
+                <a16:creationId xmlns:a16="http://schemas.microsoft.com/office/drawing/2014/main" id="{EF609659-33A0-0565-E1F0-8BF098DBF22B}"/>
+              </a:ext>
+            </a:extLst>
+          </p:cNvPr>
+          <p:cNvSpPr>
+            <a:spLocks noGrp="1"/>
+          </p:cNvSpPr>
+          <p:nvPr>
+            <p:ph type="body" idx="1"/>
+          </p:nvPr>
+        </p:nvSpPr>
+        <p:spPr/>
+        <p:txBody>
+          <a:bodyPr/>
+          <a:lstStyle/>
+          <a:p>
+            <a:endParaRPr lang="en-NL"/>
+          </a:p>
+        </p:txBody>
+      </p:sp>
+      <p:pic>
+        <p:nvPicPr>
+          <p:cNvPr id="6" name="Graphic 5">
+            <a:extLst>
+              <a:ext uri="{FF2B5EF4-FFF2-40B4-BE49-F238E27FC236}">
+                <a16:creationId xmlns:a16="http://schemas.microsoft.com/office/drawing/2014/main" id="{98509289-4ECD-20B9-4307-C9120C5AE0EA}"/>
+              </a:ext>
+            </a:extLst>
+          </p:cNvPr>
+          <p:cNvPicPr>
+            <a:picLocks noChangeAspect="1"/>
+          </p:cNvPicPr>
+          <p:nvPr/>
+        </p:nvPicPr>
+        <p:blipFill>
+          <a:blip r:embed="rId2">
+            <a:extLst>
+              <a:ext uri="{96DAC541-7B7A-43D3-8B79-37D633B846F1}">
+                <asvg:svgBlip xmlns:asvg="http://schemas.microsoft.com/office/drawing/2016/SVG/main" r:embed="rId3"/>
+              </a:ext>
+            </a:extLst>
+          </a:blip>
+          <a:stretch>
+            <a:fillRect/>
+          </a:stretch>
+        </p:blipFill>
+        <p:spPr>
+          <a:xfrm>
+            <a:off x="5535121" y="3394947"/>
+            <a:ext cx="1121757" cy="1127724"/>
+          </a:xfrm>
+          <a:prstGeom prst="rect">
+            <a:avLst/>
+          </a:prstGeom>
+        </p:spPr>
+      </p:pic>
+    </p:spTree>
+    <p:extLst>
+      <p:ext uri="{BB962C8B-B14F-4D97-AF65-F5344CB8AC3E}">
+        <p14:creationId xmlns:p14="http://schemas.microsoft.com/office/powerpoint/2010/main" val="993560189"/>
+      </p:ext>
+    </p:extLst>
+  </p:cSld>
+  <p:clrMapOvr>
+    <a:masterClrMapping/>
+  </p:clrMapOvr>
+</p:sld>
+</file>
+
+<file path=ppt/slides/slide26.xml><?xml version="1.0" encoding="utf-8"?>
+<p:sld xmlns:a="http://schemas.openxmlformats.org/drawingml/2006/main" xmlns:r="http://schemas.openxmlformats.org/officeDocument/2006/relationships" xmlns:p="http://schemas.openxmlformats.org/presentationml/2006/main">
+  <p:cSld>
+    <p:spTree>
+      <p:nvGrpSpPr>
+        <p:cNvPr id="1" name=""/>
+        <p:cNvGrpSpPr/>
+        <p:nvPr/>
+      </p:nvGrpSpPr>
+      <p:grpSpPr>
+        <a:xfrm>
+          <a:off x="0" y="0"/>
+          <a:ext cx="0" cy="0"/>
+          <a:chOff x="0" y="0"/>
+          <a:chExt cx="0" cy="0"/>
+        </a:xfrm>
+      </p:grpSpPr>
+      <p:sp>
+        <p:nvSpPr>
+          <p:cNvPr id="2" name="Title 1">
+            <a:extLst>
+              <a:ext uri="{FF2B5EF4-FFF2-40B4-BE49-F238E27FC236}">
+                <a16:creationId xmlns:a16="http://schemas.microsoft.com/office/drawing/2014/main" id="{55F10462-3509-2DA9-403E-4CAD888E6A59}"/>
+              </a:ext>
+            </a:extLst>
+          </p:cNvPr>
+          <p:cNvSpPr>
+            <a:spLocks noGrp="1"/>
+          </p:cNvSpPr>
+          <p:nvPr>
+            <p:ph type="title"/>
+          </p:nvPr>
+        </p:nvSpPr>
+        <p:spPr>
+          <a:xfrm>
+            <a:off x="0" y="0"/>
+            <a:ext cx="12192000" cy="1264249"/>
+          </a:xfrm>
+        </p:spPr>
+        <p:txBody>
+          <a:bodyPr>
+            <a:normAutofit/>
+          </a:bodyPr>
+          <a:lstStyle/>
+          <a:p>
+            <a:r>
+              <a:rPr lang="en-US" dirty="0"/>
+              <a:t>Basic Commands</a:t>
+            </a:r>
+            <a:endParaRPr lang="en-NL" dirty="0"/>
+          </a:p>
+        </p:txBody>
+      </p:sp>
+      <p:sp>
+        <p:nvSpPr>
+          <p:cNvPr id="3" name="Text Placeholder 2">
+            <a:extLst>
+              <a:ext uri="{FF2B5EF4-FFF2-40B4-BE49-F238E27FC236}">
+                <a16:creationId xmlns:a16="http://schemas.microsoft.com/office/drawing/2014/main" id="{A88FDBE0-C173-9A06-827C-0918E4D345D6}"/>
+              </a:ext>
+            </a:extLst>
+          </p:cNvPr>
+          <p:cNvSpPr>
+            <a:spLocks noGrp="1"/>
+          </p:cNvSpPr>
+          <p:nvPr>
+            <p:ph idx="1"/>
+          </p:nvPr>
+        </p:nvSpPr>
+        <p:spPr>
+          <a:xfrm>
+            <a:off x="838200" y="1483360"/>
+            <a:ext cx="10515600" cy="4867744"/>
+          </a:xfrm>
+        </p:spPr>
+        <p:txBody>
+          <a:bodyPr/>
+          <a:lstStyle/>
+          <a:p>
+            <a:r>
+              <a:rPr lang="en-US" dirty="0"/>
+              <a:t>List/create/delete partitions</a:t>
+            </a:r>
+          </a:p>
+          <a:p>
+            <a:pPr lvl="1"/>
+            <a:r>
+              <a:rPr lang="en-US" dirty="0"/>
+              <a:t>Straightforward CR_D</a:t>
+            </a:r>
+          </a:p>
+          <a:p>
+            <a:r>
+              <a:rPr lang="en-US" dirty="0"/>
+              <a:t>Retrieve</a:t>
+            </a:r>
+          </a:p>
+          <a:p>
+            <a:pPr lvl="1"/>
+            <a:r>
+              <a:rPr lang="en-US" dirty="0"/>
+              <a:t>Get me subtree of node X with depth Y</a:t>
+            </a:r>
+          </a:p>
+          <a:p>
+            <a:r>
+              <a:rPr lang="en-US" dirty="0"/>
+              <a:t>Store</a:t>
+            </a:r>
+          </a:p>
+          <a:p>
+            <a:pPr lvl="1"/>
+            <a:r>
+              <a:rPr lang="en-US" dirty="0"/>
+              <a:t>Make the repository represent the subtree I send</a:t>
+            </a:r>
+          </a:p>
+          <a:p>
+            <a:r>
+              <a:rPr lang="en-US" dirty="0"/>
+              <a:t>Ids</a:t>
+            </a:r>
+          </a:p>
+          <a:p>
+            <a:pPr lvl="1"/>
+            <a:r>
+              <a:rPr lang="en-US" dirty="0"/>
+              <a:t>Give me guaranteed free node ids</a:t>
+            </a:r>
+          </a:p>
+          <a:p>
+            <a:endParaRPr lang="en-US" dirty="0"/>
+          </a:p>
+          <a:p>
+            <a:endParaRPr lang="en-NL" dirty="0"/>
+          </a:p>
+        </p:txBody>
+      </p:sp>
+    </p:spTree>
+    <p:extLst>
+      <p:ext uri="{BB962C8B-B14F-4D97-AF65-F5344CB8AC3E}">
+        <p14:creationId xmlns:p14="http://schemas.microsoft.com/office/powerpoint/2010/main" val="2515938351"/>
+      </p:ext>
+    </p:extLst>
+  </p:cSld>
+  <p:clrMapOvr>
+    <a:masterClrMapping/>
+  </p:clrMapOvr>
+</p:sld>
+</file>
+
+<file path=ppt/slides/slide27.xml><?xml version="1.0" encoding="utf-8"?>
 <p:sld xmlns:a="http://schemas.openxmlformats.org/drawingml/2006/main" xmlns:r="http://schemas.openxmlformats.org/officeDocument/2006/relationships" xmlns:p="http://schemas.openxmlformats.org/presentationml/2006/main">
   <p:cSld>
     <p:spTree>
@@ -20602,7 +22569,7 @@
           <a:p>
             <a:r>
               <a:rPr lang="en-US" dirty="0"/>
-              <a:t>Repository “Store Subtree”</a:t>
+              <a:t>Intricacies of Store</a:t>
             </a:r>
             <a:endParaRPr lang="en-NL" dirty="0"/>
           </a:p>
@@ -21669,1895 +23636,7 @@
 </p:sld>
 </file>
 
-<file path=ppt/slides/slide16.xml><?xml version="1.0" encoding="utf-8"?>
-<p:sld xmlns:a="http://schemas.openxmlformats.org/drawingml/2006/main" xmlns:r="http://schemas.openxmlformats.org/officeDocument/2006/relationships" xmlns:p="http://schemas.openxmlformats.org/presentationml/2006/main">
-  <p:cSld>
-    <p:spTree>
-      <p:nvGrpSpPr>
-        <p:cNvPr id="1" name=""/>
-        <p:cNvGrpSpPr/>
-        <p:nvPr/>
-      </p:nvGrpSpPr>
-      <p:grpSpPr>
-        <a:xfrm>
-          <a:off x="0" y="0"/>
-          <a:ext cx="0" cy="0"/>
-          <a:chOff x="0" y="0"/>
-          <a:chExt cx="0" cy="0"/>
-        </a:xfrm>
-      </p:grpSpPr>
-      <p:sp>
-        <p:nvSpPr>
-          <p:cNvPr id="2" name="Title 1">
-            <a:extLst>
-              <a:ext uri="{FF2B5EF4-FFF2-40B4-BE49-F238E27FC236}">
-                <a16:creationId xmlns:a16="http://schemas.microsoft.com/office/drawing/2014/main" id="{F62FFC7C-5F30-6874-E215-FCCC9AC4CEDF}"/>
-              </a:ext>
-            </a:extLst>
-          </p:cNvPr>
-          <p:cNvSpPr>
-            <a:spLocks noGrp="1"/>
-          </p:cNvSpPr>
-          <p:nvPr>
-            <p:ph type="title"/>
-          </p:nvPr>
-        </p:nvSpPr>
-        <p:spPr/>
-        <p:txBody>
-          <a:bodyPr>
-            <a:normAutofit/>
-          </a:bodyPr>
-          <a:lstStyle/>
-          <a:p>
-            <a:r>
-              <a:rPr lang="nl-NL" dirty="0"/>
-              <a:t>C#</a:t>
-            </a:r>
-            <a:endParaRPr lang="en-NL" dirty="0"/>
-          </a:p>
-        </p:txBody>
-      </p:sp>
-      <p:sp>
-        <p:nvSpPr>
-          <p:cNvPr id="3" name="Text Placeholder 2">
-            <a:extLst>
-              <a:ext uri="{FF2B5EF4-FFF2-40B4-BE49-F238E27FC236}">
-                <a16:creationId xmlns:a16="http://schemas.microsoft.com/office/drawing/2014/main" id="{963F5A6A-280D-446C-AD61-E5BB8272D117}"/>
-              </a:ext>
-            </a:extLst>
-          </p:cNvPr>
-          <p:cNvSpPr>
-            <a:spLocks noGrp="1"/>
-          </p:cNvSpPr>
-          <p:nvPr>
-            <p:ph type="body" idx="1"/>
-          </p:nvPr>
-        </p:nvSpPr>
-        <p:spPr/>
-        <p:txBody>
-          <a:bodyPr/>
-          <a:lstStyle/>
-          <a:p>
-            <a:endParaRPr lang="en-NL"/>
-          </a:p>
-        </p:txBody>
-      </p:sp>
-    </p:spTree>
-    <p:extLst>
-      <p:ext uri="{BB962C8B-B14F-4D97-AF65-F5344CB8AC3E}">
-        <p14:creationId xmlns:p14="http://schemas.microsoft.com/office/powerpoint/2010/main" val="1421518243"/>
-      </p:ext>
-    </p:extLst>
-  </p:cSld>
-  <p:clrMapOvr>
-    <a:masterClrMapping/>
-  </p:clrMapOvr>
-</p:sld>
-</file>
-
-<file path=ppt/slides/slide17.xml><?xml version="1.0" encoding="utf-8"?>
-<p:sld xmlns:a="http://schemas.openxmlformats.org/drawingml/2006/main" xmlns:r="http://schemas.openxmlformats.org/officeDocument/2006/relationships" xmlns:p="http://schemas.openxmlformats.org/presentationml/2006/main">
-  <p:cSld>
-    <p:spTree>
-      <p:nvGrpSpPr>
-        <p:cNvPr id="1" name=""/>
-        <p:cNvGrpSpPr/>
-        <p:nvPr/>
-      </p:nvGrpSpPr>
-      <p:grpSpPr>
-        <a:xfrm>
-          <a:off x="0" y="0"/>
-          <a:ext cx="0" cy="0"/>
-          <a:chOff x="0" y="0"/>
-          <a:chExt cx="0" cy="0"/>
-        </a:xfrm>
-      </p:grpSpPr>
-      <p:sp>
-        <p:nvSpPr>
-          <p:cNvPr id="2" name="Title 1">
-            <a:extLst>
-              <a:ext uri="{FF2B5EF4-FFF2-40B4-BE49-F238E27FC236}">
-                <a16:creationId xmlns:a16="http://schemas.microsoft.com/office/drawing/2014/main" id="{2EDFD09D-D4D1-3C1B-1727-0BDF29A9A775}"/>
-              </a:ext>
-            </a:extLst>
-          </p:cNvPr>
-          <p:cNvSpPr>
-            <a:spLocks noGrp="1"/>
-          </p:cNvSpPr>
-          <p:nvPr>
-            <p:ph type="title"/>
-          </p:nvPr>
-        </p:nvSpPr>
-        <p:spPr/>
-        <p:txBody>
-          <a:bodyPr>
-            <a:normAutofit/>
-          </a:bodyPr>
-          <a:lstStyle/>
-          <a:p>
-            <a:r>
-              <a:rPr lang="en-US" dirty="0"/>
-              <a:t>Java</a:t>
-            </a:r>
-            <a:endParaRPr lang="en-NL" dirty="0"/>
-          </a:p>
-        </p:txBody>
-      </p:sp>
-      <p:sp>
-        <p:nvSpPr>
-          <p:cNvPr id="3" name="Text Placeholder 2">
-            <a:extLst>
-              <a:ext uri="{FF2B5EF4-FFF2-40B4-BE49-F238E27FC236}">
-                <a16:creationId xmlns:a16="http://schemas.microsoft.com/office/drawing/2014/main" id="{8E068098-B59A-79C5-4B09-ECCB581CB829}"/>
-              </a:ext>
-            </a:extLst>
-          </p:cNvPr>
-          <p:cNvSpPr>
-            <a:spLocks noGrp="1"/>
-          </p:cNvSpPr>
-          <p:nvPr>
-            <p:ph type="body" idx="1"/>
-          </p:nvPr>
-        </p:nvSpPr>
-        <p:spPr/>
-        <p:txBody>
-          <a:bodyPr/>
-          <a:lstStyle/>
-          <a:p>
-            <a:endParaRPr lang="en-NL"/>
-          </a:p>
-        </p:txBody>
-      </p:sp>
-    </p:spTree>
-    <p:extLst>
-      <p:ext uri="{BB962C8B-B14F-4D97-AF65-F5344CB8AC3E}">
-        <p14:creationId xmlns:p14="http://schemas.microsoft.com/office/powerpoint/2010/main" val="3114492708"/>
-      </p:ext>
-    </p:extLst>
-  </p:cSld>
-  <p:clrMapOvr>
-    <a:masterClrMapping/>
-  </p:clrMapOvr>
-</p:sld>
-</file>
-
-<file path=ppt/slides/slide18.xml><?xml version="1.0" encoding="utf-8"?>
-<p:sld xmlns:a="http://schemas.openxmlformats.org/drawingml/2006/main" xmlns:r="http://schemas.openxmlformats.org/officeDocument/2006/relationships" xmlns:p="http://schemas.openxmlformats.org/presentationml/2006/main">
-  <p:cSld>
-    <p:spTree>
-      <p:nvGrpSpPr>
-        <p:cNvPr id="1" name=""/>
-        <p:cNvGrpSpPr/>
-        <p:nvPr/>
-      </p:nvGrpSpPr>
-      <p:grpSpPr>
-        <a:xfrm>
-          <a:off x="0" y="0"/>
-          <a:ext cx="0" cy="0"/>
-          <a:chOff x="0" y="0"/>
-          <a:chExt cx="0" cy="0"/>
-        </a:xfrm>
-      </p:grpSpPr>
-      <p:sp>
-        <p:nvSpPr>
-          <p:cNvPr id="2" name="Title 1">
-            <a:extLst>
-              <a:ext uri="{FF2B5EF4-FFF2-40B4-BE49-F238E27FC236}">
-                <a16:creationId xmlns:a16="http://schemas.microsoft.com/office/drawing/2014/main" id="{BC904CF2-4B57-F15B-5E0C-0F3339528015}"/>
-              </a:ext>
-            </a:extLst>
-          </p:cNvPr>
-          <p:cNvSpPr>
-            <a:spLocks noGrp="1"/>
-          </p:cNvSpPr>
-          <p:nvPr>
-            <p:ph type="title"/>
-          </p:nvPr>
-        </p:nvSpPr>
-        <p:spPr/>
-        <p:txBody>
-          <a:bodyPr>
-            <a:normAutofit/>
-          </a:bodyPr>
-          <a:lstStyle/>
-          <a:p>
-            <a:r>
-              <a:rPr lang="en-US" dirty="0"/>
-              <a:t>Kotlin</a:t>
-            </a:r>
-            <a:endParaRPr lang="en-NL" dirty="0"/>
-          </a:p>
-        </p:txBody>
-      </p:sp>
-      <p:sp>
-        <p:nvSpPr>
-          <p:cNvPr id="3" name="Text Placeholder 2">
-            <a:extLst>
-              <a:ext uri="{FF2B5EF4-FFF2-40B4-BE49-F238E27FC236}">
-                <a16:creationId xmlns:a16="http://schemas.microsoft.com/office/drawing/2014/main" id="{26519A21-EE47-20DE-61DB-3BAE92067C4C}"/>
-              </a:ext>
-            </a:extLst>
-          </p:cNvPr>
-          <p:cNvSpPr>
-            <a:spLocks noGrp="1"/>
-          </p:cNvSpPr>
-          <p:nvPr>
-            <p:ph type="body" idx="1"/>
-          </p:nvPr>
-        </p:nvSpPr>
-        <p:spPr/>
-        <p:txBody>
-          <a:bodyPr/>
-          <a:lstStyle/>
-          <a:p>
-            <a:endParaRPr lang="en-NL"/>
-          </a:p>
-        </p:txBody>
-      </p:sp>
-    </p:spTree>
-    <p:extLst>
-      <p:ext uri="{BB962C8B-B14F-4D97-AF65-F5344CB8AC3E}">
-        <p14:creationId xmlns:p14="http://schemas.microsoft.com/office/powerpoint/2010/main" val="1867354372"/>
-      </p:ext>
-    </p:extLst>
-  </p:cSld>
-  <p:clrMapOvr>
-    <a:masterClrMapping/>
-  </p:clrMapOvr>
-</p:sld>
-</file>
-
-<file path=ppt/slides/slide19.xml><?xml version="1.0" encoding="utf-8"?>
-<p:sld xmlns:a="http://schemas.openxmlformats.org/drawingml/2006/main" xmlns:r="http://schemas.openxmlformats.org/officeDocument/2006/relationships" xmlns:p="http://schemas.openxmlformats.org/presentationml/2006/main">
-  <p:cSld>
-    <p:spTree>
-      <p:nvGrpSpPr>
-        <p:cNvPr id="1" name=""/>
-        <p:cNvGrpSpPr/>
-        <p:nvPr/>
-      </p:nvGrpSpPr>
-      <p:grpSpPr>
-        <a:xfrm>
-          <a:off x="0" y="0"/>
-          <a:ext cx="0" cy="0"/>
-          <a:chOff x="0" y="0"/>
-          <a:chExt cx="0" cy="0"/>
-        </a:xfrm>
-      </p:grpSpPr>
-      <p:sp>
-        <p:nvSpPr>
-          <p:cNvPr id="2" name="Title 1">
-            <a:extLst>
-              <a:ext uri="{FF2B5EF4-FFF2-40B4-BE49-F238E27FC236}">
-                <a16:creationId xmlns:a16="http://schemas.microsoft.com/office/drawing/2014/main" id="{A13EE4E0-01C4-20F6-F9FE-65F6718EF55A}"/>
-              </a:ext>
-            </a:extLst>
-          </p:cNvPr>
-          <p:cNvSpPr>
-            <a:spLocks noGrp="1"/>
-          </p:cNvSpPr>
-          <p:nvPr>
-            <p:ph type="title"/>
-          </p:nvPr>
-        </p:nvSpPr>
-        <p:spPr/>
-        <p:txBody>
-          <a:bodyPr>
-            <a:normAutofit/>
-          </a:bodyPr>
-          <a:lstStyle/>
-          <a:p>
-            <a:r>
-              <a:rPr lang="en-US" dirty="0"/>
-              <a:t>Typescript</a:t>
-            </a:r>
-            <a:endParaRPr lang="en-NL" dirty="0"/>
-          </a:p>
-        </p:txBody>
-      </p:sp>
-      <p:sp>
-        <p:nvSpPr>
-          <p:cNvPr id="3" name="Text Placeholder 2">
-            <a:extLst>
-              <a:ext uri="{FF2B5EF4-FFF2-40B4-BE49-F238E27FC236}">
-                <a16:creationId xmlns:a16="http://schemas.microsoft.com/office/drawing/2014/main" id="{626AB4E2-D164-5EFD-B5DC-4E08BF38375D}"/>
-              </a:ext>
-            </a:extLst>
-          </p:cNvPr>
-          <p:cNvSpPr>
-            <a:spLocks noGrp="1"/>
-          </p:cNvSpPr>
-          <p:nvPr>
-            <p:ph type="body" idx="1"/>
-          </p:nvPr>
-        </p:nvSpPr>
-        <p:spPr/>
-        <p:txBody>
-          <a:bodyPr/>
-          <a:lstStyle/>
-          <a:p>
-            <a:endParaRPr lang="en-NL"/>
-          </a:p>
-        </p:txBody>
-      </p:sp>
-    </p:spTree>
-    <p:extLst>
-      <p:ext uri="{BB962C8B-B14F-4D97-AF65-F5344CB8AC3E}">
-        <p14:creationId xmlns:p14="http://schemas.microsoft.com/office/powerpoint/2010/main" val="1512667040"/>
-      </p:ext>
-    </p:extLst>
-  </p:cSld>
-  <p:clrMapOvr>
-    <a:masterClrMapping/>
-  </p:clrMapOvr>
-</p:sld>
-</file>
-
-<file path=ppt/slides/slide2.xml><?xml version="1.0" encoding="utf-8"?>
-<p:sld xmlns:a="http://schemas.openxmlformats.org/drawingml/2006/main" xmlns:r="http://schemas.openxmlformats.org/officeDocument/2006/relationships" xmlns:p="http://schemas.openxmlformats.org/presentationml/2006/main">
-  <p:cSld>
-    <p:spTree>
-      <p:nvGrpSpPr>
-        <p:cNvPr id="1" name=""/>
-        <p:cNvGrpSpPr/>
-        <p:nvPr/>
-      </p:nvGrpSpPr>
-      <p:grpSpPr>
-        <a:xfrm>
-          <a:off x="0" y="0"/>
-          <a:ext cx="0" cy="0"/>
-          <a:chOff x="0" y="0"/>
-          <a:chExt cx="0" cy="0"/>
-        </a:xfrm>
-      </p:grpSpPr>
-      <p:sp>
-        <p:nvSpPr>
-          <p:cNvPr id="3" name="Title 2">
-            <a:extLst>
-              <a:ext uri="{FF2B5EF4-FFF2-40B4-BE49-F238E27FC236}">
-                <a16:creationId xmlns:a16="http://schemas.microsoft.com/office/drawing/2014/main" id="{ED1CB88A-BB8F-4F89-3FF6-B591EA38D3F6}"/>
-              </a:ext>
-            </a:extLst>
-          </p:cNvPr>
-          <p:cNvSpPr>
-            <a:spLocks noGrp="1"/>
-          </p:cNvSpPr>
-          <p:nvPr>
-            <p:ph type="title"/>
-          </p:nvPr>
-        </p:nvSpPr>
-        <p:spPr/>
-        <p:txBody>
-          <a:bodyPr/>
-          <a:lstStyle/>
-          <a:p>
-            <a:r>
-              <a:rPr lang="en-US" dirty="0"/>
-              <a:t>Overview Recap</a:t>
-            </a:r>
-          </a:p>
-        </p:txBody>
-      </p:sp>
-      <p:sp>
-        <p:nvSpPr>
-          <p:cNvPr id="2" name="Text Placeholder 1">
-            <a:extLst>
-              <a:ext uri="{FF2B5EF4-FFF2-40B4-BE49-F238E27FC236}">
-                <a16:creationId xmlns:a16="http://schemas.microsoft.com/office/drawing/2014/main" id="{3A5EE22F-2DB8-8869-1E1D-13B41FFA514F}"/>
-              </a:ext>
-            </a:extLst>
-          </p:cNvPr>
-          <p:cNvSpPr>
-            <a:spLocks noGrp="1"/>
-          </p:cNvSpPr>
-          <p:nvPr>
-            <p:ph type="body" idx="1"/>
-          </p:nvPr>
-        </p:nvSpPr>
-        <p:spPr/>
-        <p:txBody>
-          <a:bodyPr/>
-          <a:lstStyle/>
-          <a:p>
-            <a:endParaRPr lang="en-NL"/>
-          </a:p>
-        </p:txBody>
-      </p:sp>
-    </p:spTree>
-    <p:extLst>
-      <p:ext uri="{BB962C8B-B14F-4D97-AF65-F5344CB8AC3E}">
-        <p14:creationId xmlns:p14="http://schemas.microsoft.com/office/powerpoint/2010/main" val="3239961873"/>
-      </p:ext>
-    </p:extLst>
-  </p:cSld>
-  <p:clrMapOvr>
-    <a:masterClrMapping/>
-  </p:clrMapOvr>
-</p:sld>
-</file>
-
-<file path=ppt/slides/slide20.xml><?xml version="1.0" encoding="utf-8"?>
-<p:sld xmlns:a="http://schemas.openxmlformats.org/drawingml/2006/main" xmlns:r="http://schemas.openxmlformats.org/officeDocument/2006/relationships" xmlns:p="http://schemas.openxmlformats.org/presentationml/2006/main">
-  <p:cSld>
-    <p:spTree>
-      <p:nvGrpSpPr>
-        <p:cNvPr id="1" name=""/>
-        <p:cNvGrpSpPr/>
-        <p:nvPr/>
-      </p:nvGrpSpPr>
-      <p:grpSpPr>
-        <a:xfrm>
-          <a:off x="0" y="0"/>
-          <a:ext cx="0" cy="0"/>
-          <a:chOff x="0" y="0"/>
-          <a:chExt cx="0" cy="0"/>
-        </a:xfrm>
-      </p:grpSpPr>
-      <p:sp>
-        <p:nvSpPr>
-          <p:cNvPr id="2" name="Title 1">
-            <a:extLst>
-              <a:ext uri="{FF2B5EF4-FFF2-40B4-BE49-F238E27FC236}">
-                <a16:creationId xmlns:a16="http://schemas.microsoft.com/office/drawing/2014/main" id="{69F4DEC5-1B66-AA95-962F-6C0814E50C4A}"/>
-              </a:ext>
-            </a:extLst>
-          </p:cNvPr>
-          <p:cNvSpPr>
-            <a:spLocks noGrp="1"/>
-          </p:cNvSpPr>
-          <p:nvPr>
-            <p:ph type="title"/>
-          </p:nvPr>
-        </p:nvSpPr>
-        <p:spPr/>
-        <p:txBody>
-          <a:bodyPr>
-            <a:normAutofit/>
-          </a:bodyPr>
-          <a:lstStyle/>
-          <a:p>
-            <a:r>
-              <a:rPr lang="en-US" dirty="0"/>
-              <a:t>MPS</a:t>
-            </a:r>
-            <a:endParaRPr lang="en-NL" dirty="0"/>
-          </a:p>
-        </p:txBody>
-      </p:sp>
-      <p:sp>
-        <p:nvSpPr>
-          <p:cNvPr id="3" name="Text Placeholder 2">
-            <a:extLst>
-              <a:ext uri="{FF2B5EF4-FFF2-40B4-BE49-F238E27FC236}">
-                <a16:creationId xmlns:a16="http://schemas.microsoft.com/office/drawing/2014/main" id="{A584CD9C-435C-BD00-2568-A1546EA2E274}"/>
-              </a:ext>
-            </a:extLst>
-          </p:cNvPr>
-          <p:cNvSpPr>
-            <a:spLocks noGrp="1"/>
-          </p:cNvSpPr>
-          <p:nvPr>
-            <p:ph type="body" idx="1"/>
-          </p:nvPr>
-        </p:nvSpPr>
-        <p:spPr/>
-        <p:txBody>
-          <a:bodyPr/>
-          <a:lstStyle/>
-          <a:p>
-            <a:endParaRPr lang="en-NL"/>
-          </a:p>
-        </p:txBody>
-      </p:sp>
-    </p:spTree>
-    <p:extLst>
-      <p:ext uri="{BB962C8B-B14F-4D97-AF65-F5344CB8AC3E}">
-        <p14:creationId xmlns:p14="http://schemas.microsoft.com/office/powerpoint/2010/main" val="3230583152"/>
-      </p:ext>
-    </p:extLst>
-  </p:cSld>
-  <p:clrMapOvr>
-    <a:masterClrMapping/>
-  </p:clrMapOvr>
-</p:sld>
-</file>
-
-<file path=ppt/slides/slide21.xml><?xml version="1.0" encoding="utf-8"?>
-<p:sld xmlns:a="http://schemas.openxmlformats.org/drawingml/2006/main" xmlns:r="http://schemas.openxmlformats.org/officeDocument/2006/relationships" xmlns:p="http://schemas.openxmlformats.org/presentationml/2006/main">
-  <p:cSld>
-    <p:spTree>
-      <p:nvGrpSpPr>
-        <p:cNvPr id="1" name=""/>
-        <p:cNvGrpSpPr/>
-        <p:nvPr/>
-      </p:nvGrpSpPr>
-      <p:grpSpPr>
-        <a:xfrm>
-          <a:off x="0" y="0"/>
-          <a:ext cx="0" cy="0"/>
-          <a:chOff x="0" y="0"/>
-          <a:chExt cx="0" cy="0"/>
-        </a:xfrm>
-      </p:grpSpPr>
-      <p:sp>
-        <p:nvSpPr>
-          <p:cNvPr id="2" name="Title 1">
-            <a:extLst>
-              <a:ext uri="{FF2B5EF4-FFF2-40B4-BE49-F238E27FC236}">
-                <a16:creationId xmlns:a16="http://schemas.microsoft.com/office/drawing/2014/main" id="{68FF4A01-F217-54BB-6572-32FFAB036A3C}"/>
-              </a:ext>
-            </a:extLst>
-          </p:cNvPr>
-          <p:cNvSpPr>
-            <a:spLocks noGrp="1"/>
-          </p:cNvSpPr>
-          <p:nvPr>
-            <p:ph type="title"/>
-          </p:nvPr>
-        </p:nvSpPr>
-        <p:spPr/>
-        <p:txBody>
-          <a:bodyPr>
-            <a:normAutofit/>
-          </a:bodyPr>
-          <a:lstStyle/>
-          <a:p>
-            <a:r>
-              <a:rPr lang="en-US" dirty="0" err="1"/>
-              <a:t>Modelix</a:t>
-            </a:r>
-            <a:endParaRPr lang="en-NL" dirty="0"/>
-          </a:p>
-        </p:txBody>
-      </p:sp>
-      <p:sp>
-        <p:nvSpPr>
-          <p:cNvPr id="3" name="Text Placeholder 2">
-            <a:extLst>
-              <a:ext uri="{FF2B5EF4-FFF2-40B4-BE49-F238E27FC236}">
-                <a16:creationId xmlns:a16="http://schemas.microsoft.com/office/drawing/2014/main" id="{F56650CF-7D69-2D41-5077-A484CEEF3557}"/>
-              </a:ext>
-            </a:extLst>
-          </p:cNvPr>
-          <p:cNvSpPr>
-            <a:spLocks noGrp="1"/>
-          </p:cNvSpPr>
-          <p:nvPr>
-            <p:ph type="body" idx="1"/>
-          </p:nvPr>
-        </p:nvSpPr>
-        <p:spPr/>
-        <p:txBody>
-          <a:bodyPr/>
-          <a:lstStyle/>
-          <a:p>
-            <a:endParaRPr lang="en-NL"/>
-          </a:p>
-        </p:txBody>
-      </p:sp>
-    </p:spTree>
-    <p:extLst>
-      <p:ext uri="{BB962C8B-B14F-4D97-AF65-F5344CB8AC3E}">
-        <p14:creationId xmlns:p14="http://schemas.microsoft.com/office/powerpoint/2010/main" val="1055125893"/>
-      </p:ext>
-    </p:extLst>
-  </p:cSld>
-  <p:clrMapOvr>
-    <a:masterClrMapping/>
-  </p:clrMapOvr>
-</p:sld>
-</file>
-
-<file path=ppt/slides/slide22.xml><?xml version="1.0" encoding="utf-8"?>
-<p:sld xmlns:a="http://schemas.openxmlformats.org/drawingml/2006/main" xmlns:r="http://schemas.openxmlformats.org/officeDocument/2006/relationships" xmlns:p="http://schemas.openxmlformats.org/presentationml/2006/main">
-  <p:cSld>
-    <p:spTree>
-      <p:nvGrpSpPr>
-        <p:cNvPr id="1" name=""/>
-        <p:cNvGrpSpPr/>
-        <p:nvPr/>
-      </p:nvGrpSpPr>
-      <p:grpSpPr>
-        <a:xfrm>
-          <a:off x="0" y="0"/>
-          <a:ext cx="0" cy="0"/>
-          <a:chOff x="0" y="0"/>
-          <a:chExt cx="0" cy="0"/>
-        </a:xfrm>
-      </p:grpSpPr>
-      <p:sp>
-        <p:nvSpPr>
-          <p:cNvPr id="2" name="Title 1">
-            <a:extLst>
-              <a:ext uri="{FF2B5EF4-FFF2-40B4-BE49-F238E27FC236}">
-                <a16:creationId xmlns:a16="http://schemas.microsoft.com/office/drawing/2014/main" id="{56B2C5B2-0F4E-067C-3BA0-79EAE2D3C6EE}"/>
-              </a:ext>
-            </a:extLst>
-          </p:cNvPr>
-          <p:cNvSpPr>
-            <a:spLocks noGrp="1"/>
-          </p:cNvSpPr>
-          <p:nvPr>
-            <p:ph type="title"/>
-          </p:nvPr>
-        </p:nvSpPr>
-        <p:spPr/>
-        <p:txBody>
-          <a:bodyPr/>
-          <a:lstStyle/>
-          <a:p>
-            <a:r>
-              <a:rPr lang="en-NL" dirty="0"/>
-              <a:t>Freon LionWeb Core Editor</a:t>
-            </a:r>
-          </a:p>
-        </p:txBody>
-      </p:sp>
-      <p:sp>
-        <p:nvSpPr>
-          <p:cNvPr id="3" name="Content Placeholder 2">
-            <a:extLst>
-              <a:ext uri="{FF2B5EF4-FFF2-40B4-BE49-F238E27FC236}">
-                <a16:creationId xmlns:a16="http://schemas.microsoft.com/office/drawing/2014/main" id="{736E935C-61B6-6278-61D8-487C703C4431}"/>
-              </a:ext>
-            </a:extLst>
-          </p:cNvPr>
-          <p:cNvSpPr>
-            <a:spLocks noGrp="1"/>
-          </p:cNvSpPr>
-          <p:nvPr>
-            <p:ph idx="1"/>
-          </p:nvPr>
-        </p:nvSpPr>
-        <p:spPr/>
-        <p:txBody>
-          <a:bodyPr/>
-          <a:lstStyle/>
-          <a:p>
-            <a:r>
-              <a:rPr lang="en-NL" dirty="0"/>
-              <a:t>Freon LionWeb Core Editor</a:t>
-            </a:r>
-            <a:endParaRPr lang="en-GB" b="0" i="0" dirty="0">
-              <a:solidFill>
-                <a:srgbClr val="1F2328"/>
-              </a:solidFill>
-              <a:effectLst/>
-              <a:latin typeface="-apple-system"/>
-            </a:endParaRPr>
-          </a:p>
-          <a:p>
-            <a:pPr lvl="1"/>
-            <a:r>
-              <a:rPr lang="en-GB" b="0" i="0" dirty="0">
-                <a:solidFill>
-                  <a:srgbClr val="1F2328"/>
-                </a:solidFill>
-                <a:effectLst/>
-                <a:latin typeface="-apple-system"/>
-              </a:rPr>
-              <a:t>The LionWeb M3 language in Freon format.</a:t>
-            </a:r>
-          </a:p>
-          <a:p>
-            <a:pPr lvl="1"/>
-            <a:r>
-              <a:rPr lang="en-GB" dirty="0">
-                <a:solidFill>
-                  <a:srgbClr val="1F2328"/>
-                </a:solidFill>
-                <a:latin typeface="-apple-system"/>
-              </a:rPr>
-              <a:t>A LionWeb M2 Web </a:t>
-            </a:r>
-            <a:r>
-              <a:rPr lang="en-GB" b="0" i="0" dirty="0">
-                <a:solidFill>
-                  <a:srgbClr val="1F2328"/>
-                </a:solidFill>
-                <a:effectLst/>
-                <a:latin typeface="-apple-system"/>
-              </a:rPr>
-              <a:t>editor to edit LionWeb language definitions.</a:t>
-            </a:r>
-          </a:p>
-          <a:p>
-            <a:pPr lvl="1"/>
-            <a:r>
-              <a:rPr lang="en-GB" b="0" i="0" dirty="0">
-                <a:solidFill>
-                  <a:srgbClr val="1F2328"/>
-                </a:solidFill>
-                <a:effectLst/>
-                <a:latin typeface="-apple-system"/>
-              </a:rPr>
-              <a:t>The editor stores the language as JSON using the LionWeb serialization format, therefore other LionWeb enabled tools can use the language definition.</a:t>
-            </a:r>
-          </a:p>
-          <a:p>
-            <a:endParaRPr lang="en-NL" dirty="0"/>
-          </a:p>
-          <a:p>
-            <a:r>
-              <a:rPr lang="en-NL" dirty="0"/>
-              <a:t>URL</a:t>
-            </a:r>
-          </a:p>
-          <a:p>
-            <a:pPr lvl="1"/>
-            <a:r>
-              <a:rPr lang="en-GB" dirty="0">
-                <a:hlinkClick r:id="rId2"/>
-              </a:rPr>
-              <a:t>https://github.com/LionWeb-io/lionweb-freon-m3</a:t>
-            </a:r>
-            <a:r>
-              <a:rPr lang="en-GB" dirty="0"/>
-              <a:t> </a:t>
-            </a:r>
-            <a:endParaRPr lang="en-NL" dirty="0"/>
-          </a:p>
-        </p:txBody>
-      </p:sp>
-    </p:spTree>
-    <p:extLst>
-      <p:ext uri="{BB962C8B-B14F-4D97-AF65-F5344CB8AC3E}">
-        <p14:creationId xmlns:p14="http://schemas.microsoft.com/office/powerpoint/2010/main" val="1100818944"/>
-      </p:ext>
-    </p:extLst>
-  </p:cSld>
-  <p:clrMapOvr>
-    <a:masterClrMapping/>
-  </p:clrMapOvr>
-</p:sld>
-</file>
-
-<file path=ppt/slides/slide23.xml><?xml version="1.0" encoding="utf-8"?>
-<p:sld xmlns:a="http://schemas.openxmlformats.org/drawingml/2006/main" xmlns:r="http://schemas.openxmlformats.org/officeDocument/2006/relationships" xmlns:p="http://schemas.openxmlformats.org/presentationml/2006/main">
-  <p:cSld>
-    <p:spTree>
-      <p:nvGrpSpPr>
-        <p:cNvPr id="1" name=""/>
-        <p:cNvGrpSpPr/>
-        <p:nvPr/>
-      </p:nvGrpSpPr>
-      <p:grpSpPr>
-        <a:xfrm>
-          <a:off x="0" y="0"/>
-          <a:ext cx="0" cy="0"/>
-          <a:chOff x="0" y="0"/>
-          <a:chExt cx="0" cy="0"/>
-        </a:xfrm>
-      </p:grpSpPr>
-      <p:sp>
-        <p:nvSpPr>
-          <p:cNvPr id="2" name="Title 1">
-            <a:extLst>
-              <a:ext uri="{FF2B5EF4-FFF2-40B4-BE49-F238E27FC236}">
-                <a16:creationId xmlns:a16="http://schemas.microsoft.com/office/drawing/2014/main" id="{61306F8F-CE05-1A36-DCC5-02E5EF843A6C}"/>
-              </a:ext>
-            </a:extLst>
-          </p:cNvPr>
-          <p:cNvSpPr>
-            <a:spLocks noGrp="1"/>
-          </p:cNvSpPr>
-          <p:nvPr>
-            <p:ph type="title"/>
-          </p:nvPr>
-        </p:nvSpPr>
-        <p:spPr/>
-        <p:txBody>
-          <a:bodyPr/>
-          <a:lstStyle/>
-          <a:p>
-            <a:r>
-              <a:rPr lang="en-US" dirty="0"/>
-              <a:t>Spec Work</a:t>
-            </a:r>
-            <a:endParaRPr lang="en-NL" dirty="0"/>
-          </a:p>
-        </p:txBody>
-      </p:sp>
-      <p:sp>
-        <p:nvSpPr>
-          <p:cNvPr id="3" name="Text Placeholder 2">
-            <a:extLst>
-              <a:ext uri="{FF2B5EF4-FFF2-40B4-BE49-F238E27FC236}">
-                <a16:creationId xmlns:a16="http://schemas.microsoft.com/office/drawing/2014/main" id="{B4C7895A-4721-64B5-F448-0350CE4721FC}"/>
-              </a:ext>
-            </a:extLst>
-          </p:cNvPr>
-          <p:cNvSpPr>
-            <a:spLocks noGrp="1"/>
-          </p:cNvSpPr>
-          <p:nvPr>
-            <p:ph type="body" idx="1"/>
-          </p:nvPr>
-        </p:nvSpPr>
-        <p:spPr/>
-        <p:txBody>
-          <a:bodyPr/>
-          <a:lstStyle/>
-          <a:p>
-            <a:endParaRPr lang="en-NL"/>
-          </a:p>
-        </p:txBody>
-      </p:sp>
-    </p:spTree>
-    <p:extLst>
-      <p:ext uri="{BB962C8B-B14F-4D97-AF65-F5344CB8AC3E}">
-        <p14:creationId xmlns:p14="http://schemas.microsoft.com/office/powerpoint/2010/main" val="2019416096"/>
-      </p:ext>
-    </p:extLst>
-  </p:cSld>
-  <p:clrMapOvr>
-    <a:masterClrMapping/>
-  </p:clrMapOvr>
-</p:sld>
-</file>
-
-<file path=ppt/slides/slide24.xml><?xml version="1.0" encoding="utf-8"?>
-<p:sld xmlns:a="http://schemas.openxmlformats.org/drawingml/2006/main" xmlns:r="http://schemas.openxmlformats.org/officeDocument/2006/relationships" xmlns:p="http://schemas.openxmlformats.org/presentationml/2006/main">
-  <p:cSld>
-    <p:spTree>
-      <p:nvGrpSpPr>
-        <p:cNvPr id="1" name=""/>
-        <p:cNvGrpSpPr/>
-        <p:nvPr/>
-      </p:nvGrpSpPr>
-      <p:grpSpPr>
-        <a:xfrm>
-          <a:off x="0" y="0"/>
-          <a:ext cx="0" cy="0"/>
-          <a:chOff x="0" y="0"/>
-          <a:chExt cx="0" cy="0"/>
-        </a:xfrm>
-      </p:grpSpPr>
-      <p:sp>
-        <p:nvSpPr>
-          <p:cNvPr id="3" name="Title 2">
-            <a:extLst>
-              <a:ext uri="{FF2B5EF4-FFF2-40B4-BE49-F238E27FC236}">
-                <a16:creationId xmlns:a16="http://schemas.microsoft.com/office/drawing/2014/main" id="{EAB82B9D-0519-EFFC-4855-C9B0735E8F89}"/>
-              </a:ext>
-            </a:extLst>
-          </p:cNvPr>
-          <p:cNvSpPr>
-            <a:spLocks noGrp="1"/>
-          </p:cNvSpPr>
-          <p:nvPr>
-            <p:ph type="title"/>
-          </p:nvPr>
-        </p:nvSpPr>
-        <p:spPr/>
-        <p:txBody>
-          <a:bodyPr>
-            <a:normAutofit/>
-          </a:bodyPr>
-          <a:lstStyle/>
-          <a:p>
-            <a:r>
-              <a:rPr lang="en-US" dirty="0"/>
-              <a:t>Working model</a:t>
-            </a:r>
-            <a:endParaRPr lang="en-NL" dirty="0"/>
-          </a:p>
-        </p:txBody>
-      </p:sp>
-      <p:sp>
-        <p:nvSpPr>
-          <p:cNvPr id="4" name="Text Placeholder 3">
-            <a:extLst>
-              <a:ext uri="{FF2B5EF4-FFF2-40B4-BE49-F238E27FC236}">
-                <a16:creationId xmlns:a16="http://schemas.microsoft.com/office/drawing/2014/main" id="{88DA9816-180D-0584-E106-A8B8B2F1120F}"/>
-              </a:ext>
-            </a:extLst>
-          </p:cNvPr>
-          <p:cNvSpPr>
-            <a:spLocks noGrp="1"/>
-          </p:cNvSpPr>
-          <p:nvPr>
-            <p:ph type="body" idx="1"/>
-          </p:nvPr>
-        </p:nvSpPr>
-        <p:spPr/>
-        <p:txBody>
-          <a:bodyPr/>
-          <a:lstStyle/>
-          <a:p>
-            <a:r>
-              <a:rPr lang="nl-NL" b="0" dirty="0" err="1">
-                <a:solidFill>
-                  <a:srgbClr val="000000"/>
-                </a:solidFill>
-                <a:latin typeface="Arial" panose="020B0604020202020204" pitchFamily="34" charset="0"/>
-              </a:rPr>
-              <a:t>Weekly</a:t>
-            </a:r>
-            <a:r>
-              <a:rPr lang="nl-NL" b="0" dirty="0">
-                <a:solidFill>
-                  <a:srgbClr val="000000"/>
-                </a:solidFill>
-                <a:latin typeface="Arial" panose="020B0604020202020204" pitchFamily="34" charset="0"/>
-              </a:rPr>
-              <a:t> </a:t>
-            </a:r>
-            <a:r>
-              <a:rPr lang="nl-NL" b="0" dirty="0" err="1">
-                <a:solidFill>
-                  <a:srgbClr val="000000"/>
-                </a:solidFill>
-                <a:latin typeface="Arial" panose="020B0604020202020204" pitchFamily="34" charset="0"/>
-              </a:rPr>
-              <a:t>core</a:t>
-            </a:r>
-            <a:r>
-              <a:rPr lang="nl-NL" b="0" dirty="0">
-                <a:solidFill>
-                  <a:srgbClr val="000000"/>
-                </a:solidFill>
-                <a:latin typeface="Arial" panose="020B0604020202020204" pitchFamily="34" charset="0"/>
-              </a:rPr>
-              <a:t> team meetings</a:t>
-            </a:r>
-          </a:p>
-          <a:p>
-            <a:r>
-              <a:rPr lang="nl-NL" dirty="0">
-                <a:solidFill>
-                  <a:srgbClr val="000000"/>
-                </a:solidFill>
-                <a:latin typeface="Arial" panose="020B0604020202020204" pitchFamily="34" charset="0"/>
-              </a:rPr>
-              <a:t>“</a:t>
-            </a:r>
-            <a:r>
-              <a:rPr lang="nl-NL" dirty="0" err="1">
-                <a:solidFill>
-                  <a:srgbClr val="000000"/>
-                </a:solidFill>
-                <a:latin typeface="Arial" panose="020B0604020202020204" pitchFamily="34" charset="0"/>
-              </a:rPr>
-              <a:t>rough</a:t>
-            </a:r>
-            <a:r>
-              <a:rPr lang="nl-NL" dirty="0">
-                <a:solidFill>
-                  <a:srgbClr val="000000"/>
-                </a:solidFill>
-                <a:latin typeface="Arial" panose="020B0604020202020204" pitchFamily="34" charset="0"/>
-              </a:rPr>
-              <a:t> consensus </a:t>
-            </a:r>
-            <a:r>
-              <a:rPr lang="nl-NL" dirty="0" err="1">
-                <a:solidFill>
-                  <a:srgbClr val="000000"/>
-                </a:solidFill>
-                <a:latin typeface="Arial" panose="020B0604020202020204" pitchFamily="34" charset="0"/>
-              </a:rPr>
-              <a:t>and</a:t>
-            </a:r>
-            <a:r>
-              <a:rPr lang="nl-NL" dirty="0">
-                <a:solidFill>
-                  <a:srgbClr val="000000"/>
-                </a:solidFill>
-                <a:latin typeface="Arial" panose="020B0604020202020204" pitchFamily="34" charset="0"/>
-              </a:rPr>
-              <a:t> running code”</a:t>
-            </a:r>
-          </a:p>
-          <a:p>
-            <a:r>
-              <a:rPr lang="en-US" dirty="0"/>
-              <a:t>Implementation by team members</a:t>
-            </a:r>
-          </a:p>
-          <a:p>
-            <a:r>
-              <a:rPr lang="en-US" dirty="0"/>
-              <a:t>	Partially in paid projects</a:t>
-            </a:r>
-          </a:p>
-          <a:p>
-            <a:r>
-              <a:rPr lang="en-US" dirty="0"/>
-              <a:t>	Guided by real-world needs</a:t>
-            </a:r>
-            <a:endParaRPr lang="en-NL" dirty="0"/>
-          </a:p>
-        </p:txBody>
-      </p:sp>
-    </p:spTree>
-    <p:extLst>
-      <p:ext uri="{BB962C8B-B14F-4D97-AF65-F5344CB8AC3E}">
-        <p14:creationId xmlns:p14="http://schemas.microsoft.com/office/powerpoint/2010/main" val="253579671"/>
-      </p:ext>
-    </p:extLst>
-  </p:cSld>
-  <p:clrMapOvr>
-    <a:masterClrMapping/>
-  </p:clrMapOvr>
-</p:sld>
-</file>
-
-<file path=ppt/slides/slide25.xml><?xml version="1.0" encoding="utf-8"?>
-<p:sld xmlns:a="http://schemas.openxmlformats.org/drawingml/2006/main" xmlns:r="http://schemas.openxmlformats.org/officeDocument/2006/relationships" xmlns:p="http://schemas.openxmlformats.org/presentationml/2006/main">
-  <p:cSld>
-    <p:spTree>
-      <p:nvGrpSpPr>
-        <p:cNvPr id="1" name=""/>
-        <p:cNvGrpSpPr/>
-        <p:nvPr/>
-      </p:nvGrpSpPr>
-      <p:grpSpPr>
-        <a:xfrm>
-          <a:off x="0" y="0"/>
-          <a:ext cx="0" cy="0"/>
-          <a:chOff x="0" y="0"/>
-          <a:chExt cx="0" cy="0"/>
-        </a:xfrm>
-      </p:grpSpPr>
-      <p:sp>
-        <p:nvSpPr>
-          <p:cNvPr id="2" name="Title 1">
-            <a:extLst>
-              <a:ext uri="{FF2B5EF4-FFF2-40B4-BE49-F238E27FC236}">
-                <a16:creationId xmlns:a16="http://schemas.microsoft.com/office/drawing/2014/main" id="{185F24F6-CA3C-B574-B79F-2DCD413B266B}"/>
-              </a:ext>
-            </a:extLst>
-          </p:cNvPr>
-          <p:cNvSpPr>
-            <a:spLocks noGrp="1"/>
-          </p:cNvSpPr>
-          <p:nvPr>
-            <p:ph type="title"/>
-          </p:nvPr>
-        </p:nvSpPr>
-        <p:spPr/>
-        <p:txBody>
-          <a:bodyPr>
-            <a:normAutofit/>
-          </a:bodyPr>
-          <a:lstStyle/>
-          <a:p>
-            <a:r>
-              <a:rPr lang="en-US" dirty="0"/>
-              <a:t>Finished</a:t>
-            </a:r>
-            <a:endParaRPr lang="en-NL" dirty="0"/>
-          </a:p>
-        </p:txBody>
-      </p:sp>
-      <p:sp>
-        <p:nvSpPr>
-          <p:cNvPr id="3" name="Text Placeholder 2">
-            <a:extLst>
-              <a:ext uri="{FF2B5EF4-FFF2-40B4-BE49-F238E27FC236}">
-                <a16:creationId xmlns:a16="http://schemas.microsoft.com/office/drawing/2014/main" id="{D85AAEC9-08C9-D65B-AD30-4FC999B907AC}"/>
-              </a:ext>
-            </a:extLst>
-          </p:cNvPr>
-          <p:cNvSpPr>
-            <a:spLocks noGrp="1"/>
-          </p:cNvSpPr>
-          <p:nvPr>
-            <p:ph type="body" idx="1"/>
-          </p:nvPr>
-        </p:nvSpPr>
-        <p:spPr/>
-        <p:txBody>
-          <a:bodyPr/>
-          <a:lstStyle/>
-          <a:p>
-            <a:r>
-              <a:rPr lang="en-US" dirty="0"/>
-              <a:t>as LionWeb 2023.1</a:t>
-            </a:r>
-          </a:p>
-          <a:p>
-            <a:pPr marL="533387" indent="-380990">
-              <a:buFont typeface="Arial" panose="020B0604020202020204" pitchFamily="34" charset="0"/>
-              <a:buChar char="•"/>
-            </a:pPr>
-            <a:r>
-              <a:rPr lang="en-US" dirty="0"/>
-              <a:t>JSON Serialization Format</a:t>
-            </a:r>
-          </a:p>
-          <a:p>
-            <a:pPr marL="533387" indent="-380990">
-              <a:buFont typeface="Arial" panose="020B0604020202020204" pitchFamily="34" charset="0"/>
-              <a:buChar char="•"/>
-            </a:pPr>
-            <a:r>
-              <a:rPr lang="en-US" dirty="0"/>
-              <a:t>Meta-Metamodel (M3)</a:t>
-            </a:r>
-          </a:p>
-          <a:p>
-            <a:r>
-              <a:rPr lang="en-US" dirty="0"/>
-              <a:t>Scheduled for LionWeb 2024.1</a:t>
-            </a:r>
-          </a:p>
-          <a:p>
-            <a:pPr marL="533387" indent="-380990">
-              <a:buFont typeface="Arial" panose="020B0604020202020204" pitchFamily="34" charset="0"/>
-              <a:buChar char="•"/>
-            </a:pPr>
-            <a:r>
-              <a:rPr lang="en-US" dirty="0"/>
-              <a:t>Bulk Protocol</a:t>
-            </a:r>
-          </a:p>
-          <a:p>
-            <a:pPr marL="533387" indent="-380990">
-              <a:buFont typeface="Arial" panose="020B0604020202020204" pitchFamily="34" charset="0"/>
-              <a:buChar char="•"/>
-            </a:pPr>
-            <a:r>
-              <a:rPr lang="en-US" dirty="0"/>
-              <a:t>Added </a:t>
-            </a:r>
-            <a:r>
-              <a:rPr lang="en-US" dirty="0" err="1"/>
-              <a:t>StructuredDataType</a:t>
-            </a:r>
-            <a:endParaRPr lang="en-US" dirty="0"/>
-          </a:p>
-          <a:p>
-            <a:pPr marL="533387" indent="-380990">
-              <a:buFont typeface="Arial" panose="020B0604020202020204" pitchFamily="34" charset="0"/>
-              <a:buChar char="•"/>
-            </a:pPr>
-            <a:r>
-              <a:rPr lang="en-US" dirty="0"/>
-              <a:t>Removed JSON </a:t>
-            </a:r>
-            <a:r>
-              <a:rPr lang="en-US" dirty="0" err="1"/>
-              <a:t>PrimitiveType</a:t>
-            </a:r>
-            <a:endParaRPr lang="en-US" dirty="0"/>
-          </a:p>
-          <a:p>
-            <a:pPr marL="533387" indent="-380990">
-              <a:buFont typeface="Arial" panose="020B0604020202020204" pitchFamily="34" charset="0"/>
-              <a:buChar char="•"/>
-            </a:pPr>
-            <a:r>
-              <a:rPr lang="nl-NL" b="0" dirty="0" err="1">
-                <a:solidFill>
-                  <a:srgbClr val="000000"/>
-                </a:solidFill>
-                <a:latin typeface="Arial" panose="020B0604020202020204" pitchFamily="34" charset="0"/>
-              </a:rPr>
-              <a:t>Several</a:t>
-            </a:r>
-            <a:r>
-              <a:rPr lang="nl-NL" b="0" dirty="0">
-                <a:solidFill>
-                  <a:srgbClr val="000000"/>
-                </a:solidFill>
-                <a:latin typeface="Arial" panose="020B0604020202020204" pitchFamily="34" charset="0"/>
-              </a:rPr>
-              <a:t> test suites</a:t>
-            </a:r>
-          </a:p>
-          <a:p>
-            <a:pPr marL="533387" indent="-380990">
-              <a:buFont typeface="Arial" panose="020B0604020202020204" pitchFamily="34" charset="0"/>
-              <a:buChar char="•"/>
-            </a:pPr>
-            <a:endParaRPr lang="en-US" dirty="0"/>
-          </a:p>
-          <a:p>
-            <a:pPr marL="533387" indent="-380990">
-              <a:buFont typeface="Arial" panose="020B0604020202020204" pitchFamily="34" charset="0"/>
-              <a:buChar char="•"/>
-            </a:pPr>
-            <a:endParaRPr lang="en-NL" dirty="0"/>
-          </a:p>
-        </p:txBody>
-      </p:sp>
-    </p:spTree>
-    <p:extLst>
-      <p:ext uri="{BB962C8B-B14F-4D97-AF65-F5344CB8AC3E}">
-        <p14:creationId xmlns:p14="http://schemas.microsoft.com/office/powerpoint/2010/main" val="4243622184"/>
-      </p:ext>
-    </p:extLst>
-  </p:cSld>
-  <p:clrMapOvr>
-    <a:masterClrMapping/>
-  </p:clrMapOvr>
-</p:sld>
-</file>
-
-<file path=ppt/slides/slide26.xml><?xml version="1.0" encoding="utf-8"?>
-<p:sld xmlns:a="http://schemas.openxmlformats.org/drawingml/2006/main" xmlns:r="http://schemas.openxmlformats.org/officeDocument/2006/relationships" xmlns:p="http://schemas.openxmlformats.org/presentationml/2006/main">
-  <p:cSld>
-    <p:spTree>
-      <p:nvGrpSpPr>
-        <p:cNvPr id="1" name=""/>
-        <p:cNvGrpSpPr/>
-        <p:nvPr/>
-      </p:nvGrpSpPr>
-      <p:grpSpPr>
-        <a:xfrm>
-          <a:off x="0" y="0"/>
-          <a:ext cx="0" cy="0"/>
-          <a:chOff x="0" y="0"/>
-          <a:chExt cx="0" cy="0"/>
-        </a:xfrm>
-      </p:grpSpPr>
-      <p:sp>
-        <p:nvSpPr>
-          <p:cNvPr id="2" name="Title 1">
-            <a:extLst>
-              <a:ext uri="{FF2B5EF4-FFF2-40B4-BE49-F238E27FC236}">
-                <a16:creationId xmlns:a16="http://schemas.microsoft.com/office/drawing/2014/main" id="{D8413B1A-DB76-CBF9-486D-67C3D30EA4C3}"/>
-              </a:ext>
-            </a:extLst>
-          </p:cNvPr>
-          <p:cNvSpPr>
-            <a:spLocks noGrp="1"/>
-          </p:cNvSpPr>
-          <p:nvPr>
-            <p:ph type="title"/>
-          </p:nvPr>
-        </p:nvSpPr>
-        <p:spPr/>
-        <p:txBody>
-          <a:bodyPr>
-            <a:normAutofit/>
-          </a:bodyPr>
-          <a:lstStyle/>
-          <a:p>
-            <a:r>
-              <a:rPr lang="en-US" dirty="0"/>
-              <a:t>In Progress</a:t>
-            </a:r>
-            <a:endParaRPr lang="en-NL" dirty="0"/>
-          </a:p>
-        </p:txBody>
-      </p:sp>
-      <p:sp>
-        <p:nvSpPr>
-          <p:cNvPr id="3" name="Text Placeholder 2">
-            <a:extLst>
-              <a:ext uri="{FF2B5EF4-FFF2-40B4-BE49-F238E27FC236}">
-                <a16:creationId xmlns:a16="http://schemas.microsoft.com/office/drawing/2014/main" id="{E0B0CC5E-6207-1014-5017-8E0D717EF750}"/>
-              </a:ext>
-            </a:extLst>
-          </p:cNvPr>
-          <p:cNvSpPr>
-            <a:spLocks noGrp="1"/>
-          </p:cNvSpPr>
-          <p:nvPr>
-            <p:ph type="body" idx="1"/>
-          </p:nvPr>
-        </p:nvSpPr>
-        <p:spPr/>
-        <p:txBody>
-          <a:bodyPr/>
-          <a:lstStyle/>
-          <a:p>
-            <a:r>
-              <a:rPr lang="en-US" dirty="0"/>
-              <a:t>Working Draft</a:t>
-            </a:r>
-          </a:p>
-          <a:p>
-            <a:pPr marL="533387" indent="-380990">
-              <a:buFont typeface="Arial" panose="020B0604020202020204" pitchFamily="34" charset="0"/>
-              <a:buChar char="•"/>
-            </a:pPr>
-            <a:r>
-              <a:rPr lang="en-US" dirty="0"/>
-              <a:t>Delta Protocol</a:t>
-            </a:r>
-          </a:p>
-          <a:p>
-            <a:pPr marL="533387" indent="-380990">
-              <a:buFont typeface="Arial" panose="020B0604020202020204" pitchFamily="34" charset="0"/>
-              <a:buChar char="•"/>
-            </a:pPr>
-            <a:r>
-              <a:rPr lang="en-US" b="0" dirty="0">
-                <a:solidFill>
-                  <a:srgbClr val="000000"/>
-                </a:solidFill>
-                <a:latin typeface="Arial" panose="020B0604020202020204" pitchFamily="34" charset="0"/>
-              </a:rPr>
-              <a:t>Formalizing model correctness incl. Language</a:t>
-            </a:r>
-          </a:p>
-          <a:p>
-            <a:r>
-              <a:rPr lang="en-US" dirty="0">
-                <a:solidFill>
-                  <a:srgbClr val="000000"/>
-                </a:solidFill>
-                <a:latin typeface="Arial" panose="020B0604020202020204" pitchFamily="34" charset="0"/>
-              </a:rPr>
-              <a:t>Under Discussion</a:t>
-            </a:r>
-          </a:p>
-          <a:p>
-            <a:pPr marL="533387" indent="-380990">
-              <a:buFont typeface="Arial" panose="020B0604020202020204" pitchFamily="34" charset="0"/>
-              <a:buChar char="•"/>
-            </a:pPr>
-            <a:r>
-              <a:rPr lang="en-US" b="0" dirty="0">
-                <a:solidFill>
-                  <a:srgbClr val="000000"/>
-                </a:solidFill>
-                <a:latin typeface="Arial" panose="020B0604020202020204" pitchFamily="34" charset="0"/>
-              </a:rPr>
-              <a:t>Derived models</a:t>
-            </a:r>
-          </a:p>
-          <a:p>
-            <a:endParaRPr lang="en-US" dirty="0"/>
-          </a:p>
-          <a:p>
-            <a:endParaRPr lang="en-NL" dirty="0"/>
-          </a:p>
-        </p:txBody>
-      </p:sp>
-    </p:spTree>
-    <p:extLst>
-      <p:ext uri="{BB962C8B-B14F-4D97-AF65-F5344CB8AC3E}">
-        <p14:creationId xmlns:p14="http://schemas.microsoft.com/office/powerpoint/2010/main" val="127909410"/>
-      </p:ext>
-    </p:extLst>
-  </p:cSld>
-  <p:clrMapOvr>
-    <a:masterClrMapping/>
-  </p:clrMapOvr>
-</p:sld>
-</file>
-
-<file path=ppt/slides/slide27.xml><?xml version="1.0" encoding="utf-8"?>
-<p:sld xmlns:a="http://schemas.openxmlformats.org/drawingml/2006/main" xmlns:r="http://schemas.openxmlformats.org/officeDocument/2006/relationships" xmlns:p="http://schemas.openxmlformats.org/presentationml/2006/main">
-  <p:cSld>
-    <p:spTree>
-      <p:nvGrpSpPr>
-        <p:cNvPr id="1" name=""/>
-        <p:cNvGrpSpPr/>
-        <p:nvPr/>
-      </p:nvGrpSpPr>
-      <p:grpSpPr>
-        <a:xfrm>
-          <a:off x="0" y="0"/>
-          <a:ext cx="0" cy="0"/>
-          <a:chOff x="0" y="0"/>
-          <a:chExt cx="0" cy="0"/>
-        </a:xfrm>
-      </p:grpSpPr>
-      <p:sp>
-        <p:nvSpPr>
-          <p:cNvPr id="2" name="Title 1">
-            <a:extLst>
-              <a:ext uri="{FF2B5EF4-FFF2-40B4-BE49-F238E27FC236}">
-                <a16:creationId xmlns:a16="http://schemas.microsoft.com/office/drawing/2014/main" id="{30AE6CA9-E1D7-10D6-987A-A048EE08EA20}"/>
-              </a:ext>
-            </a:extLst>
-          </p:cNvPr>
-          <p:cNvSpPr>
-            <a:spLocks noGrp="1"/>
-          </p:cNvSpPr>
-          <p:nvPr>
-            <p:ph type="title"/>
-          </p:nvPr>
-        </p:nvSpPr>
-        <p:spPr/>
-        <p:txBody>
-          <a:bodyPr/>
-          <a:lstStyle/>
-          <a:p>
-            <a:r>
-              <a:rPr lang="en-US" dirty="0"/>
-              <a:t>Bulk Semantics</a:t>
-            </a:r>
-            <a:endParaRPr lang="en-NL" dirty="0"/>
-          </a:p>
-        </p:txBody>
-      </p:sp>
-      <p:sp>
-        <p:nvSpPr>
-          <p:cNvPr id="3" name="Text Placeholder 2">
-            <a:extLst>
-              <a:ext uri="{FF2B5EF4-FFF2-40B4-BE49-F238E27FC236}">
-                <a16:creationId xmlns:a16="http://schemas.microsoft.com/office/drawing/2014/main" id="{250F44E7-D8C3-C57D-F890-8712FD1ED178}"/>
-              </a:ext>
-            </a:extLst>
-          </p:cNvPr>
-          <p:cNvSpPr>
-            <a:spLocks noGrp="1"/>
-          </p:cNvSpPr>
-          <p:nvPr>
-            <p:ph type="body" idx="1"/>
-          </p:nvPr>
-        </p:nvSpPr>
-        <p:spPr/>
-        <p:txBody>
-          <a:bodyPr/>
-          <a:lstStyle/>
-          <a:p>
-            <a:endParaRPr lang="en-NL"/>
-          </a:p>
-        </p:txBody>
-      </p:sp>
-    </p:spTree>
-    <p:extLst>
-      <p:ext uri="{BB962C8B-B14F-4D97-AF65-F5344CB8AC3E}">
-        <p14:creationId xmlns:p14="http://schemas.microsoft.com/office/powerpoint/2010/main" val="993560189"/>
-      </p:ext>
-    </p:extLst>
-  </p:cSld>
-  <p:clrMapOvr>
-    <a:masterClrMapping/>
-  </p:clrMapOvr>
-</p:sld>
-</file>
-
 <file path=ppt/slides/slide28.xml><?xml version="1.0" encoding="utf-8"?>
-<p:sld xmlns:a="http://schemas.openxmlformats.org/drawingml/2006/main" xmlns:r="http://schemas.openxmlformats.org/officeDocument/2006/relationships" xmlns:p="http://schemas.openxmlformats.org/presentationml/2006/main">
-  <p:cSld>
-    <p:spTree>
-      <p:nvGrpSpPr>
-        <p:cNvPr id="1" name=""/>
-        <p:cNvGrpSpPr/>
-        <p:nvPr/>
-      </p:nvGrpSpPr>
-      <p:grpSpPr>
-        <a:xfrm>
-          <a:off x="0" y="0"/>
-          <a:ext cx="0" cy="0"/>
-          <a:chOff x="0" y="0"/>
-          <a:chExt cx="0" cy="0"/>
-        </a:xfrm>
-      </p:grpSpPr>
-      <p:sp>
-        <p:nvSpPr>
-          <p:cNvPr id="2" name="Title 1">
-            <a:extLst>
-              <a:ext uri="{FF2B5EF4-FFF2-40B4-BE49-F238E27FC236}">
-                <a16:creationId xmlns:a16="http://schemas.microsoft.com/office/drawing/2014/main" id="{55F10462-3509-2DA9-403E-4CAD888E6A59}"/>
-              </a:ext>
-            </a:extLst>
-          </p:cNvPr>
-          <p:cNvSpPr>
-            <a:spLocks noGrp="1"/>
-          </p:cNvSpPr>
-          <p:nvPr>
-            <p:ph type="title"/>
-          </p:nvPr>
-        </p:nvSpPr>
-        <p:spPr/>
-        <p:txBody>
-          <a:bodyPr>
-            <a:normAutofit/>
-          </a:bodyPr>
-          <a:lstStyle/>
-          <a:p>
-            <a:r>
-              <a:rPr lang="en-US" dirty="0"/>
-              <a:t>Basic Commands</a:t>
-            </a:r>
-            <a:endParaRPr lang="en-NL" dirty="0"/>
-          </a:p>
-        </p:txBody>
-      </p:sp>
-      <p:sp>
-        <p:nvSpPr>
-          <p:cNvPr id="3" name="Text Placeholder 2">
-            <a:extLst>
-              <a:ext uri="{FF2B5EF4-FFF2-40B4-BE49-F238E27FC236}">
-                <a16:creationId xmlns:a16="http://schemas.microsoft.com/office/drawing/2014/main" id="{A88FDBE0-C173-9A06-827C-0918E4D345D6}"/>
-              </a:ext>
-            </a:extLst>
-          </p:cNvPr>
-          <p:cNvSpPr>
-            <a:spLocks noGrp="1"/>
-          </p:cNvSpPr>
-          <p:nvPr>
-            <p:ph type="body" idx="1"/>
-          </p:nvPr>
-        </p:nvSpPr>
-        <p:spPr/>
-        <p:txBody>
-          <a:bodyPr/>
-          <a:lstStyle/>
-          <a:p>
-            <a:r>
-              <a:rPr lang="en-US" dirty="0"/>
-              <a:t>List/create/delete partitions: Simple CR_D</a:t>
-            </a:r>
-          </a:p>
-          <a:p>
-            <a:r>
-              <a:rPr lang="en-US" dirty="0"/>
-              <a:t>Retrieve: Get me subtree of node </a:t>
-            </a:r>
-            <a:r>
-              <a:rPr lang="en-US" i="1" dirty="0"/>
-              <a:t>x</a:t>
-            </a:r>
-          </a:p>
-          <a:p>
-            <a:r>
-              <a:rPr lang="en-US" dirty="0"/>
-              <a:t>Store: Make the repository represent the subtree I send</a:t>
-            </a:r>
-          </a:p>
-          <a:p>
-            <a:r>
-              <a:rPr lang="en-US" dirty="0"/>
-              <a:t>Ids: Give me guaranteed free node ids</a:t>
-            </a:r>
-          </a:p>
-          <a:p>
-            <a:endParaRPr lang="en-US" dirty="0"/>
-          </a:p>
-          <a:p>
-            <a:endParaRPr lang="en-NL" dirty="0"/>
-          </a:p>
-        </p:txBody>
-      </p:sp>
-    </p:spTree>
-    <p:extLst>
-      <p:ext uri="{BB962C8B-B14F-4D97-AF65-F5344CB8AC3E}">
-        <p14:creationId xmlns:p14="http://schemas.microsoft.com/office/powerpoint/2010/main" val="2515938351"/>
-      </p:ext>
-    </p:extLst>
-  </p:cSld>
-  <p:clrMapOvr>
-    <a:masterClrMapping/>
-  </p:clrMapOvr>
-</p:sld>
-</file>
-
-<file path=ppt/slides/slide29.xml><?xml version="1.0" encoding="utf-8"?>
-<p:sld xmlns:a="http://schemas.openxmlformats.org/drawingml/2006/main" xmlns:r="http://schemas.openxmlformats.org/officeDocument/2006/relationships" xmlns:p="http://schemas.openxmlformats.org/presentationml/2006/main">
-  <p:cSld>
-    <p:spTree>
-      <p:nvGrpSpPr>
-        <p:cNvPr id="1" name=""/>
-        <p:cNvGrpSpPr/>
-        <p:nvPr/>
-      </p:nvGrpSpPr>
-      <p:grpSpPr>
-        <a:xfrm>
-          <a:off x="0" y="0"/>
-          <a:ext cx="0" cy="0"/>
-          <a:chOff x="0" y="0"/>
-          <a:chExt cx="0" cy="0"/>
-        </a:xfrm>
-      </p:grpSpPr>
-      <p:sp>
-        <p:nvSpPr>
-          <p:cNvPr id="2" name="Title 1">
-            <a:extLst>
-              <a:ext uri="{FF2B5EF4-FFF2-40B4-BE49-F238E27FC236}">
-                <a16:creationId xmlns:a16="http://schemas.microsoft.com/office/drawing/2014/main" id="{8D5EAD78-145A-BF08-12B1-20B33AC895A8}"/>
-              </a:ext>
-            </a:extLst>
-          </p:cNvPr>
-          <p:cNvSpPr>
-            <a:spLocks noGrp="1"/>
-          </p:cNvSpPr>
-          <p:nvPr>
-            <p:ph type="title"/>
-          </p:nvPr>
-        </p:nvSpPr>
-        <p:spPr/>
-        <p:txBody>
-          <a:bodyPr>
-            <a:normAutofit/>
-          </a:bodyPr>
-          <a:lstStyle/>
-          <a:p>
-            <a:r>
-              <a:rPr lang="en-US" dirty="0"/>
-              <a:t>Intricacies of store</a:t>
-            </a:r>
-            <a:endParaRPr lang="en-NL" dirty="0"/>
-          </a:p>
-        </p:txBody>
-      </p:sp>
-      <p:sp>
-        <p:nvSpPr>
-          <p:cNvPr id="3" name="Text Placeholder 2">
-            <a:extLst>
-              <a:ext uri="{FF2B5EF4-FFF2-40B4-BE49-F238E27FC236}">
-                <a16:creationId xmlns:a16="http://schemas.microsoft.com/office/drawing/2014/main" id="{D69B44BD-381B-EB79-E0C1-DB364783197E}"/>
-              </a:ext>
-            </a:extLst>
-          </p:cNvPr>
-          <p:cNvSpPr>
-            <a:spLocks noGrp="1"/>
-          </p:cNvSpPr>
-          <p:nvPr>
-            <p:ph type="body" idx="1"/>
-          </p:nvPr>
-        </p:nvSpPr>
-        <p:spPr/>
-        <p:txBody>
-          <a:bodyPr/>
-          <a:lstStyle/>
-          <a:p>
-            <a:endParaRPr lang="en-NL"/>
-          </a:p>
-        </p:txBody>
-      </p:sp>
-    </p:spTree>
-    <p:extLst>
-      <p:ext uri="{BB962C8B-B14F-4D97-AF65-F5344CB8AC3E}">
-        <p14:creationId xmlns:p14="http://schemas.microsoft.com/office/powerpoint/2010/main" val="2024411907"/>
-      </p:ext>
-    </p:extLst>
-  </p:cSld>
-  <p:clrMapOvr>
-    <a:masterClrMapping/>
-  </p:clrMapOvr>
-</p:sld>
-</file>
-
-<file path=ppt/slides/slide3.xml><?xml version="1.0" encoding="utf-8"?>
-<p:sld xmlns:a="http://schemas.openxmlformats.org/drawingml/2006/main" xmlns:r="http://schemas.openxmlformats.org/officeDocument/2006/relationships" xmlns:p="http://schemas.openxmlformats.org/presentationml/2006/main">
-  <p:cSld>
-    <p:spTree>
-      <p:nvGrpSpPr>
-        <p:cNvPr id="1" name=""/>
-        <p:cNvGrpSpPr/>
-        <p:nvPr/>
-      </p:nvGrpSpPr>
-      <p:grpSpPr>
-        <a:xfrm>
-          <a:off x="0" y="0"/>
-          <a:ext cx="0" cy="0"/>
-          <a:chOff x="0" y="0"/>
-          <a:chExt cx="0" cy="0"/>
-        </a:xfrm>
-      </p:grpSpPr>
-      <p:sp>
-        <p:nvSpPr>
-          <p:cNvPr id="2" name="Title 1">
-            <a:extLst>
-              <a:ext uri="{FF2B5EF4-FFF2-40B4-BE49-F238E27FC236}">
-                <a16:creationId xmlns:a16="http://schemas.microsoft.com/office/drawing/2014/main" id="{96826C35-FE1B-CD70-DC1E-5F326F67A23A}"/>
-              </a:ext>
-            </a:extLst>
-          </p:cNvPr>
-          <p:cNvSpPr>
-            <a:spLocks noGrp="1"/>
-          </p:cNvSpPr>
-          <p:nvPr>
-            <p:ph type="title"/>
-          </p:nvPr>
-        </p:nvSpPr>
-        <p:spPr/>
-        <p:txBody>
-          <a:bodyPr>
-            <a:normAutofit/>
-          </a:bodyPr>
-          <a:lstStyle/>
-          <a:p>
-            <a:r>
-              <a:rPr lang="en-US" dirty="0"/>
-              <a:t>Mission</a:t>
-            </a:r>
-          </a:p>
-        </p:txBody>
-      </p:sp>
-      <p:sp>
-        <p:nvSpPr>
-          <p:cNvPr id="3" name="Text Placeholder 2">
-            <a:extLst>
-              <a:ext uri="{FF2B5EF4-FFF2-40B4-BE49-F238E27FC236}">
-                <a16:creationId xmlns:a16="http://schemas.microsoft.com/office/drawing/2014/main" id="{997E7DDD-1AA7-7F9C-1DE8-FCF80149A4D8}"/>
-              </a:ext>
-            </a:extLst>
-          </p:cNvPr>
-          <p:cNvSpPr>
-            <a:spLocks noGrp="1"/>
-          </p:cNvSpPr>
-          <p:nvPr>
-            <p:ph idx="1"/>
-          </p:nvPr>
-        </p:nvSpPr>
-        <p:spPr>
-          <a:noFill/>
-          <a:ln>
-            <a:noFill/>
-          </a:ln>
-        </p:spPr>
-        <p:txBody>
-          <a:bodyPr spcFirstLastPara="1" vert="horz" wrap="square" lIns="121900" tIns="121900" rIns="121900" bIns="121900" rtlCol="0" anchor="t" anchorCtr="0">
-            <a:normAutofit/>
-          </a:bodyPr>
-          <a:lstStyle/>
-          <a:p>
-            <a:pPr marL="533387" indent="-380990">
-              <a:buFont typeface="Arial" panose="020B0604020202020204" pitchFamily="34" charset="0"/>
-              <a:buChar char="•"/>
-            </a:pPr>
-            <a:r>
-              <a:rPr lang="en-US" dirty="0"/>
-              <a:t>Adopt language engineering</a:t>
-            </a:r>
-          </a:p>
-          <a:p>
-            <a:pPr marL="533387" indent="-380990">
-              <a:buFont typeface="Arial" panose="020B0604020202020204" pitchFamily="34" charset="0"/>
-              <a:buChar char="•"/>
-            </a:pPr>
-            <a:r>
-              <a:rPr lang="en-US" dirty="0"/>
-              <a:t>Reduce vendor lock-in</a:t>
-            </a:r>
-          </a:p>
-          <a:p>
-            <a:pPr marL="533387" indent="-380990">
-              <a:buFont typeface="Arial" panose="020B0604020202020204" pitchFamily="34" charset="0"/>
-              <a:buChar char="•"/>
-            </a:pPr>
-            <a:r>
-              <a:rPr lang="en-US" dirty="0"/>
-              <a:t>Mix and match components</a:t>
-            </a:r>
-          </a:p>
-          <a:p>
-            <a:pPr marL="533387" indent="-380990">
-              <a:buFont typeface="Arial" panose="020B0604020202020204" pitchFamily="34" charset="0"/>
-              <a:buChar char="•"/>
-            </a:pPr>
-            <a:r>
-              <a:rPr lang="en-US" dirty="0"/>
-              <a:t>Foster innovation and incremental improvements</a:t>
-            </a:r>
-          </a:p>
-        </p:txBody>
-      </p:sp>
-      <p:sp>
-        <p:nvSpPr>
-          <p:cNvPr id="5" name="TextBox 4">
-            <a:extLst>
-              <a:ext uri="{FF2B5EF4-FFF2-40B4-BE49-F238E27FC236}">
-                <a16:creationId xmlns:a16="http://schemas.microsoft.com/office/drawing/2014/main" id="{C9D4DD73-1364-A7EE-26D2-B8E4321F0268}"/>
-              </a:ext>
-            </a:extLst>
-          </p:cNvPr>
-          <p:cNvSpPr txBox="1"/>
-          <p:nvPr/>
-        </p:nvSpPr>
-        <p:spPr>
-          <a:xfrm>
-            <a:off x="1951892" y="4114800"/>
-            <a:ext cx="8739554" cy="2236304"/>
-          </a:xfrm>
-          <a:prstGeom prst="rect">
-            <a:avLst/>
-          </a:prstGeom>
-          <a:solidFill>
-            <a:srgbClr val="E6752A">
-              <a:alpha val="24837"/>
-            </a:srgbClr>
-          </a:solidFill>
-        </p:spPr>
-        <p:txBody>
-          <a:bodyPr wrap="square" rtlCol="0" anchor="ctr">
-            <a:noAutofit/>
-          </a:bodyPr>
-          <a:lstStyle/>
-          <a:p>
-            <a:pPr algn="ctr"/>
-            <a:r>
-              <a:rPr lang="en-GB" sz="3200" b="1" dirty="0">
-                <a:solidFill>
-                  <a:schemeClr val="tx1"/>
-                </a:solidFill>
-                <a:latin typeface="Gill Sans MT" panose="020B0502020104020203" pitchFamily="34" charset="77"/>
-              </a:rPr>
-              <a:t>To create an ecosystem of interoperable components for building language-oriented </a:t>
-            </a:r>
-            <a:r>
-              <a:rPr lang="en-GB" sz="3200" b="1" dirty="0" err="1">
-                <a:solidFill>
-                  <a:schemeClr val="tx1"/>
-                </a:solidFill>
-                <a:latin typeface="Gill Sans MT" panose="020B0502020104020203" pitchFamily="34" charset="77"/>
-              </a:rPr>
-              <a:t>modeling</a:t>
-            </a:r>
-            <a:r>
-              <a:rPr lang="en-GB" sz="3200" b="1" dirty="0">
-                <a:solidFill>
-                  <a:schemeClr val="tx1"/>
-                </a:solidFill>
-                <a:latin typeface="Gill Sans MT" panose="020B0502020104020203" pitchFamily="34" charset="77"/>
-              </a:rPr>
-              <a:t> tools on the web.</a:t>
-            </a:r>
-          </a:p>
-        </p:txBody>
-      </p:sp>
-      <p:pic>
-        <p:nvPicPr>
-          <p:cNvPr id="6" name="Graphic 5">
-            <a:extLst>
-              <a:ext uri="{FF2B5EF4-FFF2-40B4-BE49-F238E27FC236}">
-                <a16:creationId xmlns:a16="http://schemas.microsoft.com/office/drawing/2014/main" id="{B67FB92C-51BA-39F6-DC47-6DF42C66E75E}"/>
-              </a:ext>
-            </a:extLst>
-          </p:cNvPr>
-          <p:cNvPicPr>
-            <a:picLocks noChangeAspect="1"/>
-          </p:cNvPicPr>
-          <p:nvPr/>
-        </p:nvPicPr>
-        <p:blipFill>
-          <a:blip r:embed="rId2">
-            <a:extLst>
-              <a:ext uri="{96DAC541-7B7A-43D3-8B79-37D633B846F1}">
-                <asvg:svgBlip xmlns:asvg="http://schemas.microsoft.com/office/drawing/2016/SVG/main" r:embed="rId3"/>
-              </a:ext>
-            </a:extLst>
-          </a:blip>
-          <a:stretch>
-            <a:fillRect/>
-          </a:stretch>
-        </p:blipFill>
-        <p:spPr>
-          <a:xfrm>
-            <a:off x="10931467" y="68262"/>
-            <a:ext cx="1121757" cy="1127724"/>
-          </a:xfrm>
-          <a:prstGeom prst="rect">
-            <a:avLst/>
-          </a:prstGeom>
-        </p:spPr>
-      </p:pic>
-    </p:spTree>
-    <p:extLst>
-      <p:ext uri="{BB962C8B-B14F-4D97-AF65-F5344CB8AC3E}">
-        <p14:creationId xmlns:p14="http://schemas.microsoft.com/office/powerpoint/2010/main" val="935580841"/>
-      </p:ext>
-    </p:extLst>
-  </p:cSld>
-  <p:clrMapOvr>
-    <a:masterClrMapping/>
-  </p:clrMapOvr>
-</p:sld>
-</file>
-
-<file path=ppt/slides/slide30.xml><?xml version="1.0" encoding="utf-8"?>
 <p:sld xmlns:a="http://schemas.openxmlformats.org/drawingml/2006/main" xmlns:r="http://schemas.openxmlformats.org/officeDocument/2006/relationships" xmlns:p="http://schemas.openxmlformats.org/presentationml/2006/main">
   <p:cSld>
     <p:spTree>
@@ -23713,7 +23792,7 @@
               <a:rPr lang="en-US" b="1" dirty="0">
                 <a:latin typeface="Gilmer Medium" pitchFamily="2" charset="77"/>
               </a:rPr>
-              <a:t>               </a:t>
+              <a:t>        </a:t>
             </a:r>
             <a:r>
               <a:rPr lang="en-US" dirty="0" err="1">
@@ -24163,7 +24242,7 @@
               <a:rPr lang="en-US" b="1" dirty="0">
                 <a:latin typeface="Gilmer Medium" pitchFamily="2" charset="77"/>
               </a:rPr>
-              <a:t>          </a:t>
+              <a:t>   </a:t>
             </a:r>
             <a:r>
               <a:rPr lang="en-US" dirty="0" err="1">
@@ -24308,7 +24387,7 @@
 </p:sld>
 </file>
 
-<file path=ppt/slides/slide31.xml><?xml version="1.0" encoding="utf-8"?>
+<file path=ppt/slides/slide29.xml><?xml version="1.0" encoding="utf-8"?>
 <p:sld xmlns:a="http://schemas.openxmlformats.org/drawingml/2006/main" xmlns:r="http://schemas.openxmlformats.org/officeDocument/2006/relationships" xmlns:p="http://schemas.openxmlformats.org/presentationml/2006/main">
   <p:cSld>
     <p:spTree>
@@ -24341,7 +24420,12 @@
             <p:ph type="title"/>
           </p:nvPr>
         </p:nvSpPr>
-        <p:spPr/>
+        <p:spPr>
+          <a:xfrm>
+            <a:off x="0" y="1709738"/>
+            <a:ext cx="12192000" cy="3185396"/>
+          </a:xfrm>
+        </p:spPr>
         <p:txBody>
           <a:bodyPr/>
           <a:lstStyle/>
@@ -24356,10 +24440,10 @@
       </p:sp>
       <p:sp>
         <p:nvSpPr>
-          <p:cNvPr id="3" name="Text Placeholder 2">
+          <p:cNvPr id="5" name="Text Placeholder 4">
             <a:extLst>
               <a:ext uri="{FF2B5EF4-FFF2-40B4-BE49-F238E27FC236}">
-                <a16:creationId xmlns:a16="http://schemas.microsoft.com/office/drawing/2014/main" id="{178008E2-3423-E62A-F769-F2336603ED59}"/>
+                <a16:creationId xmlns:a16="http://schemas.microsoft.com/office/drawing/2014/main" id="{4CC05947-9517-F35F-92BF-808FC0E9D3FF}"/>
               </a:ext>
             </a:extLst>
           </p:cNvPr>
@@ -24379,6 +24463,42 @@
           </a:p>
         </p:txBody>
       </p:sp>
+      <p:pic>
+        <p:nvPicPr>
+          <p:cNvPr id="6" name="Graphic 5">
+            <a:extLst>
+              <a:ext uri="{FF2B5EF4-FFF2-40B4-BE49-F238E27FC236}">
+                <a16:creationId xmlns:a16="http://schemas.microsoft.com/office/drawing/2014/main" id="{D8EB2202-2552-9B62-DBD0-38C0B76A2BBA}"/>
+              </a:ext>
+            </a:extLst>
+          </p:cNvPr>
+          <p:cNvPicPr>
+            <a:picLocks noChangeAspect="1"/>
+          </p:cNvPicPr>
+          <p:nvPr/>
+        </p:nvPicPr>
+        <p:blipFill>
+          <a:blip r:embed="rId2">
+            <a:extLst>
+              <a:ext uri="{96DAC541-7B7A-43D3-8B79-37D633B846F1}">
+                <asvg:svgBlip xmlns:asvg="http://schemas.microsoft.com/office/drawing/2016/SVG/main" r:embed="rId3"/>
+              </a:ext>
+            </a:extLst>
+          </a:blip>
+          <a:stretch>
+            <a:fillRect/>
+          </a:stretch>
+        </p:blipFill>
+        <p:spPr>
+          <a:xfrm>
+            <a:off x="5535121" y="3394947"/>
+            <a:ext cx="1121757" cy="1127724"/>
+          </a:xfrm>
+          <a:prstGeom prst="rect">
+            <a:avLst/>
+          </a:prstGeom>
+        </p:spPr>
+      </p:pic>
     </p:spTree>
     <p:extLst>
       <p:ext uri="{BB962C8B-B14F-4D97-AF65-F5344CB8AC3E}">
@@ -24392,7 +24512,246 @@
 </p:sld>
 </file>
 
-<file path=ppt/slides/slide32.xml><?xml version="1.0" encoding="utf-8"?>
+<file path=ppt/slides/slide3.xml><?xml version="1.0" encoding="utf-8"?>
+<p:sld xmlns:a="http://schemas.openxmlformats.org/drawingml/2006/main" xmlns:r="http://schemas.openxmlformats.org/officeDocument/2006/relationships" xmlns:p="http://schemas.openxmlformats.org/presentationml/2006/main">
+  <p:cSld>
+    <p:spTree>
+      <p:nvGrpSpPr>
+        <p:cNvPr id="1" name=""/>
+        <p:cNvGrpSpPr/>
+        <p:nvPr/>
+      </p:nvGrpSpPr>
+      <p:grpSpPr>
+        <a:xfrm>
+          <a:off x="0" y="0"/>
+          <a:ext cx="0" cy="0"/>
+          <a:chOff x="0" y="0"/>
+          <a:chExt cx="0" cy="0"/>
+        </a:xfrm>
+      </p:grpSpPr>
+      <p:sp>
+        <p:nvSpPr>
+          <p:cNvPr id="2" name="Title 1">
+            <a:extLst>
+              <a:ext uri="{FF2B5EF4-FFF2-40B4-BE49-F238E27FC236}">
+                <a16:creationId xmlns:a16="http://schemas.microsoft.com/office/drawing/2014/main" id="{96826C35-FE1B-CD70-DC1E-5F326F67A23A}"/>
+              </a:ext>
+            </a:extLst>
+          </p:cNvPr>
+          <p:cNvSpPr>
+            <a:spLocks noGrp="1"/>
+          </p:cNvSpPr>
+          <p:nvPr>
+            <p:ph type="title"/>
+          </p:nvPr>
+        </p:nvSpPr>
+        <p:spPr>
+          <a:xfrm>
+            <a:off x="0" y="0"/>
+            <a:ext cx="12192000" cy="1264249"/>
+          </a:xfrm>
+        </p:spPr>
+        <p:txBody>
+          <a:bodyPr>
+            <a:normAutofit/>
+          </a:bodyPr>
+          <a:lstStyle/>
+          <a:p>
+            <a:r>
+              <a:rPr lang="en-US" dirty="0"/>
+              <a:t>Mission</a:t>
+            </a:r>
+          </a:p>
+        </p:txBody>
+      </p:sp>
+      <p:sp>
+        <p:nvSpPr>
+          <p:cNvPr id="3" name="Text Placeholder 2">
+            <a:extLst>
+              <a:ext uri="{FF2B5EF4-FFF2-40B4-BE49-F238E27FC236}">
+                <a16:creationId xmlns:a16="http://schemas.microsoft.com/office/drawing/2014/main" id="{997E7DDD-1AA7-7F9C-1DE8-FCF80149A4D8}"/>
+              </a:ext>
+            </a:extLst>
+          </p:cNvPr>
+          <p:cNvSpPr>
+            <a:spLocks noGrp="1"/>
+          </p:cNvSpPr>
+          <p:nvPr>
+            <p:ph idx="1"/>
+          </p:nvPr>
+        </p:nvSpPr>
+        <p:spPr>
+          <a:xfrm>
+            <a:off x="838200" y="1483360"/>
+            <a:ext cx="10515600" cy="4867744"/>
+          </a:xfrm>
+          <a:noFill/>
+          <a:ln>
+            <a:noFill/>
+          </a:ln>
+        </p:spPr>
+        <p:txBody>
+          <a:bodyPr spcFirstLastPara="1" vert="horz" wrap="square" lIns="121900" tIns="121900" rIns="121900" bIns="121900" rtlCol="0" anchor="t" anchorCtr="0">
+            <a:normAutofit fontScale="92500" lnSpcReduction="10000"/>
+          </a:bodyPr>
+          <a:lstStyle/>
+          <a:p>
+            <a:endParaRPr lang="en-US" dirty="0"/>
+          </a:p>
+          <a:p>
+            <a:endParaRPr lang="en-US" dirty="0"/>
+          </a:p>
+          <a:p>
+            <a:endParaRPr lang="en-US" dirty="0"/>
+          </a:p>
+          <a:p>
+            <a:endParaRPr lang="en-US" dirty="0"/>
+          </a:p>
+          <a:p>
+            <a:endParaRPr lang="en-US" dirty="0"/>
+          </a:p>
+          <a:p>
+            <a:endParaRPr lang="en-US" dirty="0"/>
+          </a:p>
+          <a:p>
+            <a:r>
+              <a:rPr lang="en-US" dirty="0"/>
+              <a:t>Adopt language engineering</a:t>
+            </a:r>
+          </a:p>
+          <a:p>
+            <a:r>
+              <a:rPr lang="en-US" dirty="0"/>
+              <a:t>Reduce vendor lock-in</a:t>
+            </a:r>
+          </a:p>
+          <a:p>
+            <a:r>
+              <a:rPr lang="en-US" dirty="0"/>
+              <a:t>Mix and match components</a:t>
+            </a:r>
+          </a:p>
+          <a:p>
+            <a:r>
+              <a:rPr lang="en-US" dirty="0"/>
+              <a:t>Foster innovation and incremental improvements</a:t>
+            </a:r>
+          </a:p>
+        </p:txBody>
+      </p:sp>
+      <p:sp>
+        <p:nvSpPr>
+          <p:cNvPr id="5" name="TextBox 4">
+            <a:extLst>
+              <a:ext uri="{FF2B5EF4-FFF2-40B4-BE49-F238E27FC236}">
+                <a16:creationId xmlns:a16="http://schemas.microsoft.com/office/drawing/2014/main" id="{C9D4DD73-1364-A7EE-26D2-B8E4321F0268}"/>
+              </a:ext>
+            </a:extLst>
+          </p:cNvPr>
+          <p:cNvSpPr txBox="1"/>
+          <p:nvPr/>
+        </p:nvSpPr>
+        <p:spPr>
+          <a:xfrm>
+            <a:off x="1726223" y="1764566"/>
+            <a:ext cx="8739554" cy="2236304"/>
+          </a:xfrm>
+          <a:prstGeom prst="rect">
+            <a:avLst/>
+          </a:prstGeom>
+          <a:solidFill>
+            <a:srgbClr val="E6752A">
+              <a:alpha val="24837"/>
+            </a:srgbClr>
+          </a:solidFill>
+        </p:spPr>
+        <p:txBody>
+          <a:bodyPr wrap="square" rtlCol="0" anchor="ctr">
+            <a:noAutofit/>
+          </a:bodyPr>
+          <a:lstStyle/>
+          <a:p>
+            <a:pPr algn="ctr"/>
+            <a:r>
+              <a:rPr lang="en-GB" sz="3200" b="1" dirty="0">
+                <a:solidFill>
+                  <a:schemeClr val="tx1"/>
+                </a:solidFill>
+                <a:latin typeface="Gilmer Heavy" pitchFamily="2" charset="77"/>
+              </a:rPr>
+              <a:t>To create an ecosystem of interoperable components for building language-oriented </a:t>
+            </a:r>
+            <a:r>
+              <a:rPr lang="en-GB" sz="3200" b="1" dirty="0" err="1">
+                <a:solidFill>
+                  <a:schemeClr val="tx1"/>
+                </a:solidFill>
+                <a:latin typeface="Gilmer Heavy" pitchFamily="2" charset="77"/>
+              </a:rPr>
+              <a:t>modeling</a:t>
+            </a:r>
+            <a:r>
+              <a:rPr lang="en-GB" sz="3200" b="1" dirty="0">
+                <a:solidFill>
+                  <a:schemeClr val="tx1"/>
+                </a:solidFill>
+                <a:latin typeface="Gilmer Heavy" pitchFamily="2" charset="77"/>
+              </a:rPr>
+              <a:t> tools on the web.</a:t>
+            </a:r>
+          </a:p>
+        </p:txBody>
+      </p:sp>
+      <p:pic>
+        <p:nvPicPr>
+          <p:cNvPr id="6" name="Graphic 5">
+            <a:extLst>
+              <a:ext uri="{FF2B5EF4-FFF2-40B4-BE49-F238E27FC236}">
+                <a16:creationId xmlns:a16="http://schemas.microsoft.com/office/drawing/2014/main" id="{B67FB92C-51BA-39F6-DC47-6DF42C66E75E}"/>
+              </a:ext>
+            </a:extLst>
+          </p:cNvPr>
+          <p:cNvPicPr>
+            <a:picLocks noChangeAspect="1"/>
+          </p:cNvPicPr>
+          <p:nvPr/>
+        </p:nvPicPr>
+        <p:blipFill>
+          <a:blip r:embed="rId2">
+            <a:extLst>
+              <a:ext uri="{96DAC541-7B7A-43D3-8B79-37D633B846F1}">
+                <asvg:svgBlip xmlns:asvg="http://schemas.microsoft.com/office/drawing/2016/SVG/main" r:embed="rId3"/>
+              </a:ext>
+            </a:extLst>
+          </a:blip>
+          <a:stretch>
+            <a:fillRect/>
+          </a:stretch>
+        </p:blipFill>
+        <p:spPr>
+          <a:xfrm>
+            <a:off x="10931467" y="68262"/>
+            <a:ext cx="1121757" cy="1127724"/>
+          </a:xfrm>
+          <a:prstGeom prst="rect">
+            <a:avLst/>
+          </a:prstGeom>
+        </p:spPr>
+      </p:pic>
+    </p:spTree>
+    <p:extLst>
+      <p:ext uri="{BB962C8B-B14F-4D97-AF65-F5344CB8AC3E}">
+        <p14:creationId xmlns:p14="http://schemas.microsoft.com/office/powerpoint/2010/main" val="935580841"/>
+      </p:ext>
+    </p:extLst>
+  </p:cSld>
+  <p:clrMapOvr>
+    <a:masterClrMapping/>
+  </p:clrMapOvr>
+</p:sld>
+</file>
+
+<file path=ppt/slides/slide30.xml><?xml version="1.0" encoding="utf-8"?>
 <p:sld xmlns:a="http://schemas.openxmlformats.org/drawingml/2006/main" xmlns:r="http://schemas.openxmlformats.org/officeDocument/2006/relationships" xmlns:p="http://schemas.openxmlformats.org/presentationml/2006/main">
   <p:cSld>
     <p:spTree>
@@ -24478,7 +24837,7 @@
 </p:sld>
 </file>
 
-<file path=ppt/slides/slide33.xml><?xml version="1.0" encoding="utf-8"?>
+<file path=ppt/slides/slide31.xml><?xml version="1.0" encoding="utf-8"?>
 <p:sld xmlns:a="http://schemas.openxmlformats.org/drawingml/2006/main" xmlns:r="http://schemas.openxmlformats.org/officeDocument/2006/relationships" xmlns:p="http://schemas.openxmlformats.org/presentationml/2006/main">
   <p:cSld>
     <p:spTree>
@@ -24555,6 +24914,202 @@
     <p:extLst>
       <p:ext uri="{BB962C8B-B14F-4D97-AF65-F5344CB8AC3E}">
         <p14:creationId xmlns:p14="http://schemas.microsoft.com/office/powerpoint/2010/main" val="484315480"/>
+      </p:ext>
+    </p:extLst>
+  </p:cSld>
+  <p:clrMapOvr>
+    <a:masterClrMapping/>
+  </p:clrMapOvr>
+</p:sld>
+</file>
+
+<file path=ppt/slides/slide32.xml><?xml version="1.0" encoding="utf-8"?>
+<p:sld xmlns:a="http://schemas.openxmlformats.org/drawingml/2006/main" xmlns:r="http://schemas.openxmlformats.org/officeDocument/2006/relationships" xmlns:p="http://schemas.openxmlformats.org/presentationml/2006/main">
+  <p:cSld>
+    <p:spTree>
+      <p:nvGrpSpPr>
+        <p:cNvPr id="1" name="">
+          <a:extLst>
+            <a:ext uri="{FF2B5EF4-FFF2-40B4-BE49-F238E27FC236}">
+              <a16:creationId xmlns:a16="http://schemas.microsoft.com/office/drawing/2014/main" id="{11C3A8AC-B01A-B748-177E-FFBBC46E83EC}"/>
+            </a:ext>
+          </a:extLst>
+        </p:cNvPr>
+        <p:cNvGrpSpPr/>
+        <p:nvPr/>
+      </p:nvGrpSpPr>
+      <p:grpSpPr>
+        <a:xfrm>
+          <a:off x="0" y="0"/>
+          <a:ext cx="0" cy="0"/>
+          <a:chOff x="0" y="0"/>
+          <a:chExt cx="0" cy="0"/>
+        </a:xfrm>
+      </p:grpSpPr>
+      <p:sp>
+        <p:nvSpPr>
+          <p:cNvPr id="2" name="Title 1">
+            <a:extLst>
+              <a:ext uri="{FF2B5EF4-FFF2-40B4-BE49-F238E27FC236}">
+                <a16:creationId xmlns:a16="http://schemas.microsoft.com/office/drawing/2014/main" id="{38534D5A-2EE7-81BC-FC7D-249FD2A8A17F}"/>
+              </a:ext>
+            </a:extLst>
+          </p:cNvPr>
+          <p:cNvSpPr>
+            <a:spLocks noGrp="1"/>
+          </p:cNvSpPr>
+          <p:nvPr>
+            <p:ph type="title"/>
+          </p:nvPr>
+        </p:nvSpPr>
+        <p:spPr>
+          <a:xfrm>
+            <a:off x="0" y="0"/>
+            <a:ext cx="12192000" cy="1264249"/>
+          </a:xfrm>
+        </p:spPr>
+        <p:txBody>
+          <a:bodyPr>
+            <a:normAutofit/>
+          </a:bodyPr>
+          <a:lstStyle/>
+          <a:p>
+            <a:r>
+              <a:rPr lang="en-US" dirty="0"/>
+              <a:t>Repository  “Store”</a:t>
+            </a:r>
+            <a:endParaRPr lang="en-NL" dirty="0"/>
+          </a:p>
+        </p:txBody>
+      </p:sp>
+      <p:sp>
+        <p:nvSpPr>
+          <p:cNvPr id="3" name="Text Placeholder 2">
+            <a:extLst>
+              <a:ext uri="{FF2B5EF4-FFF2-40B4-BE49-F238E27FC236}">
+                <a16:creationId xmlns:a16="http://schemas.microsoft.com/office/drawing/2014/main" id="{3C9E9ABA-A5DF-2A05-0AB9-B975B1A373D1}"/>
+              </a:ext>
+            </a:extLst>
+          </p:cNvPr>
+          <p:cNvSpPr>
+            <a:spLocks noGrp="1"/>
+          </p:cNvSpPr>
+          <p:nvPr>
+            <p:ph idx="1"/>
+          </p:nvPr>
+        </p:nvSpPr>
+        <p:spPr>
+          <a:xfrm>
+            <a:off x="838200" y="1483360"/>
+            <a:ext cx="10515600" cy="4867744"/>
+          </a:xfrm>
+        </p:spPr>
+        <p:txBody>
+          <a:bodyPr/>
+          <a:lstStyle/>
+          <a:p>
+            <a:pPr marL="457200" indent="-457200">
+              <a:buFont typeface="+mj-lt"/>
+              <a:buAutoNum type="arabicPeriod"/>
+            </a:pPr>
+            <a:r>
+              <a:rPr lang="en-US" dirty="0"/>
+              <a:t>Validate that incoming JSON is correct LionWeb</a:t>
+            </a:r>
+          </a:p>
+          <a:p>
+            <a:pPr marL="457200" indent="-457200">
+              <a:buFont typeface="+mj-lt"/>
+              <a:buAutoNum type="arabicPeriod"/>
+            </a:pPr>
+            <a:r>
+              <a:rPr lang="en-US" dirty="0"/>
+              <a:t>Compare incoming tree with the tree in the database</a:t>
+            </a:r>
+          </a:p>
+          <a:p>
+            <a:pPr marL="1143000" lvl="1" indent="-457200"/>
+            <a:r>
+              <a:rPr lang="en-US" dirty="0"/>
+              <a:t>Changes directly from the incoming JSON</a:t>
+            </a:r>
+          </a:p>
+          <a:p>
+            <a:pPr marL="1143000" lvl="1" indent="-457200"/>
+            <a:r>
+              <a:rPr lang="en-US" dirty="0"/>
+              <a:t>Implicit changes as a result of the incoming JSON to make it a correct tree</a:t>
+            </a:r>
+          </a:p>
+          <a:p>
+            <a:pPr marL="457200" indent="-457200">
+              <a:buFont typeface="+mj-lt"/>
+              <a:buAutoNum type="arabicPeriod"/>
+            </a:pPr>
+            <a:r>
+              <a:rPr lang="en-US" dirty="0"/>
+              <a:t>Create SQL query to make those changes in the database</a:t>
+            </a:r>
+          </a:p>
+          <a:p>
+            <a:pPr marL="457200" indent="-457200">
+              <a:buFont typeface="+mj-lt"/>
+              <a:buAutoNum type="arabicPeriod"/>
+            </a:pPr>
+            <a:r>
+              <a:rPr lang="en-US" dirty="0"/>
+              <a:t>Return success or failure</a:t>
+            </a:r>
+          </a:p>
+          <a:p>
+            <a:pPr marL="1143000" lvl="1" indent="-457200">
+              <a:buFont typeface="+mj-lt"/>
+              <a:buAutoNum type="arabicPeriod"/>
+            </a:pPr>
+            <a:endParaRPr lang="en-US" dirty="0"/>
+          </a:p>
+        </p:txBody>
+      </p:sp>
+      <p:pic>
+        <p:nvPicPr>
+          <p:cNvPr id="4" name="Graphic 3">
+            <a:extLst>
+              <a:ext uri="{FF2B5EF4-FFF2-40B4-BE49-F238E27FC236}">
+                <a16:creationId xmlns:a16="http://schemas.microsoft.com/office/drawing/2014/main" id="{8C2B1A58-9A29-416A-4EDB-BBC18B752B87}"/>
+              </a:ext>
+            </a:extLst>
+          </p:cNvPr>
+          <p:cNvPicPr>
+            <a:picLocks noChangeAspect="1"/>
+          </p:cNvPicPr>
+          <p:nvPr/>
+        </p:nvPicPr>
+        <p:blipFill>
+          <a:blip r:embed="rId2">
+            <a:extLst>
+              <a:ext uri="{96DAC541-7B7A-43D3-8B79-37D633B846F1}">
+                <asvg:svgBlip xmlns:asvg="http://schemas.microsoft.com/office/drawing/2016/SVG/main" r:embed="rId3"/>
+              </a:ext>
+            </a:extLst>
+          </a:blip>
+          <a:stretch>
+            <a:fillRect/>
+          </a:stretch>
+        </p:blipFill>
+        <p:spPr>
+          <a:xfrm>
+            <a:off x="10931467" y="68262"/>
+            <a:ext cx="1121757" cy="1127724"/>
+          </a:xfrm>
+          <a:prstGeom prst="rect">
+            <a:avLst/>
+          </a:prstGeom>
+        </p:spPr>
+      </p:pic>
+    </p:spTree>
+    <p:extLst>
+      <p:ext uri="{BB962C8B-B14F-4D97-AF65-F5344CB8AC3E}">
+        <p14:creationId xmlns:p14="http://schemas.microsoft.com/office/powerpoint/2010/main" val="3599274823"/>
       </p:ext>
     </p:extLst>
   </p:cSld>
@@ -36082,7 +36637,12 @@
             <p:ph type="title"/>
           </p:nvPr>
         </p:nvSpPr>
-        <p:spPr/>
+        <p:spPr>
+          <a:xfrm>
+            <a:off x="0" y="0"/>
+            <a:ext cx="12192000" cy="1264249"/>
+          </a:xfrm>
+        </p:spPr>
         <p:txBody>
           <a:bodyPr>
             <a:normAutofit/>
@@ -36118,10 +36678,15 @@
             <a:spLocks noGrp="1"/>
           </p:cNvSpPr>
           <p:nvPr>
-            <p:ph type="body" idx="1"/>
+            <p:ph idx="1"/>
           </p:nvPr>
         </p:nvSpPr>
-        <p:spPr/>
+        <p:spPr>
+          <a:xfrm>
+            <a:off x="838200" y="1483360"/>
+            <a:ext cx="10515600" cy="4867744"/>
+          </a:xfrm>
+        </p:spPr>
         <p:txBody>
           <a:bodyPr/>
           <a:lstStyle/>
@@ -36225,7 +36790,7 @@
         <p:spPr>
           <a:xfrm>
             <a:off x="0" y="1709738"/>
-            <a:ext cx="12192000" cy="2852737"/>
+            <a:ext cx="12192000" cy="3185396"/>
           </a:xfrm>
         </p:spPr>
         <p:txBody>
@@ -36242,10 +36807,10 @@
       </p:sp>
       <p:sp>
         <p:nvSpPr>
-          <p:cNvPr id="5" name="Text Placeholder 4">
+          <p:cNvPr id="6" name="Text Placeholder 5">
             <a:extLst>
               <a:ext uri="{FF2B5EF4-FFF2-40B4-BE49-F238E27FC236}">
-                <a16:creationId xmlns:a16="http://schemas.microsoft.com/office/drawing/2014/main" id="{CD41571D-1E66-BF2E-6AE2-F81FAFC66D70}"/>
+                <a16:creationId xmlns:a16="http://schemas.microsoft.com/office/drawing/2014/main" id="{F4604B86-705E-10BC-947B-5481729DA792}"/>
               </a:ext>
             </a:extLst>
           </p:cNvPr>
@@ -36265,6 +36830,42 @@
           </a:p>
         </p:txBody>
       </p:sp>
+      <p:pic>
+        <p:nvPicPr>
+          <p:cNvPr id="3" name="Graphic 2">
+            <a:extLst>
+              <a:ext uri="{FF2B5EF4-FFF2-40B4-BE49-F238E27FC236}">
+                <a16:creationId xmlns:a16="http://schemas.microsoft.com/office/drawing/2014/main" id="{DEB1171F-070D-09C1-C2E6-A42B98FAE736}"/>
+              </a:ext>
+            </a:extLst>
+          </p:cNvPr>
+          <p:cNvPicPr>
+            <a:picLocks noChangeAspect="1"/>
+          </p:cNvPicPr>
+          <p:nvPr/>
+        </p:nvPicPr>
+        <p:blipFill>
+          <a:blip r:embed="rId2">
+            <a:extLst>
+              <a:ext uri="{96DAC541-7B7A-43D3-8B79-37D633B846F1}">
+                <asvg:svgBlip xmlns:asvg="http://schemas.microsoft.com/office/drawing/2016/SVG/main" r:embed="rId3"/>
+              </a:ext>
+            </a:extLst>
+          </a:blip>
+          <a:stretch>
+            <a:fillRect/>
+          </a:stretch>
+        </p:blipFill>
+        <p:spPr>
+          <a:xfrm>
+            <a:off x="5535121" y="3394947"/>
+            <a:ext cx="1121757" cy="1127724"/>
+          </a:xfrm>
+          <a:prstGeom prst="rect">
+            <a:avLst/>
+          </a:prstGeom>
+        </p:spPr>
+      </p:pic>
     </p:spTree>
     <p:extLst>
       <p:ext uri="{BB962C8B-B14F-4D97-AF65-F5344CB8AC3E}">
@@ -36585,14 +37186,14 @@
             <a:pPr lvl="2"/>
             <a:r>
               <a:rPr lang="en-GB" dirty="0"/>
-              <a:t>A custom web-based runtime system, guiding them through the work of each visit</a:t>
+              <a:t>Freon-based Web DSL, using LionWeb for storage, to define, test and generate visualization of the schedule and the code and configuration for the runtime.</a:t>
             </a:r>
           </a:p>
           <a:p>
             <a:pPr lvl="2"/>
             <a:r>
               <a:rPr lang="en-GB" dirty="0"/>
-              <a:t>Freon-based DSL, using LionWeb for storage, to test and generate visualization of the schedule and the code and configuration of the runtime that guides them through the work for each unique study.</a:t>
+              <a:t>A custom web-based runtime system, guiding them through the work of each visit and study</a:t>
             </a:r>
             <a:endParaRPr lang="en-US" dirty="0"/>
           </a:p>
